--- a/workshop-inova/workshop-dadosmg.pptx
+++ b/workshop-inova/workshop-dadosmg.pptx
@@ -7,44 +7,43 @@
     <p:sldMasterId id="2147483687" r:id="rId3"/>
   </p:sldMasterIdLst>
   <p:notesMasterIdLst>
-    <p:notesMasterId r:id="rId17"/>
+    <p:notesMasterId r:id="rId16"/>
   </p:notesMasterIdLst>
   <p:sldIdLst>
     <p:sldId id="274" r:id="rId4"/>
-    <p:sldId id="278" r:id="rId5"/>
-    <p:sldId id="263" r:id="rId6"/>
-    <p:sldId id="275" r:id="rId7"/>
-    <p:sldId id="276" r:id="rId8"/>
-    <p:sldId id="277" r:id="rId9"/>
-    <p:sldId id="280" r:id="rId10"/>
-    <p:sldId id="266" r:id="rId11"/>
-    <p:sldId id="267" r:id="rId12"/>
-    <p:sldId id="272" r:id="rId13"/>
-    <p:sldId id="279" r:id="rId14"/>
-    <p:sldId id="271" r:id="rId15"/>
-    <p:sldId id="264" r:id="rId16"/>
+    <p:sldId id="263" r:id="rId5"/>
+    <p:sldId id="275" r:id="rId6"/>
+    <p:sldId id="276" r:id="rId7"/>
+    <p:sldId id="277" r:id="rId8"/>
+    <p:sldId id="280" r:id="rId9"/>
+    <p:sldId id="266" r:id="rId10"/>
+    <p:sldId id="267" r:id="rId11"/>
+    <p:sldId id="272" r:id="rId12"/>
+    <p:sldId id="279" r:id="rId13"/>
+    <p:sldId id="271" r:id="rId14"/>
+    <p:sldId id="264" r:id="rId15"/>
   </p:sldIdLst>
   <p:sldSz cx="12192000" cy="6858000"/>
   <p:notesSz cx="6858000" cy="9144000"/>
   <p:embeddedFontLst>
     <p:embeddedFont>
       <p:font typeface="Calibri Light" panose="020F0302020204030204" pitchFamily="34" charset="0"/>
-      <p:regular r:id="rId18"/>
-      <p:italic r:id="rId19"/>
+      <p:regular r:id="rId17"/>
+      <p:italic r:id="rId18"/>
     </p:embeddedFont>
     <p:embeddedFont>
       <p:font typeface="Calibri" panose="020F0502020204030204" pitchFamily="34" charset="0"/>
-      <p:regular r:id="rId20"/>
-      <p:bold r:id="rId21"/>
-      <p:italic r:id="rId22"/>
-      <p:boldItalic r:id="rId23"/>
+      <p:regular r:id="rId19"/>
+      <p:bold r:id="rId20"/>
+      <p:italic r:id="rId21"/>
+      <p:boldItalic r:id="rId22"/>
     </p:embeddedFont>
     <p:embeddedFont>
       <p:font typeface="Arial Narrow" panose="020B0606020202030204" pitchFamily="34" charset="0"/>
-      <p:regular r:id="rId24"/>
-      <p:bold r:id="rId25"/>
-      <p:italic r:id="rId26"/>
-      <p:boldItalic r:id="rId27"/>
+      <p:regular r:id="rId23"/>
+      <p:bold r:id="rId24"/>
+      <p:italic r:id="rId25"/>
+      <p:boldItalic r:id="rId26"/>
     </p:embeddedFont>
   </p:embeddedFontLst>
   <p:defaultTextStyle>
@@ -235,7 +234,7 @@
           <a:p>
             <a:fld id="{BD3620BF-6045-4AC6-8EE4-465FA5B7FDA8}" type="datetimeFigureOut">
               <a:rPr lang="pt-BR" smtClean="0"/>
-              <a:t>10/11/2020</a:t>
+              <a:t>11/11/2020</a:t>
             </a:fld>
             <a:endParaRPr lang="pt-BR"/>
           </a:p>
@@ -567,7 +566,7 @@
           <a:p>
             <a:fld id="{B5B6D898-C8EB-4B55-9A90-B885AB37FA91}" type="slidenum">
               <a:rPr lang="pt-BR" smtClean="0"/>
-              <a:t>3</a:t>
+              <a:t>2</a:t>
             </a:fld>
             <a:endParaRPr lang="pt-BR"/>
           </a:p>
@@ -651,7 +650,7 @@
           <a:p>
             <a:fld id="{B5B6D898-C8EB-4B55-9A90-B885AB37FA91}" type="slidenum">
               <a:rPr lang="pt-BR" smtClean="0"/>
-              <a:t>6</a:t>
+              <a:t>5</a:t>
             </a:fld>
             <a:endParaRPr lang="pt-BR"/>
           </a:p>
@@ -735,7 +734,7 @@
           <a:p>
             <a:fld id="{B5B6D898-C8EB-4B55-9A90-B885AB37FA91}" type="slidenum">
               <a:rPr lang="pt-BR" smtClean="0"/>
-              <a:t>7</a:t>
+              <a:t>6</a:t>
             </a:fld>
             <a:endParaRPr lang="pt-BR"/>
           </a:p>
@@ -798,6 +797,31 @@
           <a:bodyPr/>
           <a:lstStyle/>
           <a:p>
+            <a:r>
+              <a:rPr lang="pt-BR" sz="1200" b="1" i="0" u="none" strike="noStrike" kern="1200" dirty="0" smtClean="0">
+                <a:solidFill>
+                  <a:schemeClr val="tx1"/>
+                </a:solidFill>
+                <a:effectLst/>
+                <a:latin typeface="+mn-lt"/>
+                <a:ea typeface="+mn-ea"/>
+                <a:cs typeface="+mn-cs"/>
+              </a:rPr>
+              <a:t>SEM DOCUMENTAÇÃO, OS USUÁRIOS PRECISAM SER DETETIVES</a:t>
+            </a:r>
+          </a:p>
+          <a:p>
+            <a:endParaRPr lang="pt-BR" sz="1200" b="1" i="0" u="none" strike="noStrike" kern="1200" dirty="0" smtClean="0">
+              <a:solidFill>
+                <a:schemeClr val="tx1"/>
+              </a:solidFill>
+              <a:effectLst/>
+              <a:latin typeface="+mn-lt"/>
+              <a:ea typeface="+mn-ea"/>
+              <a:cs typeface="+mn-cs"/>
+            </a:endParaRPr>
+          </a:p>
+          <a:p>
             <a:endParaRPr lang="pt-BR" dirty="0"/>
           </a:p>
         </p:txBody>
@@ -819,7 +843,7 @@
           <a:p>
             <a:fld id="{B5B6D898-C8EB-4B55-9A90-B885AB37FA91}" type="slidenum">
               <a:rPr lang="pt-BR" smtClean="0"/>
-              <a:t>8</a:t>
+              <a:t>7</a:t>
             </a:fld>
             <a:endParaRPr lang="pt-BR"/>
           </a:p>
@@ -882,6 +906,585 @@
           <a:bodyPr/>
           <a:lstStyle/>
           <a:p>
+            <a:r>
+              <a:rPr lang="pt-BR" sz="1200" b="1" i="0" u="none" strike="noStrike" kern="1200" dirty="0" smtClean="0">
+                <a:solidFill>
+                  <a:schemeClr val="tx1"/>
+                </a:solidFill>
+                <a:effectLst/>
+                <a:latin typeface="+mn-lt"/>
+                <a:ea typeface="+mn-ea"/>
+                <a:cs typeface="+mn-cs"/>
+              </a:rPr>
+              <a:t>DOCUMENTAÇÃO É UMA CONVERSA</a:t>
+            </a:r>
+            <a:endParaRPr lang="pt-BR" dirty="0"/>
+          </a:p>
+        </p:txBody>
+      </p:sp>
+      <p:sp>
+        <p:nvSpPr>
+          <p:cNvPr id="4" name="Espaço Reservado para Número de Slide 3"/>
+          <p:cNvSpPr>
+            <a:spLocks noGrp="1"/>
+          </p:cNvSpPr>
+          <p:nvPr>
+            <p:ph type="sldNum" sz="quarter" idx="10"/>
+          </p:nvPr>
+        </p:nvSpPr>
+        <p:spPr/>
+        <p:txBody>
+          <a:bodyPr/>
+          <a:lstStyle/>
+          <a:p>
+            <a:fld id="{B5B6D898-C8EB-4B55-9A90-B885AB37FA91}" type="slidenum">
+              <a:rPr lang="pt-BR" smtClean="0"/>
+              <a:t>8</a:t>
+            </a:fld>
+            <a:endParaRPr lang="pt-BR"/>
+          </a:p>
+        </p:txBody>
+      </p:sp>
+    </p:spTree>
+    <p:extLst>
+      <p:ext uri="{BB962C8B-B14F-4D97-AF65-F5344CB8AC3E}">
+        <p14:creationId xmlns:p14="http://schemas.microsoft.com/office/powerpoint/2010/main" val="3495379311"/>
+      </p:ext>
+    </p:extLst>
+  </p:cSld>
+  <p:clrMapOvr>
+    <a:masterClrMapping/>
+  </p:clrMapOvr>
+</p:notes>
+</file>
+
+<file path=ppt/notesSlides/notesSlide6.xml><?xml version="1.0" encoding="utf-8"?>
+<p:notes xmlns:a="http://schemas.openxmlformats.org/drawingml/2006/main" xmlns:r="http://schemas.openxmlformats.org/officeDocument/2006/relationships" xmlns:p="http://schemas.openxmlformats.org/presentationml/2006/main">
+  <p:cSld>
+    <p:spTree>
+      <p:nvGrpSpPr>
+        <p:cNvPr id="1" name=""/>
+        <p:cNvGrpSpPr/>
+        <p:nvPr/>
+      </p:nvGrpSpPr>
+      <p:grpSpPr>
+        <a:xfrm>
+          <a:off x="0" y="0"/>
+          <a:ext cx="0" cy="0"/>
+          <a:chOff x="0" y="0"/>
+          <a:chExt cx="0" cy="0"/>
+        </a:xfrm>
+      </p:grpSpPr>
+      <p:sp>
+        <p:nvSpPr>
+          <p:cNvPr id="2" name="Espaço Reservado para Imagem de Slide 1"/>
+          <p:cNvSpPr>
+            <a:spLocks noGrp="1" noRot="1" noChangeAspect="1"/>
+          </p:cNvSpPr>
+          <p:nvPr>
+            <p:ph type="sldImg"/>
+          </p:nvPr>
+        </p:nvSpPr>
+        <p:spPr/>
+      </p:sp>
+      <p:sp>
+        <p:nvSpPr>
+          <p:cNvPr id="3" name="Espaço Reservado para Anotações 2"/>
+          <p:cNvSpPr>
+            <a:spLocks noGrp="1"/>
+          </p:cNvSpPr>
+          <p:nvPr>
+            <p:ph type="body" idx="1"/>
+          </p:nvPr>
+        </p:nvSpPr>
+        <p:spPr/>
+        <p:txBody>
+          <a:bodyPr/>
+          <a:lstStyle/>
+          <a:p>
+            <a:r>
+              <a:rPr lang="pt-BR" dirty="0" smtClean="0"/>
+              <a:t>https://specs.frictionlessdata.io/table-schema/#concepts</a:t>
+            </a:r>
+            <a:endParaRPr lang="pt-BR" dirty="0"/>
+          </a:p>
+        </p:txBody>
+      </p:sp>
+      <p:sp>
+        <p:nvSpPr>
+          <p:cNvPr id="4" name="Espaço Reservado para Número de Slide 3"/>
+          <p:cNvSpPr>
+            <a:spLocks noGrp="1"/>
+          </p:cNvSpPr>
+          <p:nvPr>
+            <p:ph type="sldNum" sz="quarter" idx="10"/>
+          </p:nvPr>
+        </p:nvSpPr>
+        <p:spPr/>
+        <p:txBody>
+          <a:bodyPr/>
+          <a:lstStyle/>
+          <a:p>
+            <a:fld id="{B5B6D898-C8EB-4B55-9A90-B885AB37FA91}" type="slidenum">
+              <a:rPr lang="pt-BR" smtClean="0"/>
+              <a:t>9</a:t>
+            </a:fld>
+            <a:endParaRPr lang="pt-BR"/>
+          </a:p>
+        </p:txBody>
+      </p:sp>
+    </p:spTree>
+    <p:extLst>
+      <p:ext uri="{BB962C8B-B14F-4D97-AF65-F5344CB8AC3E}">
+        <p14:creationId xmlns:p14="http://schemas.microsoft.com/office/powerpoint/2010/main" val="1238824754"/>
+      </p:ext>
+    </p:extLst>
+  </p:cSld>
+  <p:clrMapOvr>
+    <a:masterClrMapping/>
+  </p:clrMapOvr>
+</p:notes>
+</file>
+
+<file path=ppt/notesSlides/notesSlide7.xml><?xml version="1.0" encoding="utf-8"?>
+<p:notes xmlns:a="http://schemas.openxmlformats.org/drawingml/2006/main" xmlns:r="http://schemas.openxmlformats.org/officeDocument/2006/relationships" xmlns:p="http://schemas.openxmlformats.org/presentationml/2006/main">
+  <p:cSld>
+    <p:spTree>
+      <p:nvGrpSpPr>
+        <p:cNvPr id="1" name=""/>
+        <p:cNvGrpSpPr/>
+        <p:nvPr/>
+      </p:nvGrpSpPr>
+      <p:grpSpPr>
+        <a:xfrm>
+          <a:off x="0" y="0"/>
+          <a:ext cx="0" cy="0"/>
+          <a:chOff x="0" y="0"/>
+          <a:chExt cx="0" cy="0"/>
+        </a:xfrm>
+      </p:grpSpPr>
+      <p:sp>
+        <p:nvSpPr>
+          <p:cNvPr id="2" name="Espaço Reservado para Imagem de Slide 1"/>
+          <p:cNvSpPr>
+            <a:spLocks noGrp="1" noRot="1" noChangeAspect="1"/>
+          </p:cNvSpPr>
+          <p:nvPr>
+            <p:ph type="sldImg"/>
+          </p:nvPr>
+        </p:nvSpPr>
+        <p:spPr/>
+      </p:sp>
+      <p:sp>
+        <p:nvSpPr>
+          <p:cNvPr id="3" name="Espaço Reservado para Anotações 2"/>
+          <p:cNvSpPr>
+            <a:spLocks noGrp="1"/>
+          </p:cNvSpPr>
+          <p:nvPr>
+            <p:ph type="body" idx="1"/>
+          </p:nvPr>
+        </p:nvSpPr>
+        <p:spPr/>
+        <p:txBody>
+          <a:bodyPr/>
+          <a:lstStyle/>
+          <a:p>
+            <a:r>
+              <a:rPr lang="pt-BR" sz="1200" b="0" i="0" kern="1200" dirty="0" smtClean="0">
+                <a:solidFill>
+                  <a:schemeClr val="tx1"/>
+                </a:solidFill>
+                <a:effectLst/>
+                <a:latin typeface="+mn-lt"/>
+                <a:ea typeface="+mn-ea"/>
+                <a:cs typeface="+mn-cs"/>
+              </a:rPr>
+              <a:t>Espaço não pode ser utilizado nos nomes dos arquivos e diretórios</a:t>
+            </a:r>
+          </a:p>
+          <a:p>
+            <a:r>
+              <a:rPr lang="pt-BR" sz="1200" b="0" i="0" kern="1200" dirty="0" smtClean="0">
+                <a:solidFill>
+                  <a:schemeClr val="tx1"/>
+                </a:solidFill>
+                <a:effectLst/>
+                <a:latin typeface="+mn-lt"/>
+                <a:ea typeface="+mn-ea"/>
+                <a:cs typeface="+mn-cs"/>
+              </a:rPr>
+              <a:t>Ano não é informação para constar no nome do </a:t>
+            </a:r>
+            <a:r>
+              <a:rPr lang="pt-BR" sz="1200" b="0" i="0" kern="1200" dirty="0" err="1" smtClean="0">
+                <a:solidFill>
+                  <a:schemeClr val="tx1"/>
+                </a:solidFill>
+                <a:effectLst/>
+                <a:latin typeface="+mn-lt"/>
+                <a:ea typeface="+mn-ea"/>
+                <a:cs typeface="+mn-cs"/>
+              </a:rPr>
+              <a:t>dataset</a:t>
+            </a:r>
+            <a:endParaRPr lang="pt-BR" sz="1200" b="0" i="0" kern="1200" dirty="0" smtClean="0">
+              <a:solidFill>
+                <a:schemeClr val="tx1"/>
+              </a:solidFill>
+              <a:effectLst/>
+              <a:latin typeface="+mn-lt"/>
+              <a:ea typeface="+mn-ea"/>
+              <a:cs typeface="+mn-cs"/>
+            </a:endParaRPr>
+          </a:p>
+          <a:p>
+            <a:r>
+              <a:rPr lang="pt-BR" sz="1200" b="0" i="0" kern="1200" dirty="0" smtClean="0">
+                <a:solidFill>
+                  <a:schemeClr val="tx1"/>
+                </a:solidFill>
+                <a:effectLst/>
+                <a:latin typeface="+mn-lt"/>
+                <a:ea typeface="+mn-ea"/>
+                <a:cs typeface="+mn-cs"/>
+              </a:rPr>
+              <a:t>Partículas (artigos, preposições) e VERBOS são dispensáveis nos nomes dos </a:t>
+            </a:r>
+            <a:r>
+              <a:rPr lang="pt-BR" sz="1200" b="0" i="0" kern="1200" dirty="0" err="1" smtClean="0">
+                <a:solidFill>
+                  <a:schemeClr val="tx1"/>
+                </a:solidFill>
+                <a:effectLst/>
+                <a:latin typeface="+mn-lt"/>
+                <a:ea typeface="+mn-ea"/>
+                <a:cs typeface="+mn-cs"/>
+              </a:rPr>
+              <a:t>datasets</a:t>
+            </a:r>
+            <a:r>
+              <a:rPr lang="pt-BR" sz="1200" b="0" i="0" kern="1200" dirty="0" smtClean="0">
+                <a:solidFill>
+                  <a:schemeClr val="tx1"/>
+                </a:solidFill>
+                <a:effectLst/>
+                <a:latin typeface="+mn-lt"/>
+                <a:ea typeface="+mn-ea"/>
+                <a:cs typeface="+mn-cs"/>
+              </a:rPr>
+              <a:t> e recursos</a:t>
+            </a:r>
+          </a:p>
+          <a:p>
+            <a:r>
+              <a:rPr lang="pt-BR" sz="1200" b="0" i="0" kern="1200" dirty="0" smtClean="0">
+                <a:solidFill>
+                  <a:schemeClr val="tx1"/>
+                </a:solidFill>
+                <a:effectLst/>
+                <a:latin typeface="+mn-lt"/>
+                <a:ea typeface="+mn-ea"/>
+                <a:cs typeface="+mn-cs"/>
+              </a:rPr>
+              <a:t>Vide </a:t>
+            </a:r>
+            <a:r>
+              <a:rPr lang="pt-BR" sz="1200" b="0" i="0" u="none" strike="noStrike" kern="1200" dirty="0" err="1" smtClean="0">
+                <a:solidFill>
+                  <a:schemeClr val="tx1"/>
+                </a:solidFill>
+                <a:effectLst/>
+                <a:latin typeface="+mn-lt"/>
+                <a:ea typeface="+mn-ea"/>
+                <a:cs typeface="+mn-cs"/>
+                <a:hlinkClick r:id="rId3"/>
+              </a:rPr>
+              <a:t>html</a:t>
+            </a:r>
+            <a:r>
+              <a:rPr lang="pt-BR" sz="1200" b="0" i="0" u="none" strike="noStrike" kern="1200" dirty="0" smtClean="0">
+                <a:solidFill>
+                  <a:schemeClr val="tx1"/>
+                </a:solidFill>
+                <a:effectLst/>
+                <a:latin typeface="+mn-lt"/>
+                <a:ea typeface="+mn-ea"/>
+                <a:cs typeface="+mn-cs"/>
+                <a:hlinkClick r:id="rId3"/>
+              </a:rPr>
+              <a:t> id</a:t>
+            </a:r>
+            <a:r>
+              <a:rPr lang="pt-BR" sz="1200" b="0" i="0" kern="1200" dirty="0" smtClean="0">
+                <a:solidFill>
+                  <a:schemeClr val="tx1"/>
+                </a:solidFill>
+                <a:effectLst/>
+                <a:latin typeface="+mn-lt"/>
+                <a:ea typeface="+mn-ea"/>
+                <a:cs typeface="+mn-cs"/>
+              </a:rPr>
+              <a:t> e </a:t>
+            </a:r>
+            <a:r>
+              <a:rPr lang="pt-BR" sz="1200" b="0" i="0" u="none" strike="noStrike" kern="1200" dirty="0" err="1" smtClean="0">
+                <a:solidFill>
+                  <a:schemeClr val="tx1"/>
+                </a:solidFill>
+                <a:effectLst/>
+                <a:latin typeface="+mn-lt"/>
+                <a:ea typeface="+mn-ea"/>
+                <a:cs typeface="+mn-cs"/>
+                <a:hlinkClick r:id="rId4"/>
+              </a:rPr>
+              <a:t>slug</a:t>
+            </a:r>
+            <a:endParaRPr lang="pt-BR" sz="1200" b="0" i="0" kern="1200" dirty="0" smtClean="0">
+              <a:solidFill>
+                <a:schemeClr val="tx1"/>
+              </a:solidFill>
+              <a:effectLst/>
+              <a:latin typeface="+mn-lt"/>
+              <a:ea typeface="+mn-ea"/>
+              <a:cs typeface="+mn-cs"/>
+            </a:endParaRPr>
+          </a:p>
+          <a:p>
+            <a:r>
+              <a:rPr lang="pt-BR" sz="1200" b="0" i="0" kern="1200" dirty="0" smtClean="0">
+                <a:solidFill>
+                  <a:schemeClr val="tx1"/>
+                </a:solidFill>
+                <a:effectLst/>
+                <a:latin typeface="+mn-lt"/>
+                <a:ea typeface="+mn-ea"/>
+                <a:cs typeface="+mn-cs"/>
+              </a:rPr>
+              <a:t>Fazer analogias para padronizar com as nomenclaturas utilizadas nos títulos das seções do </a:t>
+            </a:r>
+            <a:r>
+              <a:rPr lang="pt-BR" sz="1200" b="0" i="0" u="none" strike="noStrike" kern="1200" dirty="0" smtClean="0">
+                <a:solidFill>
+                  <a:schemeClr val="tx1"/>
+                </a:solidFill>
+                <a:effectLst/>
+                <a:latin typeface="+mn-lt"/>
+                <a:ea typeface="+mn-ea"/>
+                <a:cs typeface="+mn-cs"/>
+                <a:hlinkClick r:id="rId5"/>
+              </a:rPr>
+              <a:t>Guia do Menu Transparência</a:t>
+            </a:r>
+            <a:endParaRPr lang="pt-BR" sz="1200" b="0" i="0" kern="1200" dirty="0" smtClean="0">
+              <a:solidFill>
+                <a:schemeClr val="tx1"/>
+              </a:solidFill>
+              <a:effectLst/>
+              <a:latin typeface="+mn-lt"/>
+              <a:ea typeface="+mn-ea"/>
+              <a:cs typeface="+mn-cs"/>
+            </a:endParaRPr>
+          </a:p>
+          <a:p>
+            <a:r>
+              <a:rPr lang="pt-BR" sz="1200" b="0" i="0" kern="1200" dirty="0" smtClean="0">
+                <a:solidFill>
+                  <a:schemeClr val="tx1"/>
+                </a:solidFill>
+                <a:effectLst/>
+                <a:latin typeface="+mn-lt"/>
+                <a:ea typeface="+mn-ea"/>
+                <a:cs typeface="+mn-cs"/>
+              </a:rPr>
+              <a:t>Nome legível por máquina (</a:t>
+            </a:r>
+            <a:r>
+              <a:rPr lang="pt-BR" sz="1200" b="0" i="0" kern="1200" dirty="0" err="1" smtClean="0">
+                <a:solidFill>
+                  <a:schemeClr val="tx1"/>
+                </a:solidFill>
+                <a:effectLst/>
+                <a:latin typeface="+mn-lt"/>
+                <a:ea typeface="+mn-ea"/>
+                <a:cs typeface="+mn-cs"/>
+              </a:rPr>
+              <a:t>name</a:t>
+            </a:r>
+            <a:r>
+              <a:rPr lang="pt-BR" sz="1200" b="0" i="0" kern="1200" dirty="0" smtClean="0">
+                <a:solidFill>
+                  <a:schemeClr val="tx1"/>
+                </a:solidFill>
+                <a:effectLst/>
+                <a:latin typeface="+mn-lt"/>
+                <a:ea typeface="+mn-ea"/>
+                <a:cs typeface="+mn-cs"/>
+              </a:rPr>
+              <a:t>) = gerado a partir do nome legível humanamente (</a:t>
+            </a:r>
+            <a:r>
+              <a:rPr lang="pt-BR" sz="1200" b="0" i="0" kern="1200" dirty="0" err="1" smtClean="0">
+                <a:solidFill>
+                  <a:schemeClr val="tx1"/>
+                </a:solidFill>
+                <a:effectLst/>
+                <a:latin typeface="+mn-lt"/>
+                <a:ea typeface="+mn-ea"/>
+                <a:cs typeface="+mn-cs"/>
+              </a:rPr>
+              <a:t>title</a:t>
+            </a:r>
+            <a:r>
+              <a:rPr lang="pt-BR" sz="1200" b="0" i="0" kern="1200" dirty="0" smtClean="0">
+                <a:solidFill>
+                  <a:schemeClr val="tx1"/>
+                </a:solidFill>
+                <a:effectLst/>
+                <a:latin typeface="+mn-lt"/>
+                <a:ea typeface="+mn-ea"/>
+                <a:cs typeface="+mn-cs"/>
+              </a:rPr>
+              <a:t>), substituindo espaços por </a:t>
+            </a:r>
+            <a:r>
+              <a:rPr lang="pt-BR" sz="1200" b="0" i="0" kern="1200" dirty="0" err="1" smtClean="0">
+                <a:solidFill>
+                  <a:schemeClr val="tx1"/>
+                </a:solidFill>
+                <a:effectLst/>
+                <a:latin typeface="+mn-lt"/>
+                <a:ea typeface="+mn-ea"/>
+                <a:cs typeface="+mn-cs"/>
+              </a:rPr>
+              <a:t>hífens</a:t>
+            </a:r>
+            <a:r>
+              <a:rPr lang="pt-BR" sz="1200" b="0" i="0" kern="1200" dirty="0" smtClean="0">
+                <a:solidFill>
+                  <a:schemeClr val="tx1"/>
+                </a:solidFill>
+                <a:effectLst/>
+                <a:latin typeface="+mn-lt"/>
+                <a:ea typeface="+mn-ea"/>
+                <a:cs typeface="+mn-cs"/>
+              </a:rPr>
+              <a:t> e eliminando acentos e cedilha</a:t>
+            </a:r>
+          </a:p>
+          <a:p>
+            <a:r>
+              <a:rPr lang="pt-BR" sz="1200" b="1" i="0" kern="1200" dirty="0" smtClean="0">
+                <a:solidFill>
+                  <a:schemeClr val="tx1"/>
+                </a:solidFill>
+                <a:effectLst/>
+                <a:latin typeface="+mn-lt"/>
+                <a:ea typeface="+mn-ea"/>
+                <a:cs typeface="+mn-cs"/>
+              </a:rPr>
+              <a:t>5.1. </a:t>
+            </a:r>
+            <a:r>
+              <a:rPr lang="pt-BR" sz="1200" b="1" i="0" u="none" strike="noStrike" kern="1200" dirty="0" smtClean="0">
+                <a:solidFill>
+                  <a:schemeClr val="tx1"/>
+                </a:solidFill>
+                <a:effectLst/>
+                <a:latin typeface="+mn-lt"/>
+                <a:ea typeface="+mn-ea"/>
+                <a:cs typeface="+mn-cs"/>
+                <a:hlinkClick r:id="rId6"/>
+              </a:rPr>
+              <a:t>Especificação do </a:t>
+            </a:r>
+            <a:r>
+              <a:rPr lang="pt-BR" sz="1200" b="1" i="0" u="none" strike="noStrike" kern="1200" dirty="0" err="1" smtClean="0">
+                <a:solidFill>
+                  <a:schemeClr val="tx1"/>
+                </a:solidFill>
+                <a:effectLst/>
+                <a:latin typeface="+mn-lt"/>
+                <a:ea typeface="+mn-ea"/>
+                <a:cs typeface="+mn-cs"/>
+                <a:hlinkClick r:id="rId6"/>
+              </a:rPr>
+              <a:t>csv</a:t>
+            </a:r>
+            <a:endParaRPr lang="pt-BR" sz="1200" b="1" i="0" kern="1200" dirty="0" smtClean="0">
+              <a:solidFill>
+                <a:schemeClr val="tx1"/>
+              </a:solidFill>
+              <a:effectLst/>
+              <a:latin typeface="+mn-lt"/>
+              <a:ea typeface="+mn-ea"/>
+              <a:cs typeface="+mn-cs"/>
+            </a:endParaRPr>
+          </a:p>
+          <a:p>
+            <a:r>
+              <a:rPr lang="pt-BR" sz="1200" b="0" i="0" u="none" strike="noStrike" kern="1200" dirty="0" smtClean="0">
+                <a:solidFill>
+                  <a:schemeClr val="tx1"/>
+                </a:solidFill>
+                <a:effectLst/>
+                <a:latin typeface="+mn-lt"/>
+                <a:ea typeface="+mn-ea"/>
+                <a:cs typeface="+mn-cs"/>
+                <a:hlinkClick r:id="rId7"/>
+              </a:rPr>
+              <a:t>The CSV </a:t>
+            </a:r>
+            <a:r>
+              <a:rPr lang="pt-BR" sz="1200" b="0" i="0" u="none" strike="noStrike" kern="1200" dirty="0" err="1" smtClean="0">
+                <a:solidFill>
+                  <a:schemeClr val="tx1"/>
+                </a:solidFill>
+                <a:effectLst/>
+                <a:latin typeface="+mn-lt"/>
+                <a:ea typeface="+mn-ea"/>
+                <a:cs typeface="+mn-cs"/>
+                <a:hlinkClick r:id="rId7"/>
+              </a:rPr>
+              <a:t>dialect</a:t>
+            </a:r>
+            <a:r>
+              <a:rPr lang="pt-BR" sz="1200" b="0" i="0" u="none" strike="noStrike" kern="1200" dirty="0" smtClean="0">
+                <a:solidFill>
+                  <a:schemeClr val="tx1"/>
+                </a:solidFill>
+                <a:effectLst/>
+                <a:latin typeface="+mn-lt"/>
+                <a:ea typeface="+mn-ea"/>
+                <a:cs typeface="+mn-cs"/>
+                <a:hlinkClick r:id="rId7"/>
+              </a:rPr>
+              <a:t> </a:t>
+            </a:r>
+            <a:r>
+              <a:rPr lang="pt-BR" sz="1200" b="0" i="0" u="none" strike="noStrike" kern="1200" dirty="0" err="1" smtClean="0">
+                <a:solidFill>
+                  <a:schemeClr val="tx1"/>
+                </a:solidFill>
+                <a:effectLst/>
+                <a:latin typeface="+mn-lt"/>
+                <a:ea typeface="+mn-ea"/>
+                <a:cs typeface="+mn-cs"/>
+                <a:hlinkClick r:id="rId7"/>
+              </a:rPr>
+              <a:t>descriptor</a:t>
+            </a:r>
+            <a:endParaRPr lang="pt-BR" sz="1200" b="0" i="0" kern="1200" dirty="0" smtClean="0">
+              <a:solidFill>
+                <a:schemeClr val="tx1"/>
+              </a:solidFill>
+              <a:effectLst/>
+              <a:latin typeface="+mn-lt"/>
+              <a:ea typeface="+mn-ea"/>
+              <a:cs typeface="+mn-cs"/>
+            </a:endParaRPr>
+          </a:p>
+          <a:p>
             <a:endParaRPr lang="pt-BR" dirty="0"/>
           </a:p>
         </p:txBody>
@@ -912,7 +1515,7 @@
     </p:spTree>
     <p:extLst>
       <p:ext uri="{BB962C8B-B14F-4D97-AF65-F5344CB8AC3E}">
-        <p14:creationId xmlns:p14="http://schemas.microsoft.com/office/powerpoint/2010/main" val="1238824754"/>
+        <p14:creationId xmlns:p14="http://schemas.microsoft.com/office/powerpoint/2010/main" val="2428323708"/>
       </p:ext>
     </p:extLst>
   </p:cSld>
@@ -1274,7 +1877,7 @@
           <a:p>
             <a:fld id="{75355C42-EFCA-4D19-8DCD-93C1B8069CBA}" type="datetimeFigureOut">
               <a:rPr lang="pt-BR" smtClean="0"/>
-              <a:t>10/11/2020</a:t>
+              <a:t>11/11/2020</a:t>
             </a:fld>
             <a:endParaRPr lang="pt-BR"/>
           </a:p>
@@ -1442,7 +2045,7 @@
           <a:p>
             <a:fld id="{75355C42-EFCA-4D19-8DCD-93C1B8069CBA}" type="datetimeFigureOut">
               <a:rPr lang="pt-BR" smtClean="0"/>
-              <a:t>10/11/2020</a:t>
+              <a:t>11/11/2020</a:t>
             </a:fld>
             <a:endParaRPr lang="pt-BR"/>
           </a:p>
@@ -1687,7 +2290,7 @@
           <a:p>
             <a:fld id="{75355C42-EFCA-4D19-8DCD-93C1B8069CBA}" type="datetimeFigureOut">
               <a:rPr lang="pt-BR" smtClean="0"/>
-              <a:t>10/11/2020</a:t>
+              <a:t>11/11/2020</a:t>
             </a:fld>
             <a:endParaRPr lang="pt-BR"/>
           </a:p>
@@ -1916,7 +2519,7 @@
           <a:p>
             <a:fld id="{75355C42-EFCA-4D19-8DCD-93C1B8069CBA}" type="datetimeFigureOut">
               <a:rPr lang="pt-BR" smtClean="0"/>
-              <a:t>10/11/2020</a:t>
+              <a:t>11/11/2020</a:t>
             </a:fld>
             <a:endParaRPr lang="pt-BR"/>
           </a:p>
@@ -2280,7 +2883,7 @@
           <a:p>
             <a:fld id="{75355C42-EFCA-4D19-8DCD-93C1B8069CBA}" type="datetimeFigureOut">
               <a:rPr lang="pt-BR" smtClean="0"/>
-              <a:t>10/11/2020</a:t>
+              <a:t>11/11/2020</a:t>
             </a:fld>
             <a:endParaRPr lang="pt-BR"/>
           </a:p>
@@ -2397,7 +3000,7 @@
           <a:p>
             <a:fld id="{75355C42-EFCA-4D19-8DCD-93C1B8069CBA}" type="datetimeFigureOut">
               <a:rPr lang="pt-BR" smtClean="0"/>
-              <a:t>10/11/2020</a:t>
+              <a:t>11/11/2020</a:t>
             </a:fld>
             <a:endParaRPr lang="pt-BR"/>
           </a:p>
@@ -2492,7 +3095,7 @@
           <a:p>
             <a:fld id="{75355C42-EFCA-4D19-8DCD-93C1B8069CBA}" type="datetimeFigureOut">
               <a:rPr lang="pt-BR" smtClean="0"/>
-              <a:t>10/11/2020</a:t>
+              <a:t>11/11/2020</a:t>
             </a:fld>
             <a:endParaRPr lang="pt-BR"/>
           </a:p>
@@ -2767,7 +3370,7 @@
           <a:p>
             <a:fld id="{75355C42-EFCA-4D19-8DCD-93C1B8069CBA}" type="datetimeFigureOut">
               <a:rPr lang="pt-BR" smtClean="0"/>
-              <a:t>10/11/2020</a:t>
+              <a:t>11/11/2020</a:t>
             </a:fld>
             <a:endParaRPr lang="pt-BR"/>
           </a:p>
@@ -3019,7 +3622,7 @@
           <a:p>
             <a:fld id="{75355C42-EFCA-4D19-8DCD-93C1B8069CBA}" type="datetimeFigureOut">
               <a:rPr lang="pt-BR" smtClean="0"/>
-              <a:t>10/11/2020</a:t>
+              <a:t>11/11/2020</a:t>
             </a:fld>
             <a:endParaRPr lang="pt-BR"/>
           </a:p>
@@ -3187,7 +3790,7 @@
           <a:p>
             <a:fld id="{75355C42-EFCA-4D19-8DCD-93C1B8069CBA}" type="datetimeFigureOut">
               <a:rPr lang="pt-BR" smtClean="0"/>
-              <a:t>10/11/2020</a:t>
+              <a:t>11/11/2020</a:t>
             </a:fld>
             <a:endParaRPr lang="pt-BR"/>
           </a:p>
@@ -3622,7 +4225,7 @@
           <a:p>
             <a:fld id="{75355C42-EFCA-4D19-8DCD-93C1B8069CBA}" type="datetimeFigureOut">
               <a:rPr lang="pt-BR" smtClean="0"/>
-              <a:t>10/11/2020</a:t>
+              <a:t>11/11/2020</a:t>
             </a:fld>
             <a:endParaRPr lang="pt-BR"/>
           </a:p>
@@ -4847,7 +5450,7 @@
           <a:p>
             <a:fld id="{8B5EBF2B-DBB1-4BCA-A5E8-EB058525FD19}" type="datetimeFigureOut">
               <a:rPr lang="pt-BR" smtClean="0"/>
-              <a:t>10/11/2020</a:t>
+              <a:t>11/11/2020</a:t>
             </a:fld>
             <a:endParaRPr lang="pt-BR"/>
           </a:p>
@@ -5173,7 +5776,7 @@
           <a:p>
             <a:fld id="{5E73C503-5462-40B2-9B2A-093BE1FD8218}" type="datetimeFigureOut">
               <a:rPr lang="pt-BR" smtClean="0"/>
-              <a:t>10/11/2020</a:t>
+              <a:t>11/11/2020</a:t>
             </a:fld>
             <a:endParaRPr lang="pt-BR"/>
           </a:p>
@@ -6502,7 +7105,7 @@
           <a:p>
             <a:fld id="{75355C42-EFCA-4D19-8DCD-93C1B8069CBA}" type="datetimeFigureOut">
               <a:rPr lang="pt-BR" smtClean="0"/>
-              <a:t>10/11/2020</a:t>
+              <a:t>11/11/2020</a:t>
             </a:fld>
             <a:endParaRPr lang="pt-BR"/>
           </a:p>
@@ -7194,11 +7797,6 @@
               </a:rPr>
               <a:t> Data; </a:t>
             </a:r>
-            <a:endParaRPr lang="pt-BR" sz="2400" dirty="0">
-              <a:solidFill>
-                <a:srgbClr val="172B4D"/>
-              </a:solidFill>
-            </a:endParaRPr>
           </a:p>
           <a:p>
             <a:pPr marL="1714500" lvl="3" indent="-342900" eaLnBrk="0" fontAlgn="base" hangingPunct="0">
@@ -7220,15 +7818,7 @@
                   <a:srgbClr val="172B4D"/>
                 </a:solidFill>
               </a:rPr>
-              <a:t>criar </a:t>
-            </a:r>
-            <a:r>
-              <a:rPr lang="pt-BR" sz="2400" dirty="0">
-                <a:solidFill>
-                  <a:srgbClr val="172B4D"/>
-                </a:solidFill>
-              </a:rPr>
-              <a:t>um </a:t>
+              <a:t>criar um </a:t>
             </a:r>
             <a:r>
               <a:rPr lang="pt-BR" sz="2400" dirty="0" smtClean="0">
@@ -7299,15 +7889,7 @@
                   <a:srgbClr val="172B4D"/>
                 </a:solidFill>
               </a:rPr>
-              <a:t>estar </a:t>
-            </a:r>
-            <a:r>
-              <a:rPr lang="pt-BR" sz="2400" dirty="0">
-                <a:solidFill>
-                  <a:srgbClr val="172B4D"/>
-                </a:solidFill>
-              </a:rPr>
-              <a:t>preparado para corrigir erros mais comuns do fluxo de validação de dados</a:t>
+              <a:t>estar preparado para corrigir erros mais comuns do fluxo de validação de dados</a:t>
             </a:r>
           </a:p>
         </p:txBody>
@@ -7489,7 +8071,7 @@
                   <a:schemeClr val="bg1"/>
                 </a:solidFill>
               </a:rPr>
-              <a:t>Introdução ao </a:t>
+              <a:t>Criando um </a:t>
             </a:r>
             <a:r>
               <a:rPr lang="pt-BR" altLang="pt-BR" dirty="0" err="1" smtClean="0">
@@ -7519,40 +8101,36 @@
         </p:nvSpPr>
         <p:spPr>
           <a:xfrm>
-            <a:off x="545048" y="1570616"/>
-            <a:ext cx="11083968" cy="4860164"/>
+            <a:off x="329784" y="1075940"/>
+            <a:ext cx="11729538" cy="5129988"/>
           </a:xfrm>
         </p:spPr>
         <p:txBody>
-          <a:bodyPr/>
+          <a:bodyPr numCol="2" spcCol="720000"/>
           <a:lstStyle/>
           <a:p>
             <a:pPr marL="342900" indent="-342900">
+              <a:lnSpc>
+                <a:spcPct val="150000"/>
+              </a:lnSpc>
               <a:buFont typeface="Arial" panose="020B0604020202020204" pitchFamily="34" charset="0"/>
               <a:buChar char="•"/>
             </a:pPr>
             <a:r>
-              <a:rPr lang="pt-BR" altLang="pt-BR" dirty="0" err="1" smtClean="0">
-                <a:solidFill>
-                  <a:srgbClr val="172B4D"/>
-                </a:solidFill>
-                <a:effectLst>
-                  <a:outerShdw blurRad="38100" dist="38100" dir="2700000" algn="tl">
-                    <a:srgbClr val="000000">
-                      <a:alpha val="43137"/>
-                    </a:srgbClr>
-                  </a:outerShdw>
-                </a:effectLst>
-              </a:rPr>
-              <a:t>datapackage</a:t>
-            </a:r>
-            <a:r>
               <a:rPr lang="pt-BR" dirty="0" smtClean="0">
                 <a:solidFill>
                   <a:srgbClr val="172B4D"/>
                 </a:solidFill>
               </a:rPr>
-              <a:t>: </a:t>
+              <a:t>Painel de recursos: </a:t>
+            </a:r>
+            <a:r>
+              <a:rPr lang="pt-BR" dirty="0" err="1" smtClean="0">
+                <a:solidFill>
+                  <a:srgbClr val="172B4D"/>
+                </a:solidFill>
+              </a:rPr>
+              <a:t>name</a:t>
             </a:r>
             <a:r>
               <a:rPr lang="pt-BR" dirty="0">
@@ -7560,24 +8138,15 @@
                   <a:srgbClr val="172B4D"/>
                 </a:solidFill>
               </a:rPr>
-              <a:t>arquivo em formato </a:t>
+              <a:t>, path, settings, </a:t>
             </a:r>
             <a:r>
               <a:rPr lang="pt-BR" dirty="0" smtClean="0">
                 <a:solidFill>
                   <a:srgbClr val="172B4D"/>
                 </a:solidFill>
-                <a:hlinkClick r:id="rId3"/>
-              </a:rPr>
-              <a:t>json</a:t>
-            </a:r>
-            <a:r>
-              <a:rPr lang="pt-BR" dirty="0" smtClean="0">
-                <a:solidFill>
-                  <a:srgbClr val="172B4D"/>
-                </a:solidFill>
-              </a:rPr>
-              <a:t> </a:t>
+              </a:rPr>
+              <a:t>adição de </a:t>
             </a:r>
             <a:r>
               <a:rPr lang="pt-BR" dirty="0">
@@ -7585,19 +8154,41 @@
                   <a:srgbClr val="172B4D"/>
                 </a:solidFill>
               </a:rPr>
-              <a:t>que descreve</a:t>
-            </a:r>
-            <a:r>
-              <a:rPr lang="pt-BR" dirty="0" smtClean="0">
-                <a:solidFill>
-                  <a:srgbClr val="172B4D"/>
-                </a:solidFill>
-              </a:rPr>
-              <a:t>:</a:t>
-            </a:r>
-          </a:p>
-          <a:p>
-            <a:pPr marL="342900" indent="-342900">
+              <a:t>recurso </a:t>
+            </a:r>
+            <a:endParaRPr lang="pt-BR" dirty="0"/>
+          </a:p>
+          <a:p>
+            <a:pPr lvl="0" fontAlgn="base">
+              <a:lnSpc>
+                <a:spcPct val="150000"/>
+              </a:lnSpc>
+              <a:spcAft>
+                <a:spcPct val="0"/>
+              </a:spcAft>
+            </a:pPr>
+            <a:r>
+              <a:rPr lang="pt-BR" dirty="0">
+                <a:solidFill>
+                  <a:srgbClr val="172B4D"/>
+                </a:solidFill>
+              </a:rPr>
+              <a:t>  </a:t>
+            </a:r>
+            <a:endParaRPr lang="pt-BR" dirty="0" smtClean="0">
+              <a:solidFill>
+                <a:srgbClr val="172B4D"/>
+              </a:solidFill>
+            </a:endParaRPr>
+          </a:p>
+          <a:p>
+            <a:pPr marL="342900" lvl="0" indent="-342900" fontAlgn="base">
+              <a:lnSpc>
+                <a:spcPct val="150000"/>
+              </a:lnSpc>
+              <a:spcAft>
+                <a:spcPct val="0"/>
+              </a:spcAft>
               <a:buFont typeface="Arial" panose="020B0604020202020204" pitchFamily="34" charset="0"/>
               <a:buChar char="•"/>
             </a:pPr>
@@ -7608,53 +8199,32 @@
             </a:endParaRPr>
           </a:p>
           <a:p>
-            <a:pPr marL="457200" indent="-457200">
-              <a:buAutoNum type="alphaLcParenR"/>
+            <a:pPr marL="342900" lvl="0" indent="-342900" fontAlgn="base">
+              <a:lnSpc>
+                <a:spcPct val="150000"/>
+              </a:lnSpc>
+              <a:spcAft>
+                <a:spcPct val="0"/>
+              </a:spcAft>
+              <a:buFont typeface="Arial" panose="020B0604020202020204" pitchFamily="34" charset="0"/>
+              <a:buChar char="•"/>
             </a:pPr>
-            <a:r>
-              <a:rPr lang="pt-BR" dirty="0" smtClean="0">
-                <a:solidFill>
-                  <a:srgbClr val="172B4D"/>
-                </a:solidFill>
-              </a:rPr>
-              <a:t>o </a:t>
-            </a:r>
-            <a:r>
-              <a:rPr lang="pt-BR" dirty="0">
-                <a:solidFill>
-                  <a:srgbClr val="172B4D"/>
-                </a:solidFill>
-              </a:rPr>
-              <a:t>conjunto de dados e seus </a:t>
-            </a:r>
-            <a:r>
-              <a:rPr lang="pt-BR" dirty="0" err="1">
-                <a:solidFill>
-                  <a:srgbClr val="172B4D"/>
-                </a:solidFill>
-              </a:rPr>
-              <a:t>metadados</a:t>
-            </a:r>
-            <a:r>
-              <a:rPr lang="pt-BR" dirty="0">
-                <a:solidFill>
-                  <a:srgbClr val="172B4D"/>
-                </a:solidFill>
-              </a:rPr>
-              <a:t> (como título, descrição, formato de arquivo, palavras-chave, dentre outros</a:t>
-            </a:r>
-            <a:r>
-              <a:rPr lang="pt-BR" dirty="0" smtClean="0">
-                <a:solidFill>
-                  <a:srgbClr val="172B4D"/>
-                </a:solidFill>
-              </a:rPr>
-              <a:t>),</a:t>
-            </a:r>
-          </a:p>
-          <a:p>
-            <a:pPr marL="457200" indent="-457200">
-              <a:buAutoNum type="alphaLcParenR"/>
+            <a:endParaRPr lang="pt-BR" dirty="0" smtClean="0">
+              <a:solidFill>
+                <a:srgbClr val="172B4D"/>
+              </a:solidFill>
+            </a:endParaRPr>
+          </a:p>
+          <a:p>
+            <a:pPr marL="342900" lvl="0" indent="-342900" fontAlgn="base">
+              <a:lnSpc>
+                <a:spcPct val="150000"/>
+              </a:lnSpc>
+              <a:spcAft>
+                <a:spcPct val="0"/>
+              </a:spcAft>
+              <a:buFont typeface="Arial" panose="020B0604020202020204" pitchFamily="34" charset="0"/>
+              <a:buChar char="•"/>
             </a:pPr>
             <a:endParaRPr lang="pt-BR" dirty="0">
               <a:solidFill>
@@ -7663,80 +8233,16 @@
             </a:endParaRPr>
           </a:p>
           <a:p>
-            <a:r>
-              <a:rPr lang="pt-BR" dirty="0" smtClean="0">
-                <a:solidFill>
-                  <a:srgbClr val="172B4D"/>
-                </a:solidFill>
-              </a:rPr>
-              <a:t>b) as </a:t>
-            </a:r>
-            <a:r>
-              <a:rPr lang="pt-BR" dirty="0">
-                <a:solidFill>
-                  <a:srgbClr val="172B4D"/>
-                </a:solidFill>
-              </a:rPr>
-              <a:t>colunas de cada </a:t>
-            </a:r>
-            <a:r>
-              <a:rPr lang="pt-BR" dirty="0" smtClean="0">
-                <a:solidFill>
-                  <a:srgbClr val="172B4D"/>
-                </a:solidFill>
-              </a:rPr>
-              <a:t>recurso</a:t>
-            </a:r>
-            <a:r>
-              <a:rPr lang="pt-BR" dirty="0">
-                <a:solidFill>
-                  <a:srgbClr val="172B4D"/>
-                </a:solidFill>
-              </a:rPr>
-              <a:t> </a:t>
-            </a:r>
-            <a:r>
-              <a:rPr lang="pt-BR" dirty="0" smtClean="0">
-                <a:solidFill>
-                  <a:srgbClr val="172B4D"/>
-                </a:solidFill>
-              </a:rPr>
-              <a:t>(arquivo ou URL) </a:t>
-            </a:r>
-            <a:r>
-              <a:rPr lang="pt-BR" dirty="0">
-                <a:solidFill>
-                  <a:srgbClr val="172B4D"/>
-                </a:solidFill>
-              </a:rPr>
-              <a:t>que </a:t>
-            </a:r>
-            <a:r>
-              <a:rPr lang="pt-BR" dirty="0" smtClean="0">
-                <a:solidFill>
-                  <a:srgbClr val="172B4D"/>
-                </a:solidFill>
-              </a:rPr>
-              <a:t>contém (~ </a:t>
-            </a:r>
-            <a:r>
-              <a:rPr lang="pt-BR" dirty="0" err="1" smtClean="0">
-                <a:solidFill>
-                  <a:srgbClr val="172B4D"/>
-                </a:solidFill>
-              </a:rPr>
-              <a:t>schema</a:t>
-            </a:r>
-            <a:r>
-              <a:rPr lang="pt-BR" dirty="0" smtClean="0">
-                <a:solidFill>
-                  <a:srgbClr val="172B4D"/>
-                </a:solidFill>
-              </a:rPr>
-              <a:t>),</a:t>
-            </a:r>
-          </a:p>
-          <a:p>
+            <a:pPr marL="342900" lvl="0" indent="-342900" fontAlgn="base">
+              <a:lnSpc>
+                <a:spcPct val="150000"/>
+              </a:lnSpc>
+              <a:spcAft>
+                <a:spcPct val="0"/>
+              </a:spcAft>
+              <a:buFont typeface="Arial" panose="020B0604020202020204" pitchFamily="34" charset="0"/>
+              <a:buChar char="•"/>
+            </a:pPr>
             <a:endParaRPr lang="pt-BR" dirty="0" smtClean="0">
               <a:solidFill>
                 <a:srgbClr val="172B4D"/>
@@ -7744,13 +8250,23 @@
             </a:endParaRPr>
           </a:p>
           <a:p>
-            <a:r>
-              <a:rPr lang="pt-BR" dirty="0" err="1">
-                <a:solidFill>
-                  <a:srgbClr val="172B4D"/>
-                </a:solidFill>
-              </a:rPr>
-              <a:t>Schema</a:t>
+            <a:pPr marL="342900" lvl="0" indent="-342900" fontAlgn="base">
+              <a:lnSpc>
+                <a:spcPct val="150000"/>
+              </a:lnSpc>
+              <a:spcAft>
+                <a:spcPct val="0"/>
+              </a:spcAft>
+              <a:buFont typeface="Arial" panose="020B0604020202020204" pitchFamily="34" charset="0"/>
+              <a:buChar char="•"/>
+            </a:pPr>
+            <a:r>
+              <a:rPr lang="pt-BR" dirty="0" smtClean="0">
+                <a:solidFill>
+                  <a:srgbClr val="172B4D"/>
+                </a:solidFill>
+              </a:rPr>
+              <a:t>Painel </a:t>
             </a:r>
             <a:r>
               <a:rPr lang="pt-BR" dirty="0">
@@ -7758,25 +8274,15 @@
                   <a:srgbClr val="172B4D"/>
                 </a:solidFill>
               </a:rPr>
-              <a:t>: </a:t>
-            </a:r>
-            <a:r>
-              <a:rPr lang="pt-BR" dirty="0">
-                <a:solidFill>
-                  <a:srgbClr val="172B4D"/>
-                </a:solidFill>
-                <a:hlinkClick r:id="rId4"/>
-              </a:rPr>
-              <a:t>alternativas para representação de endereço</a:t>
-            </a:r>
-            <a:endParaRPr lang="pt-BR" dirty="0">
-              <a:solidFill>
-                <a:srgbClr val="172B4D"/>
-              </a:solidFill>
-            </a:endParaRPr>
-          </a:p>
-          <a:p>
-            <a:endParaRPr lang="pt-BR" dirty="0">
+              <a:t>de esquema: por que formato JSON ? Que tipo de erro pode ser encontrado? Uso em editores de texto </a:t>
+            </a:r>
+          </a:p>
+          <a:p>
+            <a:pPr marL="342900" indent="-342900">
+              <a:buFont typeface="Arial" panose="020B0604020202020204" pitchFamily="34" charset="0"/>
+              <a:buChar char="•"/>
+            </a:pPr>
+            <a:endParaRPr lang="pt-BR" dirty="0" smtClean="0">
               <a:solidFill>
                 <a:srgbClr val="172B4D"/>
               </a:solidFill>
@@ -7898,7 +8404,7 @@
     </p:spTree>
     <p:extLst>
       <p:ext uri="{BB962C8B-B14F-4D97-AF65-F5344CB8AC3E}">
-        <p14:creationId xmlns:p14="http://schemas.microsoft.com/office/powerpoint/2010/main" val="3229614391"/>
+        <p14:creationId xmlns:p14="http://schemas.microsoft.com/office/powerpoint/2010/main" val="2279238810"/>
       </p:ext>
     </p:extLst>
   </p:cSld>
@@ -7949,442 +8455,6 @@
           <a:p>
             <a:pPr lvl="0" algn="l" eaLnBrk="0" fontAlgn="base" hangingPunct="0">
               <a:lnSpc>
-                <a:spcPct val="100000"/>
-              </a:lnSpc>
-              <a:spcAft>
-                <a:spcPct val="0"/>
-              </a:spcAft>
-            </a:pPr>
-            <a:r>
-              <a:rPr lang="pt-BR" altLang="pt-BR" dirty="0" smtClean="0">
-                <a:solidFill>
-                  <a:schemeClr val="bg1"/>
-                </a:solidFill>
-              </a:rPr>
-              <a:t>Criando um </a:t>
-            </a:r>
-            <a:r>
-              <a:rPr lang="pt-BR" altLang="pt-BR" dirty="0" err="1" smtClean="0">
-                <a:solidFill>
-                  <a:schemeClr val="bg1"/>
-                </a:solidFill>
-              </a:rPr>
-              <a:t>Datapackage</a:t>
-            </a:r>
-            <a:endParaRPr lang="pt-BR" altLang="pt-BR" dirty="0">
-              <a:solidFill>
-                <a:schemeClr val="bg1"/>
-              </a:solidFill>
-            </a:endParaRPr>
-          </a:p>
-        </p:txBody>
-      </p:sp>
-      <p:sp>
-        <p:nvSpPr>
-          <p:cNvPr id="4" name="Espaço Reservado para Texto 3"/>
-          <p:cNvSpPr>
-            <a:spLocks noGrp="1"/>
-          </p:cNvSpPr>
-          <p:nvPr>
-            <p:ph type="body" idx="1"/>
-          </p:nvPr>
-        </p:nvSpPr>
-        <p:spPr>
-          <a:xfrm>
-            <a:off x="329784" y="1075940"/>
-            <a:ext cx="11729538" cy="5129988"/>
-          </a:xfrm>
-        </p:spPr>
-        <p:txBody>
-          <a:bodyPr numCol="2" spcCol="720000"/>
-          <a:lstStyle/>
-          <a:p>
-            <a:pPr marL="342900" indent="-342900">
-              <a:lnSpc>
-                <a:spcPct val="150000"/>
-              </a:lnSpc>
-              <a:buFont typeface="Arial" panose="020B0604020202020204" pitchFamily="34" charset="0"/>
-              <a:buChar char="•"/>
-            </a:pPr>
-            <a:r>
-              <a:rPr lang="pt-BR" dirty="0" smtClean="0">
-                <a:solidFill>
-                  <a:srgbClr val="172B4D"/>
-                </a:solidFill>
-              </a:rPr>
-              <a:t>Painel de recursos: </a:t>
-            </a:r>
-            <a:r>
-              <a:rPr lang="pt-BR" dirty="0" err="1" smtClean="0">
-                <a:solidFill>
-                  <a:srgbClr val="172B4D"/>
-                </a:solidFill>
-              </a:rPr>
-              <a:t>name</a:t>
-            </a:r>
-            <a:r>
-              <a:rPr lang="pt-BR" dirty="0">
-                <a:solidFill>
-                  <a:srgbClr val="172B4D"/>
-                </a:solidFill>
-              </a:rPr>
-              <a:t>, path, settings, </a:t>
-            </a:r>
-            <a:r>
-              <a:rPr lang="pt-BR" dirty="0" smtClean="0">
-                <a:solidFill>
-                  <a:srgbClr val="172B4D"/>
-                </a:solidFill>
-              </a:rPr>
-              <a:t>adição de </a:t>
-            </a:r>
-            <a:r>
-              <a:rPr lang="pt-BR" dirty="0">
-                <a:solidFill>
-                  <a:srgbClr val="172B4D"/>
-                </a:solidFill>
-              </a:rPr>
-              <a:t>recurso </a:t>
-            </a:r>
-            <a:endParaRPr lang="pt-BR" dirty="0"/>
-          </a:p>
-          <a:p>
-            <a:pPr lvl="0" fontAlgn="base">
-              <a:lnSpc>
-                <a:spcPct val="150000"/>
-              </a:lnSpc>
-              <a:spcAft>
-                <a:spcPct val="0"/>
-              </a:spcAft>
-            </a:pPr>
-            <a:r>
-              <a:rPr lang="pt-BR" dirty="0">
-                <a:solidFill>
-                  <a:srgbClr val="172B4D"/>
-                </a:solidFill>
-              </a:rPr>
-              <a:t> </a:t>
-            </a:r>
-            <a:r>
-              <a:rPr lang="pt-BR" dirty="0">
-                <a:solidFill>
-                  <a:srgbClr val="172B4D"/>
-                </a:solidFill>
-              </a:rPr>
-              <a:t> </a:t>
-            </a:r>
-            <a:endParaRPr lang="pt-BR" dirty="0" smtClean="0">
-              <a:solidFill>
-                <a:srgbClr val="172B4D"/>
-              </a:solidFill>
-            </a:endParaRPr>
-          </a:p>
-          <a:p>
-            <a:pPr marL="342900" lvl="0" indent="-342900" fontAlgn="base">
-              <a:lnSpc>
-                <a:spcPct val="150000"/>
-              </a:lnSpc>
-              <a:spcAft>
-                <a:spcPct val="0"/>
-              </a:spcAft>
-              <a:buFont typeface="Arial" panose="020B0604020202020204" pitchFamily="34" charset="0"/>
-              <a:buChar char="•"/>
-            </a:pPr>
-            <a:endParaRPr lang="pt-BR" dirty="0">
-              <a:solidFill>
-                <a:srgbClr val="172B4D"/>
-              </a:solidFill>
-            </a:endParaRPr>
-          </a:p>
-          <a:p>
-            <a:pPr marL="342900" lvl="0" indent="-342900" fontAlgn="base">
-              <a:lnSpc>
-                <a:spcPct val="150000"/>
-              </a:lnSpc>
-              <a:spcAft>
-                <a:spcPct val="0"/>
-              </a:spcAft>
-              <a:buFont typeface="Arial" panose="020B0604020202020204" pitchFamily="34" charset="0"/>
-              <a:buChar char="•"/>
-            </a:pPr>
-            <a:endParaRPr lang="pt-BR" dirty="0" smtClean="0">
-              <a:solidFill>
-                <a:srgbClr val="172B4D"/>
-              </a:solidFill>
-            </a:endParaRPr>
-          </a:p>
-          <a:p>
-            <a:pPr marL="342900" lvl="0" indent="-342900" fontAlgn="base">
-              <a:lnSpc>
-                <a:spcPct val="150000"/>
-              </a:lnSpc>
-              <a:spcAft>
-                <a:spcPct val="0"/>
-              </a:spcAft>
-              <a:buFont typeface="Arial" panose="020B0604020202020204" pitchFamily="34" charset="0"/>
-              <a:buChar char="•"/>
-            </a:pPr>
-            <a:endParaRPr lang="pt-BR" dirty="0">
-              <a:solidFill>
-                <a:srgbClr val="172B4D"/>
-              </a:solidFill>
-            </a:endParaRPr>
-          </a:p>
-          <a:p>
-            <a:pPr marL="342900" lvl="0" indent="-342900" fontAlgn="base">
-              <a:lnSpc>
-                <a:spcPct val="150000"/>
-              </a:lnSpc>
-              <a:spcAft>
-                <a:spcPct val="0"/>
-              </a:spcAft>
-              <a:buFont typeface="Arial" panose="020B0604020202020204" pitchFamily="34" charset="0"/>
-              <a:buChar char="•"/>
-            </a:pPr>
-            <a:endParaRPr lang="pt-BR" dirty="0" smtClean="0">
-              <a:solidFill>
-                <a:srgbClr val="172B4D"/>
-              </a:solidFill>
-            </a:endParaRPr>
-          </a:p>
-          <a:p>
-            <a:pPr marL="342900" lvl="0" indent="-342900" fontAlgn="base">
-              <a:lnSpc>
-                <a:spcPct val="150000"/>
-              </a:lnSpc>
-              <a:spcAft>
-                <a:spcPct val="0"/>
-              </a:spcAft>
-              <a:buFont typeface="Arial" panose="020B0604020202020204" pitchFamily="34" charset="0"/>
-              <a:buChar char="•"/>
-            </a:pPr>
-            <a:r>
-              <a:rPr lang="pt-BR" dirty="0" smtClean="0">
-                <a:solidFill>
-                  <a:srgbClr val="172B4D"/>
-                </a:solidFill>
-              </a:rPr>
-              <a:t>Painel </a:t>
-            </a:r>
-            <a:r>
-              <a:rPr lang="pt-BR" dirty="0">
-                <a:solidFill>
-                  <a:srgbClr val="172B4D"/>
-                </a:solidFill>
-              </a:rPr>
-              <a:t>de esquema: por </a:t>
-            </a:r>
-            <a:r>
-              <a:rPr lang="pt-BR" dirty="0">
-                <a:solidFill>
-                  <a:srgbClr val="172B4D"/>
-                </a:solidFill>
-              </a:rPr>
-              <a:t>que formato JSON </a:t>
-            </a:r>
-            <a:r>
-              <a:rPr lang="pt-BR" dirty="0">
-                <a:solidFill>
-                  <a:srgbClr val="172B4D"/>
-                </a:solidFill>
-              </a:rPr>
-              <a:t>? </a:t>
-            </a:r>
-            <a:r>
-              <a:rPr lang="pt-BR" dirty="0">
-                <a:solidFill>
-                  <a:srgbClr val="172B4D"/>
-                </a:solidFill>
-              </a:rPr>
-              <a:t>Que </a:t>
-            </a:r>
-            <a:r>
-              <a:rPr lang="pt-BR" dirty="0">
-                <a:solidFill>
-                  <a:srgbClr val="172B4D"/>
-                </a:solidFill>
-              </a:rPr>
-              <a:t>tipo de erro pode ser encontrado? Uso em editores de texto </a:t>
-            </a:r>
-          </a:p>
-          <a:p>
-            <a:pPr marL="342900" indent="-342900">
-              <a:buFont typeface="Arial" panose="020B0604020202020204" pitchFamily="34" charset="0"/>
-              <a:buChar char="•"/>
-            </a:pPr>
-            <a:endParaRPr lang="pt-BR" dirty="0" smtClean="0">
-              <a:solidFill>
-                <a:srgbClr val="172B4D"/>
-              </a:solidFill>
-            </a:endParaRPr>
-          </a:p>
-        </p:txBody>
-      </p:sp>
-      <p:sp>
-        <p:nvSpPr>
-          <p:cNvPr id="2" name="Rectangle 1"/>
-          <p:cNvSpPr>
-            <a:spLocks noChangeArrowheads="1"/>
-          </p:cNvSpPr>
-          <p:nvPr/>
-        </p:nvSpPr>
-        <p:spPr bwMode="auto">
-          <a:xfrm>
-            <a:off x="0" y="-268986"/>
-            <a:ext cx="35320" cy="537973"/>
-          </a:xfrm>
-          <a:prstGeom prst="rect">
-            <a:avLst/>
-          </a:prstGeom>
-          <a:solidFill>
-            <a:srgbClr val="F4F5F7"/>
-          </a:solidFill>
-          <a:ln>
-            <a:noFill/>
-          </a:ln>
-          <a:effectLst/>
-          <a:extLst>
-            <a:ext uri="{91240B29-F687-4F45-9708-019B960494DF}">
-              <a14:hiddenLine xmlns:a14="http://schemas.microsoft.com/office/drawing/2010/main" w="9525">
-                <a:solidFill>
-                  <a:schemeClr val="tx1"/>
-                </a:solidFill>
-                <a:miter lim="800000"/>
-                <a:headEnd/>
-                <a:tailEnd/>
-              </a14:hiddenLine>
-            </a:ext>
-            <a:ext uri="{AF507438-7753-43E0-B8FC-AC1667EBCBE1}">
-              <a14:hiddenEffects xmlns:a14="http://schemas.microsoft.com/office/drawing/2010/main">
-                <a:effectLst>
-                  <a:outerShdw dist="35921" dir="2700000" algn="ctr" rotWithShape="0">
-                    <a:schemeClr val="bg2"/>
-                  </a:outerShdw>
-                </a:effectLst>
-              </a14:hiddenEffects>
-            </a:ext>
-          </a:extLst>
-        </p:spPr>
-        <p:txBody>
-          <a:bodyPr vert="horz" wrap="none" lIns="17457" tIns="-7935" rIns="17457" bIns="-7935" numCol="1" anchor="ctr" anchorCtr="0" compatLnSpc="1">
-            <a:prstTxWarp prst="textNoShape">
-              <a:avLst/>
-            </a:prstTxWarp>
-            <a:spAutoFit/>
-          </a:bodyPr>
-          <a:lstStyle/>
-          <a:p>
-            <a:pPr marL="0" marR="0" lvl="0" indent="0" algn="l" defTabSz="914400" rtl="0" eaLnBrk="0" fontAlgn="base" latinLnBrk="0" hangingPunct="0">
-              <a:lnSpc>
-                <a:spcPct val="100000"/>
-              </a:lnSpc>
-              <a:spcBef>
-                <a:spcPct val="0"/>
-              </a:spcBef>
-              <a:spcAft>
-                <a:spcPct val="0"/>
-              </a:spcAft>
-              <a:buClrTx/>
-              <a:buSzTx/>
-              <a:buFontTx/>
-              <a:buNone/>
-              <a:tabLst/>
-            </a:pPr>
-            <a:endParaRPr kumimoji="0" lang="pt-BR" altLang="pt-BR" sz="1800" b="0" i="0" u="none" strike="noStrike" cap="none" normalizeH="0" baseline="0" dirty="0" smtClean="0">
-              <a:ln>
-                <a:noFill/>
-              </a:ln>
-              <a:solidFill>
-                <a:schemeClr val="tx1"/>
-              </a:solidFill>
-              <a:effectLst/>
-              <a:latin typeface="Arial" panose="020B0604020202020204" pitchFamily="34" charset="0"/>
-            </a:endParaRPr>
-          </a:p>
-          <a:p>
-            <a:pPr marL="0" marR="0" lvl="0" indent="0" algn="l" defTabSz="914400" rtl="0" eaLnBrk="0" fontAlgn="base" latinLnBrk="0" hangingPunct="0">
-              <a:lnSpc>
-                <a:spcPct val="100000"/>
-              </a:lnSpc>
-              <a:spcBef>
-                <a:spcPct val="0"/>
-              </a:spcBef>
-              <a:spcAft>
-                <a:spcPct val="0"/>
-              </a:spcAft>
-              <a:buClrTx/>
-              <a:buSzTx/>
-              <a:buFontTx/>
-              <a:buNone/>
-              <a:tabLst/>
-            </a:pPr>
-            <a:endParaRPr kumimoji="0" lang="pt-BR" altLang="pt-BR" sz="1800" b="0" i="0" u="none" strike="noStrike" cap="none" normalizeH="0" baseline="0" dirty="0" smtClean="0">
-              <a:ln>
-                <a:noFill/>
-              </a:ln>
-              <a:solidFill>
-                <a:schemeClr val="tx1"/>
-              </a:solidFill>
-              <a:effectLst/>
-              <a:latin typeface="Arial" panose="020B0604020202020204" pitchFamily="34" charset="0"/>
-            </a:endParaRPr>
-          </a:p>
-        </p:txBody>
-      </p:sp>
-    </p:spTree>
-    <p:extLst>
-      <p:ext uri="{BB962C8B-B14F-4D97-AF65-F5344CB8AC3E}">
-        <p14:creationId xmlns:p14="http://schemas.microsoft.com/office/powerpoint/2010/main" val="2279238810"/>
-      </p:ext>
-    </p:extLst>
-  </p:cSld>
-  <p:clrMapOvr>
-    <a:masterClrMapping/>
-  </p:clrMapOvr>
-  <p:timing>
-    <p:tnLst>
-      <p:par>
-        <p:cTn id="1" dur="indefinite" restart="never" nodeType="tmRoot"/>
-      </p:par>
-    </p:tnLst>
-  </p:timing>
-</p:sld>
-</file>
-
-<file path=ppt/slides/slide12.xml><?xml version="1.0" encoding="utf-8"?>
-<p:sld xmlns:a="http://schemas.openxmlformats.org/drawingml/2006/main" xmlns:r="http://schemas.openxmlformats.org/officeDocument/2006/relationships" xmlns:p="http://schemas.openxmlformats.org/presentationml/2006/main">
-  <p:cSld>
-    <p:spTree>
-      <p:nvGrpSpPr>
-        <p:cNvPr id="1" name=""/>
-        <p:cNvGrpSpPr/>
-        <p:nvPr/>
-      </p:nvGrpSpPr>
-      <p:grpSpPr>
-        <a:xfrm>
-          <a:off x="0" y="0"/>
-          <a:ext cx="0" cy="0"/>
-          <a:chOff x="0" y="0"/>
-          <a:chExt cx="0" cy="0"/>
-        </a:xfrm>
-      </p:grpSpPr>
-      <p:sp>
-        <p:nvSpPr>
-          <p:cNvPr id="3" name="Título 2"/>
-          <p:cNvSpPr>
-            <a:spLocks noGrp="1"/>
-          </p:cNvSpPr>
-          <p:nvPr>
-            <p:ph type="title"/>
-          </p:nvPr>
-        </p:nvSpPr>
-        <p:spPr/>
-        <p:txBody>
-          <a:bodyPr/>
-          <a:lstStyle/>
-          <a:p>
-            <a:pPr lvl="0" algn="l" eaLnBrk="0" fontAlgn="base" hangingPunct="0">
-              <a:lnSpc>
                 <a:spcPct val="150000"/>
               </a:lnSpc>
               <a:spcAft>
@@ -8738,7 +8808,7 @@
 </p:sld>
 </file>
 
-<file path=ppt/slides/slide13.xml><?xml version="1.0" encoding="utf-8"?>
+<file path=ppt/slides/slide12.xml><?xml version="1.0" encoding="utf-8"?>
 <p:sld xmlns:a="http://schemas.openxmlformats.org/drawingml/2006/main" xmlns:r="http://schemas.openxmlformats.org/officeDocument/2006/relationships" xmlns:p="http://schemas.openxmlformats.org/presentationml/2006/main">
   <p:cSld>
     <p:spTree>
@@ -8870,10 +8940,9 @@
           <a:p>
             <a:pPr algn="l"/>
             <a:r>
-              <a:rPr lang="pt-BR" dirty="0" smtClean="0"/>
-              <a:t>Contexto e Conceitos</a:t>
-            </a:r>
-            <a:endParaRPr lang="pt-BR" dirty="0"/>
+              <a:rPr lang="pt-BR" dirty="0"/>
+              <a:t>O que são dados abertos?</a:t>
+            </a:r>
           </a:p>
         </p:txBody>
       </p:sp>
@@ -8887,9 +8956,14 @@
             <p:ph type="body" idx="1"/>
           </p:nvPr>
         </p:nvSpPr>
-        <p:spPr/>
-        <p:txBody>
-          <a:bodyPr numCol="2"/>
+        <p:spPr>
+          <a:xfrm>
+            <a:off x="300251" y="1173707"/>
+            <a:ext cx="11328765" cy="4979667"/>
+          </a:xfrm>
+        </p:spPr>
+        <p:txBody>
+          <a:bodyPr/>
           <a:lstStyle/>
           <a:p>
             <a:pPr lvl="0" eaLnBrk="0" fontAlgn="base" hangingPunct="0">
@@ -8904,12 +8978,20 @@
               </a:spcAft>
             </a:pPr>
             <a:r>
-              <a:rPr lang="pt-BR" altLang="pt-BR" dirty="0">
-                <a:solidFill>
-                  <a:srgbClr val="172B4D"/>
-                </a:solidFill>
-              </a:rPr>
-              <a:t>- O que são dados abertos?</a:t>
+              <a:rPr lang="pt-BR" altLang="pt-BR" sz="2000" dirty="0" smtClean="0">
+                <a:solidFill>
+                  <a:srgbClr val="172B4D"/>
+                </a:solidFill>
+              </a:rPr>
+              <a:t>Dados Abertos: dados </a:t>
+            </a:r>
+            <a:r>
+              <a:rPr lang="pt-BR" altLang="pt-BR" sz="2000" dirty="0">
+                <a:solidFill>
+                  <a:srgbClr val="172B4D"/>
+                </a:solidFill>
+              </a:rPr>
+              <a:t>públicos (1) representados em meio digital (2), estruturados em formato aberto (3), processáveis por máquina (4) e referenciados na rede mundial de computadores (5), disponibilizados sob licença aberta (6) que permita sua livre reutilização, consumo ou cruzamento em aplicações digitais desenvolvidas pela sociedade.</a:t>
             </a:r>
           </a:p>
           <a:p>
@@ -8923,10 +9005,8 @@
               <a:spcAft>
                 <a:spcPct val="0"/>
               </a:spcAft>
-              <a:buFontTx/>
-              <a:buChar char="•"/>
             </a:pPr>
-            <a:endParaRPr lang="pt-BR" altLang="pt-BR" dirty="0">
+            <a:endParaRPr lang="pt-BR" altLang="pt-BR" sz="2000" dirty="0">
               <a:solidFill>
                 <a:srgbClr val="172B4D"/>
               </a:solidFill>
@@ -8945,12 +9025,12 @@
               </a:spcAft>
             </a:pPr>
             <a:r>
-              <a:rPr lang="pt-BR" altLang="pt-BR" dirty="0">
-                <a:solidFill>
-                  <a:srgbClr val="172B4D"/>
-                </a:solidFill>
-              </a:rPr>
-              <a:t>- O que é um portal de dados abertos?</a:t>
+              <a:rPr lang="pt-BR" altLang="pt-BR" sz="2000" dirty="0">
+                <a:solidFill>
+                  <a:srgbClr val="172B4D"/>
+                </a:solidFill>
+              </a:rPr>
+              <a:t>O objetivo, que constitui dever dos órgãos e entidades públicas por força da [Lei de Acesso à Informação](http://www.planalto.gov.br/ccivil_03/_ato2011-2014/2011/lei/l12527.htm#art8%C2%A73), é a divulgação de dados "de modo a facilitar a análise das informações", incluindo "detalhes [d]os formatos utilizados para estruturação da informação".</a:t>
             </a:r>
           </a:p>
           <a:p>
@@ -8964,85 +9044,8 @@
               <a:spcAft>
                 <a:spcPct val="0"/>
               </a:spcAft>
-              <a:buFontTx/>
-              <a:buChar char="•"/>
             </a:pPr>
-            <a:endParaRPr lang="pt-BR" altLang="pt-BR" dirty="0">
-              <a:solidFill>
-                <a:srgbClr val="172B4D"/>
-              </a:solidFill>
-            </a:endParaRPr>
-          </a:p>
-          <a:p>
-            <a:pPr marL="342900" lvl="0" indent="-342900" eaLnBrk="0" fontAlgn="base" hangingPunct="0">
-              <a:lnSpc>
-                <a:spcPct val="150000"/>
-              </a:lnSpc>
-              <a:spcBef>
-                <a:spcPct val="0"/>
-              </a:spcBef>
-              <a:spcAft>
-                <a:spcPct val="0"/>
-              </a:spcAft>
-              <a:buFontTx/>
-              <a:buChar char="-"/>
-            </a:pPr>
-            <a:r>
-              <a:rPr lang="pt-BR" altLang="pt-BR" dirty="0" smtClean="0">
-                <a:solidFill>
-                  <a:srgbClr val="172B4D"/>
-                </a:solidFill>
-              </a:rPr>
-              <a:t>Projeto </a:t>
-            </a:r>
-            <a:r>
-              <a:rPr lang="pt-BR" altLang="pt-BR" dirty="0" err="1" smtClean="0">
-                <a:solidFill>
-                  <a:srgbClr val="172B4D"/>
-                </a:solidFill>
-              </a:rPr>
-              <a:t>dadosmg</a:t>
-            </a:r>
-            <a:r>
-              <a:rPr lang="pt-BR" altLang="pt-BR" dirty="0" smtClean="0">
-                <a:solidFill>
-                  <a:srgbClr val="172B4D"/>
-                </a:solidFill>
-              </a:rPr>
-              <a:t>: conjuntos de dados, recursos, </a:t>
-            </a:r>
-            <a:r>
-              <a:rPr lang="pt-BR" altLang="pt-BR" dirty="0" err="1" smtClean="0">
-                <a:solidFill>
-                  <a:srgbClr val="172B4D"/>
-                </a:solidFill>
-              </a:rPr>
-              <a:t>metadados</a:t>
-            </a:r>
-            <a:r>
-              <a:rPr lang="pt-BR" altLang="pt-BR" dirty="0" smtClean="0">
-                <a:solidFill>
-                  <a:srgbClr val="172B4D"/>
-                </a:solidFill>
-              </a:rPr>
-              <a:t>, dicionário de dados, forma de documentação e validação </a:t>
-            </a:r>
-          </a:p>
-          <a:p>
-            <a:pPr marL="342900" lvl="0" indent="-342900" eaLnBrk="0" fontAlgn="base" hangingPunct="0">
-              <a:lnSpc>
-                <a:spcPct val="150000"/>
-              </a:lnSpc>
-              <a:spcBef>
-                <a:spcPct val="0"/>
-              </a:spcBef>
-              <a:spcAft>
-                <a:spcPct val="0"/>
-              </a:spcAft>
-              <a:buFontTx/>
-              <a:buChar char="-"/>
-            </a:pPr>
-            <a:endParaRPr lang="pt-BR" dirty="0">
+            <a:endParaRPr lang="pt-BR" altLang="pt-BR" sz="2000" dirty="0">
               <a:solidFill>
                 <a:srgbClr val="172B4D"/>
               </a:solidFill>
@@ -9061,131 +9064,30 @@
               </a:spcAft>
             </a:pPr>
             <a:r>
-              <a:rPr lang="pt-BR" altLang="pt-BR" dirty="0" smtClean="0">
-                <a:solidFill>
-                  <a:srgbClr val="172B4D"/>
-                </a:solidFill>
-              </a:rPr>
-              <a:t>- </a:t>
-            </a:r>
-            <a:r>
-              <a:rPr lang="pt-BR" altLang="pt-BR" dirty="0" err="1" smtClean="0">
-                <a:solidFill>
-                  <a:srgbClr val="172B4D"/>
-                </a:solidFill>
-              </a:rPr>
-              <a:t>Datapackage</a:t>
-            </a:r>
-            <a:endParaRPr lang="pt-BR" altLang="pt-BR" dirty="0">
-              <a:solidFill>
-                <a:srgbClr val="172B4D"/>
-              </a:solidFill>
-            </a:endParaRPr>
-          </a:p>
-          <a:p>
-            <a:pPr lvl="0" eaLnBrk="0" fontAlgn="base" hangingPunct="0">
-              <a:lnSpc>
-                <a:spcPct val="150000"/>
-              </a:lnSpc>
-              <a:spcBef>
-                <a:spcPct val="0"/>
-              </a:spcBef>
-              <a:spcAft>
-                <a:spcPct val="0"/>
-              </a:spcAft>
-              <a:buFontTx/>
-              <a:buChar char="•"/>
-            </a:pPr>
-            <a:endParaRPr lang="pt-BR" altLang="pt-BR" dirty="0">
-              <a:solidFill>
-                <a:srgbClr val="172B4D"/>
-              </a:solidFill>
-            </a:endParaRPr>
-          </a:p>
-          <a:p>
-            <a:pPr lvl="0" eaLnBrk="0" fontAlgn="base" hangingPunct="0">
-              <a:lnSpc>
-                <a:spcPct val="150000"/>
-              </a:lnSpc>
-              <a:spcBef>
-                <a:spcPct val="0"/>
-              </a:spcBef>
-              <a:spcAft>
-                <a:spcPct val="0"/>
-              </a:spcAft>
-            </a:pPr>
-            <a:r>
-              <a:rPr lang="pt-BR" altLang="pt-BR" dirty="0" smtClean="0">
-                <a:solidFill>
-                  <a:srgbClr val="172B4D"/>
-                </a:solidFill>
-              </a:rPr>
-              <a:t>- JSON</a:t>
-            </a:r>
-          </a:p>
-          <a:p>
-            <a:pPr lvl="0" eaLnBrk="0" fontAlgn="base" hangingPunct="0">
-              <a:lnSpc>
-                <a:spcPct val="150000"/>
-              </a:lnSpc>
-              <a:spcBef>
-                <a:spcPct val="0"/>
-              </a:spcBef>
-              <a:spcAft>
-                <a:spcPct val="0"/>
-              </a:spcAft>
-            </a:pPr>
-            <a:endParaRPr lang="pt-BR" altLang="pt-BR" dirty="0">
-              <a:solidFill>
-                <a:srgbClr val="172B4D"/>
-              </a:solidFill>
-            </a:endParaRPr>
-          </a:p>
-          <a:p>
-            <a:pPr lvl="0" eaLnBrk="0" fontAlgn="base" hangingPunct="0">
-              <a:lnSpc>
-                <a:spcPct val="150000"/>
-              </a:lnSpc>
-              <a:spcBef>
-                <a:spcPct val="0"/>
-              </a:spcBef>
-              <a:spcAft>
-                <a:spcPct val="0"/>
-              </a:spcAft>
-            </a:pPr>
-            <a:r>
-              <a:rPr lang="pt-BR" altLang="pt-BR" dirty="0">
-                <a:solidFill>
-                  <a:srgbClr val="172B4D"/>
-                </a:solidFill>
-              </a:rPr>
-              <a:t>- </a:t>
-            </a:r>
-            <a:r>
-              <a:rPr lang="pt-BR" altLang="pt-BR" dirty="0" err="1" smtClean="0">
-                <a:solidFill>
-                  <a:srgbClr val="172B4D"/>
-                </a:solidFill>
-              </a:rPr>
-              <a:t>Schema</a:t>
-            </a:r>
-            <a:endParaRPr lang="pt-BR" dirty="0"/>
-          </a:p>
-          <a:p>
-            <a:pPr marL="342900" lvl="0" indent="-342900" eaLnBrk="0" fontAlgn="base" hangingPunct="0">
-              <a:lnSpc>
-                <a:spcPct val="150000"/>
-              </a:lnSpc>
-              <a:spcBef>
-                <a:spcPct val="0"/>
-              </a:spcBef>
-              <a:spcAft>
-                <a:spcPct val="0"/>
-              </a:spcAft>
-              <a:buFontTx/>
-              <a:buChar char="-"/>
-            </a:pPr>
-            <a:endParaRPr lang="pt-BR" dirty="0"/>
+              <a:rPr lang="pt-BR" altLang="pt-BR" sz="2000" dirty="0" smtClean="0">
+                <a:solidFill>
+                  <a:srgbClr val="172B4D"/>
+                </a:solidFill>
+              </a:rPr>
+              <a:t>[</a:t>
+            </a:r>
+            <a:r>
+              <a:rPr lang="pt-BR" altLang="pt-BR" sz="2000" dirty="0">
+                <a:solidFill>
+                  <a:srgbClr val="172B4D"/>
+                </a:solidFill>
+              </a:rPr>
+              <a:t>1] [Resolução CGE 20/2014](http://pesquisalegislativa.mg.gov.br/LegislacaoCompleta.aspx?cod=171158</a:t>
+            </a:r>
+            <a:r>
+              <a:rPr lang="pt-BR" altLang="pt-BR" sz="2000" dirty="0" smtClean="0">
+                <a:solidFill>
+                  <a:srgbClr val="172B4D"/>
+                </a:solidFill>
+              </a:rPr>
+              <a:t>)]</a:t>
+            </a:r>
+            <a:endParaRPr lang="pt-BR" sz="2000" dirty="0"/>
           </a:p>
         </p:txBody>
       </p:sp>
@@ -9303,7 +9205,7 @@
     </p:spTree>
     <p:extLst>
       <p:ext uri="{BB962C8B-B14F-4D97-AF65-F5344CB8AC3E}">
-        <p14:creationId xmlns:p14="http://schemas.microsoft.com/office/powerpoint/2010/main" val="1009073135"/>
+        <p14:creationId xmlns:p14="http://schemas.microsoft.com/office/powerpoint/2010/main" val="550612375"/>
       </p:ext>
     </p:extLst>
   </p:cSld>
@@ -9357,7 +9259,6 @@
               <a:rPr lang="pt-BR" dirty="0"/>
               <a:t>O que são dados abertos?</a:t>
             </a:r>
-            <a:endParaRPr lang="pt-BR" dirty="0"/>
           </a:p>
         </p:txBody>
       </p:sp>
@@ -9373,8 +9274,8 @@
         </p:nvSpPr>
         <p:spPr>
           <a:xfrm>
-            <a:off x="300251" y="1173707"/>
-            <a:ext cx="11328765" cy="4979667"/>
+            <a:off x="353979" y="929171"/>
+            <a:ext cx="11083968" cy="4582758"/>
           </a:xfrm>
         </p:spPr>
         <p:txBody>
@@ -9393,20 +9294,20 @@
               </a:spcAft>
             </a:pPr>
             <a:r>
-              <a:rPr lang="pt-BR" altLang="pt-BR" sz="2000" dirty="0" smtClean="0">
-                <a:solidFill>
-                  <a:srgbClr val="172B4D"/>
-                </a:solidFill>
-              </a:rPr>
-              <a:t>Dados Abertos: dados </a:t>
-            </a:r>
-            <a:r>
-              <a:rPr lang="pt-BR" altLang="pt-BR" sz="2000" dirty="0">
-                <a:solidFill>
-                  <a:srgbClr val="172B4D"/>
-                </a:solidFill>
-              </a:rPr>
-              <a:t>públicos (1) representados em meio digital (2), estruturados em formato aberto (3), processáveis por máquina (4) e referenciados na rede mundial de computadores (5), disponibilizados sob licença aberta (6) que permita sua livre reutilização, consumo ou cruzamento em aplicações digitais desenvolvidas pela sociedade.</a:t>
+              <a:rPr lang="pt-BR" altLang="pt-BR" dirty="0" smtClean="0">
+                <a:solidFill>
+                  <a:srgbClr val="172B4D"/>
+                </a:solidFill>
+              </a:rPr>
+              <a:t> </a:t>
+            </a:r>
+            <a:r>
+              <a:rPr lang="pt-BR" altLang="pt-BR" dirty="0">
+                <a:solidFill>
+                  <a:srgbClr val="172B4D"/>
+                </a:solidFill>
+              </a:rPr>
+              <a:t>Art. 8º É dever dos órgãos e entidades públicas promover, independentemente de requerimentos, a divulgação em local de fácil acesso, no âmbito de suas competências, de informações de interesse coletivo ou geral por eles produzidas ou custodiadas.</a:t>
             </a:r>
           </a:p>
           <a:p>
@@ -9421,7 +9322,15 @@
                 <a:spcPct val="0"/>
               </a:spcAft>
             </a:pPr>
-            <a:endParaRPr lang="pt-BR" altLang="pt-BR" sz="2000" dirty="0">
+            <a:r>
+              <a:rPr lang="pt-BR" altLang="pt-BR" dirty="0" smtClean="0">
+                <a:solidFill>
+                  <a:srgbClr val="172B4D"/>
+                </a:solidFill>
+              </a:rPr>
+              <a:t>[...]</a:t>
+            </a:r>
+            <a:endParaRPr lang="pt-BR" altLang="pt-BR" dirty="0">
               <a:solidFill>
                 <a:srgbClr val="172B4D"/>
               </a:solidFill>
@@ -9439,14 +9348,11 @@
                 <a:spcPct val="0"/>
               </a:spcAft>
             </a:pPr>
-            <a:r>
-              <a:rPr lang="pt-BR" altLang="pt-BR" sz="2000" dirty="0">
-                <a:solidFill>
-                  <a:srgbClr val="172B4D"/>
-                </a:solidFill>
-              </a:rPr>
-              <a:t>O objetivo, que constitui dever dos órgãos e entidades públicas por força da [Lei de Acesso à Informação](http://www.planalto.gov.br/ccivil_03/_ato2011-2014/2011/lei/l12527.htm#art8%C2%A73), é a divulgação de dados "de modo a facilitar a análise das informações", incluindo "detalhes [d]os formatos utilizados para estruturação da informação".</a:t>
-            </a:r>
+            <a:endParaRPr lang="pt-BR" altLang="pt-BR" dirty="0">
+              <a:solidFill>
+                <a:srgbClr val="172B4D"/>
+              </a:solidFill>
+            </a:endParaRPr>
           </a:p>
           <a:p>
             <a:pPr lvl="0" eaLnBrk="0" fontAlgn="base" hangingPunct="0">
@@ -9460,11 +9366,22 @@
                 <a:spcPct val="0"/>
               </a:spcAft>
             </a:pPr>
-            <a:endParaRPr lang="pt-BR" altLang="pt-BR" sz="2000" dirty="0">
-              <a:solidFill>
-                <a:srgbClr val="172B4D"/>
-              </a:solidFill>
-            </a:endParaRPr>
+            <a:r>
+              <a:rPr lang="pt-BR" altLang="pt-BR" dirty="0" smtClean="0">
+                <a:solidFill>
+                  <a:srgbClr val="172B4D"/>
+                </a:solidFill>
+              </a:rPr>
+              <a:t> </a:t>
+            </a:r>
+            <a:r>
+              <a:rPr lang="pt-BR" altLang="pt-BR" dirty="0">
+                <a:solidFill>
+                  <a:srgbClr val="172B4D"/>
+                </a:solidFill>
+              </a:rPr>
+              <a:t>§ 2º Para cumprimento do disposto no caput, os órgãos e entidades públicas deverão utilizar todos os meios e instrumentos legítimos de que dispuserem, sendo obrigatória a divulgação em sítios oficiais da rede mundial de computadores (internet).</a:t>
+            </a:r>
           </a:p>
           <a:p>
             <a:pPr lvl="0" eaLnBrk="0" fontAlgn="base" hangingPunct="0">
@@ -9478,13 +9395,31 @@
                 <a:spcPct val="0"/>
               </a:spcAft>
             </a:pPr>
+            <a:endParaRPr lang="pt-BR" altLang="pt-BR" dirty="0">
+              <a:solidFill>
+                <a:srgbClr val="172B4D"/>
+              </a:solidFill>
+            </a:endParaRPr>
+          </a:p>
+          <a:p>
+            <a:pPr lvl="0" eaLnBrk="0" fontAlgn="base" hangingPunct="0">
+              <a:lnSpc>
+                <a:spcPct val="150000"/>
+              </a:lnSpc>
+              <a:spcBef>
+                <a:spcPct val="0"/>
+              </a:spcBef>
+              <a:spcAft>
+                <a:spcPct val="0"/>
+              </a:spcAft>
+            </a:pPr>
             <a:r>
               <a:rPr lang="pt-BR" altLang="pt-BR" sz="2000" dirty="0" smtClean="0">
                 <a:solidFill>
                   <a:srgbClr val="172B4D"/>
                 </a:solidFill>
               </a:rPr>
-              <a:t>[</a:t>
+              <a:t>-- </a:t>
             </a:r>
             <a:r>
               <a:rPr lang="pt-BR" altLang="pt-BR" sz="2000" dirty="0">
@@ -9492,7 +9427,7 @@
                   <a:srgbClr val="172B4D"/>
                 </a:solidFill>
               </a:rPr>
-              <a:t>1] [Resolução CGE 20/2014](http://pesquisalegislativa.mg.gov.br/LegislacaoCompleta.aspx?cod=171158</a:t>
+              <a:t>[Lei nº 12.527/2011](http://www.planalto.gov.br/ccivil_03/_ato2011-2014/2011/lei/l12527.htm#art8</a:t>
             </a:r>
             <a:r>
               <a:rPr lang="pt-BR" altLang="pt-BR" sz="2000" dirty="0" smtClean="0">
@@ -9620,7 +9555,7 @@
     </p:spTree>
     <p:extLst>
       <p:ext uri="{BB962C8B-B14F-4D97-AF65-F5344CB8AC3E}">
-        <p14:creationId xmlns:p14="http://schemas.microsoft.com/office/powerpoint/2010/main" val="550612375"/>
+        <p14:creationId xmlns:p14="http://schemas.microsoft.com/office/powerpoint/2010/main" val="2186527010"/>
       </p:ext>
     </p:extLst>
   </p:cSld>
@@ -9674,7 +9609,6 @@
               <a:rPr lang="pt-BR" dirty="0"/>
               <a:t>O que são dados abertos?</a:t>
             </a:r>
-            <a:endParaRPr lang="pt-BR" dirty="0"/>
           </a:p>
         </p:txBody>
       </p:sp>
@@ -9690,7 +9624,7 @@
         </p:nvSpPr>
         <p:spPr>
           <a:xfrm>
-            <a:off x="353979" y="929171"/>
+            <a:off x="217502" y="677732"/>
             <a:ext cx="11083968" cy="4582758"/>
           </a:xfrm>
         </p:spPr>
@@ -9723,8 +9657,21 @@
                   <a:srgbClr val="172B4D"/>
                 </a:solidFill>
               </a:rPr>
-              <a:t>Art. 8º É dever dos órgãos e entidades públicas promover, independentemente de requerimentos, a divulgação em local de fácil acesso, no âmbito de suas competências, de informações de interesse coletivo ou geral por eles produzidas ou custodiadas.</a:t>
-            </a:r>
+              <a:t>§ 3º Os sítios de que trata o § 2º deverão, na forma de regulamento, atender, entre outros, aos seguintes requisitos</a:t>
+            </a:r>
+            <a:r>
+              <a:rPr lang="pt-BR" altLang="pt-BR" dirty="0" smtClean="0">
+                <a:solidFill>
+                  <a:srgbClr val="172B4D"/>
+                </a:solidFill>
+              </a:rPr>
+              <a:t>:</a:t>
+            </a:r>
+            <a:endParaRPr lang="pt-BR" altLang="pt-BR" dirty="0">
+              <a:solidFill>
+                <a:srgbClr val="172B4D"/>
+              </a:solidFill>
+            </a:endParaRPr>
           </a:p>
           <a:p>
             <a:pPr lvl="0" eaLnBrk="0" fontAlgn="base" hangingPunct="0">
@@ -9744,7 +9691,23 @@
                   <a:srgbClr val="172B4D"/>
                 </a:solidFill>
               </a:rPr>
-              <a:t>[...]</a:t>
+              <a:t> </a:t>
+            </a:r>
+            <a:r>
+              <a:rPr lang="pt-BR" altLang="pt-BR" dirty="0">
+                <a:solidFill>
+                  <a:srgbClr val="172B4D"/>
+                </a:solidFill>
+              </a:rPr>
+              <a:t>I - conter ferramenta de pesquisa de conteúdo que permita o acesso à informação de forma objetiva, transparente, clara e em linguagem de fácil compreensão</a:t>
+            </a:r>
+            <a:r>
+              <a:rPr lang="pt-BR" altLang="pt-BR" dirty="0" smtClean="0">
+                <a:solidFill>
+                  <a:srgbClr val="172B4D"/>
+                </a:solidFill>
+              </a:rPr>
+              <a:t>;</a:t>
             </a:r>
             <a:endParaRPr lang="pt-BR" altLang="pt-BR" dirty="0">
               <a:solidFill>
@@ -9764,6 +9727,53 @@
                 <a:spcPct val="0"/>
               </a:spcAft>
             </a:pPr>
+            <a:r>
+              <a:rPr lang="pt-BR" altLang="pt-BR" dirty="0" smtClean="0">
+                <a:solidFill>
+                  <a:srgbClr val="172B4D"/>
+                </a:solidFill>
+              </a:rPr>
+              <a:t> </a:t>
+            </a:r>
+            <a:r>
+              <a:rPr lang="pt-BR" altLang="pt-BR" dirty="0">
+                <a:solidFill>
+                  <a:srgbClr val="172B4D"/>
+                </a:solidFill>
+              </a:rPr>
+              <a:t>II - possibilitar a gravação de relatórios em diversos formatos eletrônicos, inclusive </a:t>
+            </a:r>
+            <a:r>
+              <a:rPr lang="pt-BR" altLang="pt-BR" dirty="0">
+                <a:solidFill>
+                  <a:srgbClr val="172B4D"/>
+                </a:solidFill>
+                <a:effectLst>
+                  <a:outerShdw blurRad="38100" dist="38100" dir="2700000" algn="tl">
+                    <a:srgbClr val="000000">
+                      <a:alpha val="43137"/>
+                    </a:srgbClr>
+                  </a:outerShdw>
+                </a:effectLst>
+              </a:rPr>
+              <a:t>abertos e não proprietários, tais como planilhas e texto</a:t>
+            </a:r>
+            <a:r>
+              <a:rPr lang="pt-BR" altLang="pt-BR" dirty="0">
+                <a:solidFill>
+                  <a:srgbClr val="172B4D"/>
+                </a:solidFill>
+              </a:rPr>
+              <a:t>, de modo a facilitar a análise das informações</a:t>
+            </a:r>
+            <a:r>
+              <a:rPr lang="pt-BR" altLang="pt-BR" dirty="0" smtClean="0">
+                <a:solidFill>
+                  <a:srgbClr val="172B4D"/>
+                </a:solidFill>
+              </a:rPr>
+              <a:t>;</a:t>
+            </a:r>
             <a:endParaRPr lang="pt-BR" altLang="pt-BR" dirty="0">
               <a:solidFill>
                 <a:srgbClr val="172B4D"/>
@@ -9796,8 +9806,36 @@
                   <a:srgbClr val="172B4D"/>
                 </a:solidFill>
               </a:rPr>
-              <a:t>§ 2º Para cumprimento do disposto no caput, os órgãos e entidades públicas deverão utilizar todos os meios e instrumentos legítimos de que dispuserem, sendo obrigatória a divulgação em sítios oficiais da rede mundial de computadores (internet).</a:t>
-            </a:r>
+              <a:t>III - possibilitar o </a:t>
+            </a:r>
+            <a:r>
+              <a:rPr lang="pt-BR" altLang="pt-BR" dirty="0">
+                <a:solidFill>
+                  <a:srgbClr val="172B4D"/>
+                </a:solidFill>
+                <a:effectLst>
+                  <a:outerShdw blurRad="38100" dist="38100" dir="2700000" algn="tl">
+                    <a:srgbClr val="000000">
+                      <a:alpha val="43137"/>
+                    </a:srgbClr>
+                  </a:outerShdw>
+                </a:effectLst>
+              </a:rPr>
+              <a:t>acesso automatizado por sistemas externos em formatos abertos, estruturados e legíveis por máquina</a:t>
+            </a:r>
+            <a:r>
+              <a:rPr lang="pt-BR" altLang="pt-BR" dirty="0" smtClean="0">
+                <a:solidFill>
+                  <a:srgbClr val="172B4D"/>
+                </a:solidFill>
+              </a:rPr>
+              <a:t>;</a:t>
+            </a:r>
+            <a:endParaRPr lang="pt-BR" altLang="pt-BR" dirty="0">
+              <a:solidFill>
+                <a:srgbClr val="172B4D"/>
+              </a:solidFill>
+            </a:endParaRPr>
           </a:p>
           <a:p>
             <a:pPr lvl="0" eaLnBrk="0" fontAlgn="base" hangingPunct="0">
@@ -9811,6 +9849,53 @@
                 <a:spcPct val="0"/>
               </a:spcAft>
             </a:pPr>
+            <a:r>
+              <a:rPr lang="pt-BR" altLang="pt-BR" dirty="0" smtClean="0">
+                <a:solidFill>
+                  <a:srgbClr val="172B4D"/>
+                </a:solidFill>
+              </a:rPr>
+              <a:t> </a:t>
+            </a:r>
+            <a:r>
+              <a:rPr lang="pt-BR" altLang="pt-BR" dirty="0">
+                <a:solidFill>
+                  <a:srgbClr val="172B4D"/>
+                </a:solidFill>
+              </a:rPr>
+              <a:t>IV - divulgar em </a:t>
+            </a:r>
+            <a:r>
+              <a:rPr lang="pt-BR" altLang="pt-BR" dirty="0">
+                <a:solidFill>
+                  <a:srgbClr val="172B4D"/>
+                </a:solidFill>
+                <a:effectLst>
+                  <a:outerShdw blurRad="38100" dist="38100" dir="2700000" algn="tl">
+                    <a:srgbClr val="000000">
+                      <a:alpha val="43137"/>
+                    </a:srgbClr>
+                  </a:outerShdw>
+                </a:effectLst>
+              </a:rPr>
+              <a:t>detalhes os formatos utilizados </a:t>
+            </a:r>
+            <a:r>
+              <a:rPr lang="pt-BR" altLang="pt-BR" dirty="0">
+                <a:solidFill>
+                  <a:srgbClr val="172B4D"/>
+                </a:solidFill>
+              </a:rPr>
+              <a:t>para estruturação da informação</a:t>
+            </a:r>
+            <a:r>
+              <a:rPr lang="pt-BR" altLang="pt-BR" dirty="0" smtClean="0">
+                <a:solidFill>
+                  <a:srgbClr val="172B4D"/>
+                </a:solidFill>
+              </a:rPr>
+              <a:t>;</a:t>
+            </a:r>
             <a:endParaRPr lang="pt-BR" altLang="pt-BR" dirty="0">
               <a:solidFill>
                 <a:srgbClr val="172B4D"/>
@@ -9830,30 +9915,110 @@
               </a:spcAft>
             </a:pPr>
             <a:r>
-              <a:rPr lang="pt-BR" altLang="pt-BR" sz="2000" dirty="0" smtClean="0">
-                <a:solidFill>
-                  <a:srgbClr val="172B4D"/>
-                </a:solidFill>
-              </a:rPr>
-              <a:t>-- </a:t>
-            </a:r>
-            <a:r>
-              <a:rPr lang="pt-BR" altLang="pt-BR" sz="2000" dirty="0">
-                <a:solidFill>
-                  <a:srgbClr val="172B4D"/>
-                </a:solidFill>
-              </a:rPr>
-              <a:t>[Lei nº 12.527/2011](http://www.planalto.gov.br/ccivil_03/_ato2011-2014/2011/lei/l12527.htm#art8</a:t>
-            </a:r>
-            <a:r>
-              <a:rPr lang="pt-BR" altLang="pt-BR" sz="2000" dirty="0" smtClean="0">
-                <a:solidFill>
-                  <a:srgbClr val="172B4D"/>
-                </a:solidFill>
-              </a:rPr>
-              <a:t>)]</a:t>
-            </a:r>
-            <a:endParaRPr lang="pt-BR" sz="2000" dirty="0"/>
+              <a:rPr lang="pt-BR" altLang="pt-BR" dirty="0" smtClean="0">
+                <a:solidFill>
+                  <a:srgbClr val="172B4D"/>
+                </a:solidFill>
+              </a:rPr>
+              <a:t> </a:t>
+            </a:r>
+            <a:r>
+              <a:rPr lang="pt-BR" altLang="pt-BR" dirty="0">
+                <a:solidFill>
+                  <a:srgbClr val="172B4D"/>
+                </a:solidFill>
+              </a:rPr>
+              <a:t>V - garantir a </a:t>
+            </a:r>
+            <a:r>
+              <a:rPr lang="pt-BR" altLang="pt-BR" dirty="0">
+                <a:solidFill>
+                  <a:srgbClr val="172B4D"/>
+                </a:solidFill>
+                <a:effectLst>
+                  <a:outerShdw blurRad="38100" dist="38100" dir="2700000" algn="tl">
+                    <a:srgbClr val="000000">
+                      <a:alpha val="43137"/>
+                    </a:srgbClr>
+                  </a:outerShdw>
+                </a:effectLst>
+              </a:rPr>
+              <a:t>autenticidade e a integridade das informações </a:t>
+            </a:r>
+            <a:r>
+              <a:rPr lang="pt-BR" altLang="pt-BR" dirty="0">
+                <a:solidFill>
+                  <a:srgbClr val="172B4D"/>
+                </a:solidFill>
+              </a:rPr>
+              <a:t>disponíveis para acesso</a:t>
+            </a:r>
+            <a:r>
+              <a:rPr lang="pt-BR" altLang="pt-BR" dirty="0" smtClean="0">
+                <a:solidFill>
+                  <a:srgbClr val="172B4D"/>
+                </a:solidFill>
+              </a:rPr>
+              <a:t>;</a:t>
+            </a:r>
+            <a:endParaRPr lang="pt-BR" altLang="pt-BR" dirty="0">
+              <a:solidFill>
+                <a:srgbClr val="172B4D"/>
+              </a:solidFill>
+            </a:endParaRPr>
+          </a:p>
+          <a:p>
+            <a:pPr lvl="0" eaLnBrk="0" fontAlgn="base" hangingPunct="0">
+              <a:lnSpc>
+                <a:spcPct val="150000"/>
+              </a:lnSpc>
+              <a:spcBef>
+                <a:spcPct val="0"/>
+              </a:spcBef>
+              <a:spcAft>
+                <a:spcPct val="0"/>
+              </a:spcAft>
+            </a:pPr>
+            <a:r>
+              <a:rPr lang="pt-BR" altLang="pt-BR" dirty="0" smtClean="0">
+                <a:solidFill>
+                  <a:srgbClr val="172B4D"/>
+                </a:solidFill>
+              </a:rPr>
+              <a:t> </a:t>
+            </a:r>
+            <a:r>
+              <a:rPr lang="pt-BR" altLang="pt-BR" dirty="0">
+                <a:solidFill>
+                  <a:srgbClr val="172B4D"/>
+                </a:solidFill>
+              </a:rPr>
+              <a:t>VI - manter </a:t>
+            </a:r>
+            <a:r>
+              <a:rPr lang="pt-BR" altLang="pt-BR" dirty="0">
+                <a:solidFill>
+                  <a:srgbClr val="172B4D"/>
+                </a:solidFill>
+                <a:effectLst>
+                  <a:outerShdw blurRad="38100" dist="38100" dir="2700000" algn="tl">
+                    <a:srgbClr val="000000">
+                      <a:alpha val="43137"/>
+                    </a:srgbClr>
+                  </a:outerShdw>
+                </a:effectLst>
+              </a:rPr>
+              <a:t>atualizadas as informações disponíveis </a:t>
+            </a:r>
+            <a:r>
+              <a:rPr lang="pt-BR" altLang="pt-BR" dirty="0">
+                <a:solidFill>
+                  <a:srgbClr val="172B4D"/>
+                </a:solidFill>
+              </a:rPr>
+              <a:t>para acesso;</a:t>
+            </a:r>
+            <a:endParaRPr lang="pt-BR" dirty="0"/>
           </a:p>
         </p:txBody>
       </p:sp>
@@ -9971,7 +10136,7 @@
     </p:spTree>
     <p:extLst>
       <p:ext uri="{BB962C8B-B14F-4D97-AF65-F5344CB8AC3E}">
-        <p14:creationId xmlns:p14="http://schemas.microsoft.com/office/powerpoint/2010/main" val="2186527010"/>
+        <p14:creationId xmlns:p14="http://schemas.microsoft.com/office/powerpoint/2010/main" val="1341067959"/>
       </p:ext>
     </p:extLst>
   </p:cSld>
@@ -10022,8 +10187,8 @@
           <a:p>
             <a:pPr algn="l"/>
             <a:r>
-              <a:rPr lang="pt-BR" dirty="0"/>
-              <a:t>O que são dados abertos?</a:t>
+              <a:rPr lang="pt-BR" dirty="0" smtClean="0"/>
+              <a:t>O que é um Portal de Dados Abertos?</a:t>
             </a:r>
             <a:endParaRPr lang="pt-BR" dirty="0"/>
           </a:p>
@@ -10041,12 +10206,14 @@
         </p:nvSpPr>
         <p:spPr>
           <a:xfrm>
-            <a:off x="217502" y="677732"/>
-            <a:ext cx="11083968" cy="4582758"/>
+            <a:off x="422218" y="942819"/>
+            <a:ext cx="11083968" cy="4708981"/>
           </a:xfrm>
         </p:spPr>
         <p:txBody>
-          <a:bodyPr/>
+          <a:bodyPr lIns="0" rIns="0" numCol="2" spcCol="144000">
+            <a:spAutoFit/>
+          </a:bodyPr>
           <a:lstStyle/>
           <a:p>
             <a:pPr lvl="0" eaLnBrk="0" fontAlgn="base" hangingPunct="0">
@@ -10061,34 +10228,21 @@
               </a:spcAft>
             </a:pPr>
             <a:r>
-              <a:rPr lang="pt-BR" altLang="pt-BR" dirty="0" smtClean="0">
-                <a:solidFill>
-                  <a:srgbClr val="172B4D"/>
-                </a:solidFill>
-              </a:rPr>
-              <a:t> </a:t>
-            </a:r>
-            <a:r>
-              <a:rPr lang="pt-BR" altLang="pt-BR" dirty="0">
-                <a:solidFill>
-                  <a:srgbClr val="172B4D"/>
-                </a:solidFill>
-              </a:rPr>
-              <a:t>§ 3º Os sítios de que trata o § 2º deverão, na forma de regulamento, atender, entre outros, aos seguintes requisitos</a:t>
-            </a:r>
-            <a:r>
-              <a:rPr lang="pt-BR" altLang="pt-BR" dirty="0" smtClean="0">
-                <a:solidFill>
-                  <a:srgbClr val="172B4D"/>
-                </a:solidFill>
-              </a:rPr>
-              <a:t>:</a:t>
-            </a:r>
-            <a:endParaRPr lang="pt-BR" altLang="pt-BR" dirty="0">
-              <a:solidFill>
-                <a:srgbClr val="172B4D"/>
-              </a:solidFill>
-            </a:endParaRPr>
+              <a:rPr lang="pt-BR" altLang="pt-BR" sz="2000" dirty="0" smtClean="0">
+                <a:solidFill>
+                  <a:srgbClr val="172B4D"/>
+                </a:solidFill>
+              </a:rPr>
+              <a:t>Portal: site </a:t>
+            </a:r>
+            <a:r>
+              <a:rPr lang="pt-BR" altLang="pt-BR" sz="2000" dirty="0">
+                <a:solidFill>
+                  <a:srgbClr val="172B4D"/>
+                </a:solidFill>
+              </a:rPr>
+              <a:t>na internet projetado para aglomerar e distribuir conteúdos de várias fontes diferentes de maneira uniforme, sendo um ponto de acesso para [conteúdos de] uma série de outros sites.</a:t>
+            </a:r>
           </a:p>
           <a:p>
             <a:pPr lvl="0" eaLnBrk="0" fontAlgn="base" hangingPunct="0">
@@ -10103,30 +10257,40 @@
               </a:spcAft>
             </a:pPr>
             <a:r>
-              <a:rPr lang="pt-BR" altLang="pt-BR" dirty="0" smtClean="0">
-                <a:solidFill>
-                  <a:srgbClr val="172B4D"/>
-                </a:solidFill>
-              </a:rPr>
-              <a:t> </a:t>
-            </a:r>
-            <a:r>
-              <a:rPr lang="pt-BR" altLang="pt-BR" dirty="0">
-                <a:solidFill>
-                  <a:srgbClr val="172B4D"/>
-                </a:solidFill>
-              </a:rPr>
-              <a:t>I - conter ferramenta de pesquisa de conteúdo que permita o acesso à informação de forma objetiva, transparente, clara e em linguagem de fácil compreensão</a:t>
-            </a:r>
-            <a:r>
-              <a:rPr lang="pt-BR" altLang="pt-BR" dirty="0" smtClean="0">
-                <a:solidFill>
-                  <a:srgbClr val="172B4D"/>
-                </a:solidFill>
-              </a:rPr>
-              <a:t>;</a:t>
-            </a:r>
-            <a:endParaRPr lang="pt-BR" altLang="pt-BR" dirty="0">
+              <a:rPr lang="pt-BR" altLang="pt-BR" sz="2000" dirty="0" err="1" smtClean="0">
+                <a:solidFill>
+                  <a:srgbClr val="172B4D"/>
+                </a:solidFill>
+              </a:rPr>
+              <a:t>Wikipedia</a:t>
+            </a:r>
+            <a:r>
+              <a:rPr lang="pt-BR" altLang="pt-BR" sz="2000" dirty="0">
+                <a:solidFill>
+                  <a:srgbClr val="172B4D"/>
+                </a:solidFill>
+              </a:rPr>
+              <a:t>](</a:t>
+            </a:r>
+            <a:r>
+              <a:rPr lang="pt-BR" altLang="pt-BR" sz="2000" dirty="0">
+                <a:solidFill>
+                  <a:srgbClr val="172B4D"/>
+                </a:solidFill>
+                <a:hlinkClick r:id="rId3"/>
+              </a:rPr>
+              <a:t>https://pt.wikipedia.org/wiki/Portal_(internet%29</a:t>
+            </a:r>
+            <a:r>
+              <a:rPr lang="pt-BR" altLang="pt-BR" sz="2000" dirty="0" smtClean="0">
+                <a:solidFill>
+                  <a:srgbClr val="172B4D"/>
+                </a:solidFill>
+                <a:hlinkClick r:id="rId3"/>
+              </a:rPr>
+              <a:t>)</a:t>
+            </a:r>
+            <a:endParaRPr lang="pt-BR" altLang="pt-BR" sz="2000" dirty="0" smtClean="0">
               <a:solidFill>
                 <a:srgbClr val="172B4D"/>
               </a:solidFill>
@@ -10144,54 +10308,7 @@
                 <a:spcPct val="0"/>
               </a:spcAft>
             </a:pPr>
-            <a:r>
-              <a:rPr lang="pt-BR" altLang="pt-BR" dirty="0" smtClean="0">
-                <a:solidFill>
-                  <a:srgbClr val="172B4D"/>
-                </a:solidFill>
-              </a:rPr>
-              <a:t> </a:t>
-            </a:r>
-            <a:r>
-              <a:rPr lang="pt-BR" altLang="pt-BR" dirty="0">
-                <a:solidFill>
-                  <a:srgbClr val="172B4D"/>
-                </a:solidFill>
-              </a:rPr>
-              <a:t>II - possibilitar a gravação de relatórios em diversos formatos eletrônicos, inclusive </a:t>
-            </a:r>
-            <a:r>
-              <a:rPr lang="pt-BR" altLang="pt-BR" dirty="0">
-                <a:solidFill>
-                  <a:srgbClr val="172B4D"/>
-                </a:solidFill>
-                <a:effectLst>
-                  <a:outerShdw blurRad="38100" dist="38100" dir="2700000" algn="tl">
-                    <a:srgbClr val="000000">
-                      <a:alpha val="43137"/>
-                    </a:srgbClr>
-                  </a:outerShdw>
-                </a:effectLst>
-              </a:rPr>
-              <a:t>abertos e não proprietários, tais como planilhas e texto</a:t>
-            </a:r>
-            <a:r>
-              <a:rPr lang="pt-BR" altLang="pt-BR" dirty="0">
-                <a:solidFill>
-                  <a:srgbClr val="172B4D"/>
-                </a:solidFill>
-              </a:rPr>
-              <a:t>, de modo a facilitar a análise das informações</a:t>
-            </a:r>
-            <a:r>
-              <a:rPr lang="pt-BR" altLang="pt-BR" dirty="0" smtClean="0">
-                <a:solidFill>
-                  <a:srgbClr val="172B4D"/>
-                </a:solidFill>
-              </a:rPr>
-              <a:t>;</a:t>
-            </a:r>
-            <a:endParaRPr lang="pt-BR" altLang="pt-BR" dirty="0">
+            <a:endParaRPr lang="pt-BR" altLang="pt-BR" sz="2000" dirty="0" smtClean="0">
               <a:solidFill>
                 <a:srgbClr val="172B4D"/>
               </a:solidFill>
@@ -10210,49 +10327,13 @@
               </a:spcAft>
             </a:pPr>
             <a:r>
-              <a:rPr lang="pt-BR" altLang="pt-BR" dirty="0" smtClean="0">
-                <a:solidFill>
-                  <a:srgbClr val="172B4D"/>
-                </a:solidFill>
-              </a:rPr>
-              <a:t> </a:t>
-            </a:r>
-            <a:r>
-              <a:rPr lang="pt-BR" altLang="pt-BR" dirty="0">
-                <a:solidFill>
-                  <a:srgbClr val="172B4D"/>
-                </a:solidFill>
-              </a:rPr>
-              <a:t>III - possibilitar o </a:t>
-            </a:r>
-            <a:r>
-              <a:rPr lang="pt-BR" altLang="pt-BR" dirty="0">
-                <a:solidFill>
-                  <a:srgbClr val="172B4D"/>
-                </a:solidFill>
-                <a:effectLst>
-                  <a:outerShdw blurRad="38100" dist="38100" dir="2700000" algn="tl">
-                    <a:srgbClr val="000000">
-                      <a:alpha val="43137"/>
-                    </a:srgbClr>
-                  </a:outerShdw>
-                </a:effectLst>
-              </a:rPr>
-              <a:t>acesso automatizado por sistemas externos em formatos abertos, estruturados e legíveis por máquina</a:t>
-            </a:r>
-            <a:r>
-              <a:rPr lang="pt-BR" altLang="pt-BR" dirty="0" smtClean="0">
-                <a:solidFill>
-                  <a:srgbClr val="172B4D"/>
-                </a:solidFill>
-              </a:rPr>
-              <a:t>;</a:t>
-            </a:r>
-            <a:endParaRPr lang="pt-BR" altLang="pt-BR" dirty="0">
-              <a:solidFill>
-                <a:srgbClr val="172B4D"/>
-              </a:solidFill>
-            </a:endParaRPr>
+              <a:rPr lang="pt-BR" altLang="pt-BR" sz="2000" dirty="0" smtClean="0">
+                <a:solidFill>
+                  <a:srgbClr val="172B4D"/>
+                </a:solidFill>
+              </a:rPr>
+              <a:t>dados.mg.gov.br</a:t>
+            </a:r>
           </a:p>
           <a:p>
             <a:pPr lvl="0" eaLnBrk="0" fontAlgn="base" hangingPunct="0">
@@ -10267,53 +10348,33 @@
               </a:spcAft>
             </a:pPr>
             <a:r>
-              <a:rPr lang="pt-BR" altLang="pt-BR" dirty="0" smtClean="0">
-                <a:solidFill>
-                  <a:srgbClr val="172B4D"/>
-                </a:solidFill>
-              </a:rPr>
-              <a:t> </a:t>
-            </a:r>
-            <a:r>
-              <a:rPr lang="pt-BR" altLang="pt-BR" dirty="0">
-                <a:solidFill>
-                  <a:srgbClr val="172B4D"/>
-                </a:solidFill>
-              </a:rPr>
-              <a:t>IV - divulgar em </a:t>
-            </a:r>
-            <a:r>
-              <a:rPr lang="pt-BR" altLang="pt-BR" dirty="0">
-                <a:solidFill>
-                  <a:srgbClr val="172B4D"/>
-                </a:solidFill>
-                <a:effectLst>
-                  <a:outerShdw blurRad="38100" dist="38100" dir="2700000" algn="tl">
-                    <a:srgbClr val="000000">
-                      <a:alpha val="43137"/>
-                    </a:srgbClr>
-                  </a:outerShdw>
-                </a:effectLst>
-              </a:rPr>
-              <a:t>detalhes os formatos utilizados </a:t>
-            </a:r>
-            <a:r>
-              <a:rPr lang="pt-BR" altLang="pt-BR" dirty="0">
-                <a:solidFill>
-                  <a:srgbClr val="172B4D"/>
-                </a:solidFill>
-              </a:rPr>
-              <a:t>para estruturação da informação</a:t>
-            </a:r>
-            <a:r>
-              <a:rPr lang="pt-BR" altLang="pt-BR" dirty="0" smtClean="0">
-                <a:solidFill>
-                  <a:srgbClr val="172B4D"/>
-                </a:solidFill>
-              </a:rPr>
-              <a:t>;</a:t>
-            </a:r>
-            <a:endParaRPr lang="pt-BR" altLang="pt-BR" dirty="0">
+              <a:rPr lang="pt-BR" altLang="pt-BR" sz="2000" dirty="0" smtClean="0">
+                <a:solidFill>
+                  <a:srgbClr val="172B4D"/>
+                </a:solidFill>
+                <a:hlinkClick r:id="rId4"/>
+              </a:rPr>
+              <a:t>http</a:t>
+            </a:r>
+            <a:r>
+              <a:rPr lang="pt-BR" altLang="pt-BR" sz="2000" dirty="0">
+                <a:solidFill>
+                  <a:srgbClr val="172B4D"/>
+                </a:solidFill>
+                <a:hlinkClick r:id="rId4"/>
+              </a:rPr>
+              <a:t>://</a:t>
+            </a:r>
+            <a:r>
+              <a:rPr lang="pt-BR" altLang="pt-BR" sz="2000" dirty="0" smtClean="0">
+                <a:solidFill>
+                  <a:srgbClr val="172B4D"/>
+                </a:solidFill>
+                <a:hlinkClick r:id="rId4"/>
+              </a:rPr>
+              <a:t>dados.mg.gov.br/dataset/doacoes-covid-19</a:t>
+            </a:r>
+            <a:endParaRPr lang="pt-BR" altLang="pt-BR" sz="2000" dirty="0" smtClean="0">
               <a:solidFill>
                 <a:srgbClr val="172B4D"/>
               </a:solidFill>
@@ -10331,54 +10392,7 @@
                 <a:spcPct val="0"/>
               </a:spcAft>
             </a:pPr>
-            <a:r>
-              <a:rPr lang="pt-BR" altLang="pt-BR" dirty="0" smtClean="0">
-                <a:solidFill>
-                  <a:srgbClr val="172B4D"/>
-                </a:solidFill>
-              </a:rPr>
-              <a:t> </a:t>
-            </a:r>
-            <a:r>
-              <a:rPr lang="pt-BR" altLang="pt-BR" dirty="0">
-                <a:solidFill>
-                  <a:srgbClr val="172B4D"/>
-                </a:solidFill>
-              </a:rPr>
-              <a:t>V - garantir a </a:t>
-            </a:r>
-            <a:r>
-              <a:rPr lang="pt-BR" altLang="pt-BR" dirty="0">
-                <a:solidFill>
-                  <a:srgbClr val="172B4D"/>
-                </a:solidFill>
-                <a:effectLst>
-                  <a:outerShdw blurRad="38100" dist="38100" dir="2700000" algn="tl">
-                    <a:srgbClr val="000000">
-                      <a:alpha val="43137"/>
-                    </a:srgbClr>
-                  </a:outerShdw>
-                </a:effectLst>
-              </a:rPr>
-              <a:t>autenticidade e a integridade das informações </a:t>
-            </a:r>
-            <a:r>
-              <a:rPr lang="pt-BR" altLang="pt-BR" dirty="0">
-                <a:solidFill>
-                  <a:srgbClr val="172B4D"/>
-                </a:solidFill>
-              </a:rPr>
-              <a:t>disponíveis para acesso</a:t>
-            </a:r>
-            <a:r>
-              <a:rPr lang="pt-BR" altLang="pt-BR" dirty="0" smtClean="0">
-                <a:solidFill>
-                  <a:srgbClr val="172B4D"/>
-                </a:solidFill>
-              </a:rPr>
-              <a:t>;</a:t>
-            </a:r>
-            <a:endParaRPr lang="pt-BR" altLang="pt-BR" dirty="0">
+            <a:endParaRPr lang="pt-BR" altLang="pt-BR" sz="2000" dirty="0">
               <a:solidFill>
                 <a:srgbClr val="172B4D"/>
               </a:solidFill>
@@ -10396,46 +10410,244 @@
                 <a:spcPct val="0"/>
               </a:spcAft>
             </a:pPr>
-            <a:r>
-              <a:rPr lang="pt-BR" altLang="pt-BR" dirty="0" smtClean="0">
-                <a:solidFill>
-                  <a:srgbClr val="172B4D"/>
-                </a:solidFill>
-              </a:rPr>
-              <a:t> </a:t>
-            </a:r>
-            <a:r>
-              <a:rPr lang="pt-BR" altLang="pt-BR" dirty="0">
-                <a:solidFill>
-                  <a:srgbClr val="172B4D"/>
-                </a:solidFill>
-              </a:rPr>
-              <a:t>VI - manter </a:t>
-            </a:r>
-            <a:r>
-              <a:rPr lang="pt-BR" altLang="pt-BR" dirty="0">
-                <a:solidFill>
-                  <a:srgbClr val="172B4D"/>
-                </a:solidFill>
-                <a:effectLst>
-                  <a:outerShdw blurRad="38100" dist="38100" dir="2700000" algn="tl">
-                    <a:srgbClr val="000000">
-                      <a:alpha val="43137"/>
-                    </a:srgbClr>
-                  </a:outerShdw>
-                </a:effectLst>
-              </a:rPr>
-              <a:t>atualizadas as informações disponíveis </a:t>
-            </a:r>
-            <a:r>
-              <a:rPr lang="pt-BR" altLang="pt-BR" dirty="0">
-                <a:solidFill>
-                  <a:srgbClr val="172B4D"/>
-                </a:solidFill>
-              </a:rPr>
-              <a:t>para acesso;</a:t>
-            </a:r>
-            <a:endParaRPr lang="pt-BR" dirty="0"/>
+            <a:endParaRPr lang="pt-BR" altLang="pt-BR" sz="2000" dirty="0">
+              <a:solidFill>
+                <a:srgbClr val="172B4D"/>
+              </a:solidFill>
+            </a:endParaRPr>
+          </a:p>
+          <a:p>
+            <a:pPr lvl="0" eaLnBrk="0" fontAlgn="base" hangingPunct="0">
+              <a:lnSpc>
+                <a:spcPct val="150000"/>
+              </a:lnSpc>
+              <a:spcBef>
+                <a:spcPct val="0"/>
+              </a:spcBef>
+              <a:spcAft>
+                <a:spcPct val="0"/>
+              </a:spcAft>
+            </a:pPr>
+            <a:r>
+              <a:rPr lang="pt-BR" altLang="pt-BR" sz="2000" dirty="0" smtClean="0">
+                <a:solidFill>
+                  <a:srgbClr val="172B4D"/>
+                </a:solidFill>
+              </a:rPr>
+              <a:t>Outros </a:t>
+            </a:r>
+            <a:r>
+              <a:rPr lang="pt-BR" altLang="pt-BR" sz="2000" dirty="0">
+                <a:solidFill>
+                  <a:srgbClr val="172B4D"/>
+                </a:solidFill>
+              </a:rPr>
+              <a:t>portais de dados abertos</a:t>
+            </a:r>
+          </a:p>
+          <a:p>
+            <a:pPr lvl="0" eaLnBrk="0" fontAlgn="base" hangingPunct="0">
+              <a:lnSpc>
+                <a:spcPct val="150000"/>
+              </a:lnSpc>
+              <a:spcBef>
+                <a:spcPct val="0"/>
+              </a:spcBef>
+              <a:spcAft>
+                <a:spcPct val="0"/>
+              </a:spcAft>
+            </a:pPr>
+            <a:r>
+              <a:rPr lang="pt-BR" altLang="pt-BR" sz="2000" dirty="0" smtClean="0">
+                <a:solidFill>
+                  <a:srgbClr val="172B4D"/>
+                </a:solidFill>
+              </a:rPr>
+              <a:t>- </a:t>
+            </a:r>
+            <a:r>
+              <a:rPr lang="pt-BR" altLang="pt-BR" sz="2000" dirty="0">
+                <a:solidFill>
+                  <a:srgbClr val="172B4D"/>
+                </a:solidFill>
+              </a:rPr>
+              <a:t>Brasil: https://github.com/dadosgovbr/</a:t>
+            </a:r>
+          </a:p>
+          <a:p>
+            <a:pPr lvl="0" eaLnBrk="0" fontAlgn="base" hangingPunct="0">
+              <a:lnSpc>
+                <a:spcPct val="150000"/>
+              </a:lnSpc>
+              <a:spcBef>
+                <a:spcPct val="0"/>
+              </a:spcBef>
+              <a:spcAft>
+                <a:spcPct val="0"/>
+              </a:spcAft>
+            </a:pPr>
+            <a:r>
+              <a:rPr lang="pt-BR" altLang="pt-BR" sz="2000" dirty="0" smtClean="0">
+                <a:solidFill>
+                  <a:srgbClr val="172B4D"/>
+                </a:solidFill>
+              </a:rPr>
+              <a:t>- </a:t>
+            </a:r>
+            <a:r>
+              <a:rPr lang="pt-BR" altLang="pt-BR" sz="2000" dirty="0">
+                <a:solidFill>
+                  <a:srgbClr val="172B4D"/>
+                </a:solidFill>
+              </a:rPr>
+              <a:t>Estados Unidos: https://github.com/GSA/data.gov/</a:t>
+            </a:r>
+          </a:p>
+          <a:p>
+            <a:pPr lvl="0" eaLnBrk="0" fontAlgn="base" hangingPunct="0">
+              <a:lnSpc>
+                <a:spcPct val="150000"/>
+              </a:lnSpc>
+              <a:spcBef>
+                <a:spcPct val="0"/>
+              </a:spcBef>
+              <a:spcAft>
+                <a:spcPct val="0"/>
+              </a:spcAft>
+            </a:pPr>
+            <a:r>
+              <a:rPr lang="pt-BR" altLang="pt-BR" sz="2000" dirty="0" smtClean="0">
+                <a:solidFill>
+                  <a:srgbClr val="172B4D"/>
+                </a:solidFill>
+              </a:rPr>
+              <a:t>- </a:t>
+            </a:r>
+            <a:r>
+              <a:rPr lang="pt-BR" altLang="pt-BR" sz="2000" dirty="0">
+                <a:solidFill>
+                  <a:srgbClr val="172B4D"/>
+                </a:solidFill>
+              </a:rPr>
+              <a:t>Reino Unido: https://github.com/alphagov?q=data</a:t>
+            </a:r>
+          </a:p>
+          <a:p>
+            <a:pPr lvl="0" eaLnBrk="0" fontAlgn="base" hangingPunct="0">
+              <a:lnSpc>
+                <a:spcPct val="150000"/>
+              </a:lnSpc>
+              <a:spcBef>
+                <a:spcPct val="0"/>
+              </a:spcBef>
+              <a:spcAft>
+                <a:spcPct val="0"/>
+              </a:spcAft>
+            </a:pPr>
+            <a:r>
+              <a:rPr lang="pt-BR" altLang="pt-BR" sz="2000" dirty="0" smtClean="0">
+                <a:solidFill>
+                  <a:srgbClr val="172B4D"/>
+                </a:solidFill>
+              </a:rPr>
+              <a:t>- </a:t>
+            </a:r>
+            <a:r>
+              <a:rPr lang="pt-BR" altLang="pt-BR" sz="2000" dirty="0">
+                <a:solidFill>
+                  <a:srgbClr val="172B4D"/>
+                </a:solidFill>
+              </a:rPr>
+              <a:t>França: https://github.com/etalab/data.gouv.fr</a:t>
+            </a:r>
+          </a:p>
+          <a:p>
+            <a:pPr lvl="0" eaLnBrk="0" fontAlgn="base" hangingPunct="0">
+              <a:lnSpc>
+                <a:spcPct val="150000"/>
+              </a:lnSpc>
+              <a:spcBef>
+                <a:spcPct val="0"/>
+              </a:spcBef>
+              <a:spcAft>
+                <a:spcPct val="0"/>
+              </a:spcAft>
+            </a:pPr>
+            <a:r>
+              <a:rPr lang="pt-BR" altLang="pt-BR" sz="2000" dirty="0" smtClean="0">
+                <a:solidFill>
+                  <a:srgbClr val="172B4D"/>
+                </a:solidFill>
+              </a:rPr>
+              <a:t>- </a:t>
+            </a:r>
+            <a:r>
+              <a:rPr lang="pt-BR" altLang="pt-BR" sz="2000" dirty="0">
+                <a:solidFill>
+                  <a:srgbClr val="172B4D"/>
+                </a:solidFill>
+              </a:rPr>
+              <a:t>Itália: https://github.com/italia/?q=data</a:t>
+            </a:r>
+          </a:p>
+          <a:p>
+            <a:pPr lvl="0" eaLnBrk="0" fontAlgn="base" hangingPunct="0">
+              <a:lnSpc>
+                <a:spcPct val="150000"/>
+              </a:lnSpc>
+              <a:spcBef>
+                <a:spcPct val="0"/>
+              </a:spcBef>
+              <a:spcAft>
+                <a:spcPct val="0"/>
+              </a:spcAft>
+            </a:pPr>
+            <a:r>
+              <a:rPr lang="pt-BR" altLang="pt-BR" sz="2000" dirty="0" smtClean="0">
+                <a:solidFill>
+                  <a:srgbClr val="172B4D"/>
+                </a:solidFill>
+              </a:rPr>
+              <a:t>- </a:t>
+            </a:r>
+            <a:r>
+              <a:rPr lang="pt-BR" altLang="pt-BR" sz="2000" dirty="0">
+                <a:solidFill>
+                  <a:srgbClr val="172B4D"/>
+                </a:solidFill>
+              </a:rPr>
+              <a:t>Austrália: https://github.com/datagovau</a:t>
+            </a:r>
+          </a:p>
+          <a:p>
+            <a:pPr lvl="0" eaLnBrk="0" fontAlgn="base" hangingPunct="0">
+              <a:lnSpc>
+                <a:spcPct val="150000"/>
+              </a:lnSpc>
+              <a:spcBef>
+                <a:spcPct val="0"/>
+              </a:spcBef>
+              <a:spcAft>
+                <a:spcPct val="0"/>
+              </a:spcAft>
+            </a:pPr>
+            <a:r>
+              <a:rPr lang="pt-BR" altLang="pt-BR" sz="2000" dirty="0" smtClean="0">
+                <a:solidFill>
+                  <a:srgbClr val="172B4D"/>
+                </a:solidFill>
+              </a:rPr>
+              <a:t>- </a:t>
+            </a:r>
+            <a:r>
+              <a:rPr lang="pt-BR" altLang="pt-BR" sz="2000" dirty="0">
+                <a:solidFill>
+                  <a:srgbClr val="172B4D"/>
+                </a:solidFill>
+              </a:rPr>
+              <a:t>Buenos Aires: https://github.com/datosgcba/</a:t>
+            </a:r>
+            <a:endParaRPr lang="pt-BR" sz="2000" dirty="0"/>
           </a:p>
         </p:txBody>
       </p:sp>
@@ -10553,7 +10765,7 @@
     </p:spTree>
     <p:extLst>
       <p:ext uri="{BB962C8B-B14F-4D97-AF65-F5344CB8AC3E}">
-        <p14:creationId xmlns:p14="http://schemas.microsoft.com/office/powerpoint/2010/main" val="1341067959"/>
+        <p14:creationId xmlns:p14="http://schemas.microsoft.com/office/powerpoint/2010/main" val="4124022970"/>
       </p:ext>
     </p:extLst>
   </p:cSld>
@@ -10602,10 +10814,38 @@
           <a:bodyPr/>
           <a:lstStyle/>
           <a:p>
-            <a:pPr algn="l"/>
-            <a:r>
-              <a:rPr lang="pt-BR" dirty="0" smtClean="0"/>
-              <a:t>O que é um Portal de Dados Abertos?</a:t>
+            <a:pPr lvl="0" algn="l"/>
+            <a:r>
+              <a:rPr lang="pt-BR" altLang="pt-BR" dirty="0" err="1" smtClean="0">
+                <a:solidFill>
+                  <a:schemeClr val="bg1"/>
+                </a:solidFill>
+              </a:rPr>
+              <a:t>Datapackage</a:t>
+            </a:r>
+            <a:r>
+              <a:rPr lang="pt-BR" altLang="pt-BR" dirty="0" smtClean="0">
+                <a:solidFill>
+                  <a:schemeClr val="bg1"/>
+                </a:solidFill>
+              </a:rPr>
+              <a:t> - </a:t>
+            </a:r>
+            <a:r>
+              <a:rPr lang="pt-BR" dirty="0">
+                <a:solidFill>
+                  <a:srgbClr val="172B4D"/>
+                </a:solidFill>
+              </a:rPr>
+              <a:t>Problemas e soluções - </a:t>
+            </a:r>
+            <a:r>
+              <a:rPr lang="pt-BR" dirty="0" smtClean="0">
+                <a:solidFill>
+                  <a:srgbClr val="172B4D"/>
+                </a:solidFill>
+              </a:rPr>
+              <a:t>Qualidade</a:t>
             </a:r>
             <a:endParaRPr lang="pt-BR" dirty="0"/>
           </a:p>
@@ -10623,19 +10863,17 @@
         </p:nvSpPr>
         <p:spPr>
           <a:xfrm>
-            <a:off x="422218" y="942819"/>
-            <a:ext cx="11083968" cy="4708981"/>
+            <a:off x="545048" y="1120911"/>
+            <a:ext cx="11083968" cy="4582758"/>
           </a:xfrm>
         </p:spPr>
         <p:txBody>
-          <a:bodyPr lIns="0" rIns="0" numCol="2" spcCol="144000">
-            <a:spAutoFit/>
-          </a:bodyPr>
+          <a:bodyPr/>
           <a:lstStyle/>
           <a:p>
             <a:pPr lvl="0" eaLnBrk="0" fontAlgn="base" hangingPunct="0">
               <a:lnSpc>
-                <a:spcPct val="150000"/>
+                <a:spcPct val="100000"/>
               </a:lnSpc>
               <a:spcBef>
                 <a:spcPct val="0"/>
@@ -10643,28 +10881,30 @@
               <a:spcAft>
                 <a:spcPct val="0"/>
               </a:spcAft>
+              <a:buFontTx/>
+              <a:buChar char="•"/>
             </a:pPr>
             <a:r>
-              <a:rPr lang="pt-BR" altLang="pt-BR" sz="2000" dirty="0" smtClean="0">
-                <a:solidFill>
-                  <a:srgbClr val="172B4D"/>
-                </a:solidFill>
-              </a:rPr>
-              <a:t>Portal: site </a:t>
-            </a:r>
-            <a:r>
-              <a:rPr lang="pt-BR" altLang="pt-BR" sz="2000" dirty="0">
-                <a:solidFill>
-                  <a:srgbClr val="172B4D"/>
-                </a:solidFill>
-              </a:rPr>
-              <a:t>na internet projetado para aglomerar e distribuir conteúdos de várias fontes diferentes de maneira uniforme, sendo um ponto de acesso para [conteúdos de] uma série de outros sites.</a:t>
+              <a:rPr lang="pt-BR" sz="2000" dirty="0" smtClean="0">
+                <a:solidFill>
+                  <a:srgbClr val="172B4D"/>
+                </a:solidFill>
+              </a:rPr>
+              <a:t>- </a:t>
+            </a:r>
+            <a:r>
+              <a:rPr lang="pt-BR" sz="2000" dirty="0">
+                <a:solidFill>
+                  <a:srgbClr val="172B4D"/>
+                </a:solidFill>
+              </a:rPr>
+              <a:t>Upload de arquivos incorretos</a:t>
             </a:r>
           </a:p>
           <a:p>
             <a:pPr lvl="0" eaLnBrk="0" fontAlgn="base" hangingPunct="0">
               <a:lnSpc>
-                <a:spcPct val="150000"/>
+                <a:spcPct val="100000"/>
               </a:lnSpc>
               <a:spcBef>
                 <a:spcPct val="0"/>
@@ -10672,42 +10912,10 @@
               <a:spcAft>
                 <a:spcPct val="0"/>
               </a:spcAft>
+              <a:buFontTx/>
+              <a:buChar char="•"/>
             </a:pPr>
-            <a:r>
-              <a:rPr lang="pt-BR" altLang="pt-BR" sz="2000" dirty="0" err="1" smtClean="0">
-                <a:solidFill>
-                  <a:srgbClr val="172B4D"/>
-                </a:solidFill>
-              </a:rPr>
-              <a:t>Wikipedia</a:t>
-            </a:r>
-            <a:r>
-              <a:rPr lang="pt-BR" altLang="pt-BR" sz="2000" dirty="0">
-                <a:solidFill>
-                  <a:srgbClr val="172B4D"/>
-                </a:solidFill>
-              </a:rPr>
-              <a:t>](</a:t>
-            </a:r>
-            <a:r>
-              <a:rPr lang="pt-BR" altLang="pt-BR" sz="2000" dirty="0">
-                <a:solidFill>
-                  <a:srgbClr val="172B4D"/>
-                </a:solidFill>
-                <a:hlinkClick r:id="rId3"/>
-              </a:rPr>
-              <a:t>https://pt.wikipedia.org/wiki/Portal_(internet%29</a:t>
-            </a:r>
-            <a:r>
-              <a:rPr lang="pt-BR" altLang="pt-BR" sz="2000" dirty="0" smtClean="0">
-                <a:solidFill>
-                  <a:srgbClr val="172B4D"/>
-                </a:solidFill>
-                <a:hlinkClick r:id="rId3"/>
-              </a:rPr>
-              <a:t>)</a:t>
-            </a:r>
-            <a:endParaRPr lang="pt-BR" altLang="pt-BR" sz="2000" dirty="0" smtClean="0">
+            <a:endParaRPr lang="pt-BR" sz="2000" dirty="0">
               <a:solidFill>
                 <a:srgbClr val="172B4D"/>
               </a:solidFill>
@@ -10716,7 +10924,7 @@
           <a:p>
             <a:pPr lvl="0" eaLnBrk="0" fontAlgn="base" hangingPunct="0">
               <a:lnSpc>
-                <a:spcPct val="150000"/>
+                <a:spcPct val="100000"/>
               </a:lnSpc>
               <a:spcBef>
                 <a:spcPct val="0"/>
@@ -10724,8 +10932,33 @@
               <a:spcAft>
                 <a:spcPct val="0"/>
               </a:spcAft>
+              <a:buFontTx/>
+              <a:buChar char="•"/>
             </a:pPr>
-            <a:endParaRPr lang="pt-BR" altLang="pt-BR" sz="2000" dirty="0" smtClean="0">
+            <a:r>
+              <a:rPr lang="pt-BR" sz="2000" dirty="0">
+                <a:solidFill>
+                  <a:srgbClr val="172B4D"/>
+                </a:solidFill>
+              </a:rPr>
+              <a:t>- Alteração nos nomes das colunas</a:t>
+            </a:r>
+          </a:p>
+          <a:p>
+            <a:pPr lvl="0" eaLnBrk="0" fontAlgn="base" hangingPunct="0">
+              <a:lnSpc>
+                <a:spcPct val="100000"/>
+              </a:lnSpc>
+              <a:spcBef>
+                <a:spcPct val="0"/>
+              </a:spcBef>
+              <a:spcAft>
+                <a:spcPct val="0"/>
+              </a:spcAft>
+              <a:buFontTx/>
+              <a:buChar char="•"/>
+            </a:pPr>
+            <a:endParaRPr lang="pt-BR" sz="2000" dirty="0">
               <a:solidFill>
                 <a:srgbClr val="172B4D"/>
               </a:solidFill>
@@ -10734,7 +10967,7 @@
           <a:p>
             <a:pPr lvl="0" eaLnBrk="0" fontAlgn="base" hangingPunct="0">
               <a:lnSpc>
-                <a:spcPct val="150000"/>
+                <a:spcPct val="100000"/>
               </a:lnSpc>
               <a:spcBef>
                 <a:spcPct val="0"/>
@@ -10742,20 +10975,22 @@
               <a:spcAft>
                 <a:spcPct val="0"/>
               </a:spcAft>
+              <a:buFontTx/>
+              <a:buChar char="•"/>
             </a:pPr>
             <a:r>
-              <a:rPr lang="pt-BR" altLang="pt-BR" sz="2000" dirty="0" smtClean="0">
-                <a:solidFill>
-                  <a:srgbClr val="172B4D"/>
-                </a:solidFill>
-              </a:rPr>
-              <a:t>dados.mg.gov.br</a:t>
+              <a:rPr lang="pt-BR" sz="2000" dirty="0">
+                <a:solidFill>
+                  <a:srgbClr val="172B4D"/>
+                </a:solidFill>
+              </a:rPr>
+              <a:t>- Alteração na ordem das colunas</a:t>
             </a:r>
           </a:p>
           <a:p>
             <a:pPr lvl="0" eaLnBrk="0" fontAlgn="base" hangingPunct="0">
               <a:lnSpc>
-                <a:spcPct val="150000"/>
+                <a:spcPct val="100000"/>
               </a:lnSpc>
               <a:spcBef>
                 <a:spcPct val="0"/>
@@ -10763,35 +10998,10 @@
               <a:spcAft>
                 <a:spcPct val="0"/>
               </a:spcAft>
+              <a:buFontTx/>
+              <a:buChar char="•"/>
             </a:pPr>
-            <a:r>
-              <a:rPr lang="pt-BR" altLang="pt-BR" sz="2000" dirty="0" smtClean="0">
-                <a:solidFill>
-                  <a:srgbClr val="172B4D"/>
-                </a:solidFill>
-                <a:hlinkClick r:id="rId4"/>
-              </a:rPr>
-              <a:t>http</a:t>
-            </a:r>
-            <a:r>
-              <a:rPr lang="pt-BR" altLang="pt-BR" sz="2000" dirty="0">
-                <a:solidFill>
-                  <a:srgbClr val="172B4D"/>
-                </a:solidFill>
-                <a:hlinkClick r:id="rId4"/>
-              </a:rPr>
-              <a:t>://</a:t>
-            </a:r>
-            <a:r>
-              <a:rPr lang="pt-BR" altLang="pt-BR" sz="2000" dirty="0" smtClean="0">
-                <a:solidFill>
-                  <a:srgbClr val="172B4D"/>
-                </a:solidFill>
-                <a:hlinkClick r:id="rId4"/>
-              </a:rPr>
-              <a:t>dados.mg.gov.br/dataset/doacoes-covid-19</a:t>
-            </a:r>
-            <a:endParaRPr lang="pt-BR" altLang="pt-BR" sz="2000" dirty="0" smtClean="0">
+            <a:endParaRPr lang="pt-BR" sz="2000" dirty="0">
               <a:solidFill>
                 <a:srgbClr val="172B4D"/>
               </a:solidFill>
@@ -10800,7 +11010,7 @@
           <a:p>
             <a:pPr lvl="0" eaLnBrk="0" fontAlgn="base" hangingPunct="0">
               <a:lnSpc>
-                <a:spcPct val="150000"/>
+                <a:spcPct val="100000"/>
               </a:lnSpc>
               <a:spcBef>
                 <a:spcPct val="0"/>
@@ -10808,8 +11018,33 @@
               <a:spcAft>
                 <a:spcPct val="0"/>
               </a:spcAft>
+              <a:buFontTx/>
+              <a:buChar char="•"/>
             </a:pPr>
-            <a:endParaRPr lang="pt-BR" altLang="pt-BR" sz="2000" dirty="0">
+            <a:r>
+              <a:rPr lang="pt-BR" sz="2000" dirty="0">
+                <a:solidFill>
+                  <a:srgbClr val="172B4D"/>
+                </a:solidFill>
+              </a:rPr>
+              <a:t>- Alteração nos cabeçalhos das colunas</a:t>
+            </a:r>
+          </a:p>
+          <a:p>
+            <a:pPr lvl="0" eaLnBrk="0" fontAlgn="base" hangingPunct="0">
+              <a:lnSpc>
+                <a:spcPct val="100000"/>
+              </a:lnSpc>
+              <a:spcBef>
+                <a:spcPct val="0"/>
+              </a:spcBef>
+              <a:spcAft>
+                <a:spcPct val="0"/>
+              </a:spcAft>
+              <a:buFontTx/>
+              <a:buChar char="•"/>
+            </a:pPr>
+            <a:endParaRPr lang="pt-BR" sz="2000" dirty="0">
               <a:solidFill>
                 <a:srgbClr val="172B4D"/>
               </a:solidFill>
@@ -10818,7 +11053,7 @@
           <a:p>
             <a:pPr lvl="0" eaLnBrk="0" fontAlgn="base" hangingPunct="0">
               <a:lnSpc>
-                <a:spcPct val="150000"/>
+                <a:spcPct val="100000"/>
               </a:lnSpc>
               <a:spcBef>
                 <a:spcPct val="0"/>
@@ -10826,8 +11061,81 @@
               <a:spcAft>
                 <a:spcPct val="0"/>
               </a:spcAft>
+              <a:buFontTx/>
+              <a:buChar char="•"/>
             </a:pPr>
-            <a:endParaRPr lang="pt-BR" altLang="pt-BR" sz="2000" dirty="0">
+            <a:r>
+              <a:rPr lang="pt-BR" sz="2000" dirty="0">
+                <a:solidFill>
+                  <a:srgbClr val="172B4D"/>
+                </a:solidFill>
+              </a:rPr>
+              <a:t>- Alteração no formato dos arquivos (</a:t>
+            </a:r>
+            <a:r>
+              <a:rPr lang="pt-BR" sz="2000" dirty="0" err="1">
+                <a:solidFill>
+                  <a:srgbClr val="172B4D"/>
+                </a:solidFill>
+              </a:rPr>
+              <a:t>csv</a:t>
+            </a:r>
+            <a:r>
+              <a:rPr lang="pt-BR" sz="2000" dirty="0">
+                <a:solidFill>
+                  <a:srgbClr val="172B4D"/>
+                </a:solidFill>
+              </a:rPr>
+              <a:t> -&gt; </a:t>
+            </a:r>
+            <a:r>
+              <a:rPr lang="pt-BR" sz="2000" dirty="0" err="1">
+                <a:solidFill>
+                  <a:srgbClr val="172B4D"/>
+                </a:solidFill>
+              </a:rPr>
+              <a:t>xslx</a:t>
+            </a:r>
+            <a:r>
+              <a:rPr lang="pt-BR" sz="2000" dirty="0">
+                <a:solidFill>
+                  <a:srgbClr val="172B4D"/>
+                </a:solidFill>
+              </a:rPr>
+              <a:t> -&gt; </a:t>
+            </a:r>
+            <a:r>
+              <a:rPr lang="pt-BR" sz="2000" dirty="0" err="1">
+                <a:solidFill>
+                  <a:srgbClr val="172B4D"/>
+                </a:solidFill>
+              </a:rPr>
+              <a:t>csv</a:t>
+            </a:r>
+            <a:r>
+              <a:rPr lang="pt-BR" sz="2000" dirty="0">
+                <a:solidFill>
+                  <a:srgbClr val="172B4D"/>
+                </a:solidFill>
+              </a:rPr>
+              <a:t>)</a:t>
+            </a:r>
+          </a:p>
+          <a:p>
+            <a:pPr lvl="0" eaLnBrk="0" fontAlgn="base" hangingPunct="0">
+              <a:lnSpc>
+                <a:spcPct val="100000"/>
+              </a:lnSpc>
+              <a:spcBef>
+                <a:spcPct val="0"/>
+              </a:spcBef>
+              <a:spcAft>
+                <a:spcPct val="0"/>
+              </a:spcAft>
+              <a:buFontTx/>
+              <a:buChar char="•"/>
+            </a:pPr>
+            <a:endParaRPr lang="pt-BR" sz="2000" dirty="0">
               <a:solidFill>
                 <a:srgbClr val="172B4D"/>
               </a:solidFill>
@@ -10836,7 +11144,7 @@
           <a:p>
             <a:pPr lvl="0" eaLnBrk="0" fontAlgn="base" hangingPunct="0">
               <a:lnSpc>
-                <a:spcPct val="150000"/>
+                <a:spcPct val="100000"/>
               </a:lnSpc>
               <a:spcBef>
                 <a:spcPct val="0"/>
@@ -10844,28 +11152,22 @@
               <a:spcAft>
                 <a:spcPct val="0"/>
               </a:spcAft>
+              <a:buFontTx/>
+              <a:buChar char="•"/>
             </a:pPr>
             <a:r>
-              <a:rPr lang="pt-BR" altLang="pt-BR" sz="2000" dirty="0" smtClean="0">
-                <a:solidFill>
-                  <a:srgbClr val="172B4D"/>
-                </a:solidFill>
-              </a:rPr>
-              <a:t>Outros </a:t>
-            </a:r>
-            <a:r>
-              <a:rPr lang="pt-BR" altLang="pt-BR" sz="2000" dirty="0">
-                <a:solidFill>
-                  <a:srgbClr val="172B4D"/>
-                </a:solidFill>
-              </a:rPr>
-              <a:t>portais de dados abertos</a:t>
+              <a:rPr lang="pt-BR" sz="2000" dirty="0">
+                <a:solidFill>
+                  <a:srgbClr val="172B4D"/>
+                </a:solidFill>
+              </a:rPr>
+              <a:t>- Alteração de leiautes sem comunicação</a:t>
             </a:r>
           </a:p>
           <a:p>
             <a:pPr lvl="0" eaLnBrk="0" fontAlgn="base" hangingPunct="0">
               <a:lnSpc>
-                <a:spcPct val="150000"/>
+                <a:spcPct val="100000"/>
               </a:lnSpc>
               <a:spcBef>
                 <a:spcPct val="0"/>
@@ -10873,28 +11175,19 @@
               <a:spcAft>
                 <a:spcPct val="0"/>
               </a:spcAft>
+              <a:buFontTx/>
+              <a:buChar char="•"/>
             </a:pPr>
-            <a:r>
-              <a:rPr lang="pt-BR" altLang="pt-BR" sz="2000" dirty="0" smtClean="0">
-                <a:solidFill>
-                  <a:srgbClr val="172B4D"/>
-                </a:solidFill>
-              </a:rPr>
-              <a:t>- </a:t>
-            </a:r>
-            <a:r>
-              <a:rPr lang="pt-BR" altLang="pt-BR" sz="2000" dirty="0">
-                <a:solidFill>
-                  <a:srgbClr val="172B4D"/>
-                </a:solidFill>
-              </a:rPr>
-              <a:t>Brasil: https://github.com/dadosgovbr/</a:t>
-            </a:r>
+            <a:endParaRPr lang="pt-BR" sz="2000" dirty="0">
+              <a:solidFill>
+                <a:srgbClr val="172B4D"/>
+              </a:solidFill>
+            </a:endParaRPr>
           </a:p>
           <a:p>
             <a:pPr lvl="0" eaLnBrk="0" fontAlgn="base" hangingPunct="0">
               <a:lnSpc>
-                <a:spcPct val="150000"/>
+                <a:spcPct val="100000"/>
               </a:lnSpc>
               <a:spcBef>
                 <a:spcPct val="0"/>
@@ -10902,28 +11195,22 @@
               <a:spcAft>
                 <a:spcPct val="0"/>
               </a:spcAft>
+              <a:buFontTx/>
+              <a:buChar char="•"/>
             </a:pPr>
             <a:r>
-              <a:rPr lang="pt-BR" altLang="pt-BR" sz="2000" dirty="0" smtClean="0">
-                <a:solidFill>
-                  <a:srgbClr val="172B4D"/>
-                </a:solidFill>
-              </a:rPr>
-              <a:t>- </a:t>
-            </a:r>
-            <a:r>
-              <a:rPr lang="pt-BR" altLang="pt-BR" sz="2000" dirty="0">
-                <a:solidFill>
-                  <a:srgbClr val="172B4D"/>
-                </a:solidFill>
-              </a:rPr>
-              <a:t>Estados Unidos: https://github.com/GSA/data.gov/</a:t>
+              <a:rPr lang="pt-BR" sz="2000" dirty="0">
+                <a:solidFill>
+                  <a:srgbClr val="172B4D"/>
+                </a:solidFill>
+              </a:rPr>
+              <a:t>- Documentação não disponibilizada em formato estruturado</a:t>
             </a:r>
           </a:p>
           <a:p>
             <a:pPr lvl="0" eaLnBrk="0" fontAlgn="base" hangingPunct="0">
               <a:lnSpc>
-                <a:spcPct val="150000"/>
+                <a:spcPct val="100000"/>
               </a:lnSpc>
               <a:spcBef>
                 <a:spcPct val="0"/>
@@ -10931,28 +11218,19 @@
               <a:spcAft>
                 <a:spcPct val="0"/>
               </a:spcAft>
+              <a:buFontTx/>
+              <a:buChar char="•"/>
             </a:pPr>
-            <a:r>
-              <a:rPr lang="pt-BR" altLang="pt-BR" sz="2000" dirty="0" smtClean="0">
-                <a:solidFill>
-                  <a:srgbClr val="172B4D"/>
-                </a:solidFill>
-              </a:rPr>
-              <a:t>- </a:t>
-            </a:r>
-            <a:r>
-              <a:rPr lang="pt-BR" altLang="pt-BR" sz="2000" dirty="0">
-                <a:solidFill>
-                  <a:srgbClr val="172B4D"/>
-                </a:solidFill>
-              </a:rPr>
-              <a:t>Reino Unido: https://github.com/alphagov?q=data</a:t>
-            </a:r>
+            <a:endParaRPr lang="pt-BR" sz="2000" dirty="0">
+              <a:solidFill>
+                <a:srgbClr val="172B4D"/>
+              </a:solidFill>
+            </a:endParaRPr>
           </a:p>
           <a:p>
             <a:pPr lvl="0" eaLnBrk="0" fontAlgn="base" hangingPunct="0">
               <a:lnSpc>
-                <a:spcPct val="150000"/>
+                <a:spcPct val="100000"/>
               </a:lnSpc>
               <a:spcBef>
                 <a:spcPct val="0"/>
@@ -10960,28 +11238,22 @@
               <a:spcAft>
                 <a:spcPct val="0"/>
               </a:spcAft>
+              <a:buFontTx/>
+              <a:buChar char="•"/>
             </a:pPr>
             <a:r>
-              <a:rPr lang="pt-BR" altLang="pt-BR" sz="2000" dirty="0" smtClean="0">
-                <a:solidFill>
-                  <a:srgbClr val="172B4D"/>
-                </a:solidFill>
-              </a:rPr>
-              <a:t>- </a:t>
-            </a:r>
-            <a:r>
-              <a:rPr lang="pt-BR" altLang="pt-BR" sz="2000" dirty="0">
-                <a:solidFill>
-                  <a:srgbClr val="172B4D"/>
-                </a:solidFill>
-              </a:rPr>
-              <a:t>França: https://github.com/etalab/data.gouv.fr</a:t>
+              <a:rPr lang="pt-BR" sz="2000" dirty="0">
+                <a:solidFill>
+                  <a:srgbClr val="172B4D"/>
+                </a:solidFill>
+              </a:rPr>
+              <a:t>- Documentação não disponibilizada junto com os dados </a:t>
             </a:r>
           </a:p>
           <a:p>
             <a:pPr lvl="0" eaLnBrk="0" fontAlgn="base" hangingPunct="0">
               <a:lnSpc>
-                <a:spcPct val="150000"/>
+                <a:spcPct val="100000"/>
               </a:lnSpc>
               <a:spcBef>
                 <a:spcPct val="0"/>
@@ -10989,28 +11261,19 @@
               <a:spcAft>
                 <a:spcPct val="0"/>
               </a:spcAft>
+              <a:buFontTx/>
+              <a:buChar char="•"/>
             </a:pPr>
-            <a:r>
-              <a:rPr lang="pt-BR" altLang="pt-BR" sz="2000" dirty="0" smtClean="0">
-                <a:solidFill>
-                  <a:srgbClr val="172B4D"/>
-                </a:solidFill>
-              </a:rPr>
-              <a:t>- </a:t>
-            </a:r>
-            <a:r>
-              <a:rPr lang="pt-BR" altLang="pt-BR" sz="2000" dirty="0">
-                <a:solidFill>
-                  <a:srgbClr val="172B4D"/>
-                </a:solidFill>
-              </a:rPr>
-              <a:t>Itália: https://github.com/italia/?q=data</a:t>
-            </a:r>
+            <a:endParaRPr lang="pt-BR" sz="2000" dirty="0">
+              <a:solidFill>
+                <a:srgbClr val="172B4D"/>
+              </a:solidFill>
+            </a:endParaRPr>
           </a:p>
           <a:p>
             <a:pPr lvl="0" eaLnBrk="0" fontAlgn="base" hangingPunct="0">
               <a:lnSpc>
-                <a:spcPct val="150000"/>
+                <a:spcPct val="100000"/>
               </a:lnSpc>
               <a:spcBef>
                 <a:spcPct val="0"/>
@@ -11018,28 +11281,27 @@
               <a:spcAft>
                 <a:spcPct val="0"/>
               </a:spcAft>
+              <a:buFontTx/>
+              <a:buChar char="•"/>
             </a:pPr>
             <a:r>
-              <a:rPr lang="pt-BR" altLang="pt-BR" sz="2000" dirty="0" smtClean="0">
-                <a:solidFill>
-                  <a:srgbClr val="172B4D"/>
-                </a:solidFill>
-              </a:rPr>
-              <a:t>- </a:t>
-            </a:r>
-            <a:r>
-              <a:rPr lang="pt-BR" altLang="pt-BR" sz="2000" dirty="0">
-                <a:solidFill>
-                  <a:srgbClr val="172B4D"/>
-                </a:solidFill>
-              </a:rPr>
-              <a:t>Austrália: https://github.com/datagovau</a:t>
-            </a:r>
+              <a:rPr lang="pt-BR" sz="2000" dirty="0">
+                <a:solidFill>
+                  <a:srgbClr val="172B4D"/>
+                </a:solidFill>
+              </a:rPr>
+              <a:t>- Documentação inexistente para dados de referência (códigos, descrições e interpretações e domínio das colunas)</a:t>
+            </a:r>
+            <a:endParaRPr lang="pt-BR" sz="2000" u="sng" dirty="0">
+              <a:solidFill>
+                <a:srgbClr val="172B4D"/>
+              </a:solidFill>
+            </a:endParaRPr>
           </a:p>
           <a:p>
             <a:pPr lvl="0" eaLnBrk="0" fontAlgn="base" hangingPunct="0">
               <a:lnSpc>
-                <a:spcPct val="150000"/>
+                <a:spcPct val="100000"/>
               </a:lnSpc>
               <a:spcBef>
                 <a:spcPct val="0"/>
@@ -11047,24 +11309,34 @@
               <a:spcAft>
                 <a:spcPct val="0"/>
               </a:spcAft>
+              <a:buFontTx/>
+              <a:buChar char="•"/>
             </a:pPr>
-            <a:r>
-              <a:rPr lang="pt-BR" altLang="pt-BR" sz="2000" dirty="0" smtClean="0">
-                <a:solidFill>
-                  <a:srgbClr val="172B4D"/>
-                </a:solidFill>
-              </a:rPr>
-              <a:t>- </a:t>
-            </a:r>
-            <a:r>
-              <a:rPr lang="pt-BR" altLang="pt-BR" sz="2000" dirty="0">
-                <a:solidFill>
-                  <a:srgbClr val="172B4D"/>
-                </a:solidFill>
-              </a:rPr>
-              <a:t>Buenos Aires: https://github.com/datosgcba/</a:t>
-            </a:r>
-            <a:endParaRPr lang="pt-BR" sz="2000" dirty="0"/>
+            <a:endParaRPr lang="pt-BR" dirty="0" smtClean="0">
+              <a:solidFill>
+                <a:srgbClr val="172B4D"/>
+              </a:solidFill>
+            </a:endParaRPr>
+          </a:p>
+          <a:p>
+            <a:pPr lvl="0" eaLnBrk="0" fontAlgn="base" hangingPunct="0">
+              <a:lnSpc>
+                <a:spcPct val="100000"/>
+              </a:lnSpc>
+              <a:spcBef>
+                <a:spcPct val="0"/>
+              </a:spcBef>
+              <a:spcAft>
+                <a:spcPct val="0"/>
+              </a:spcAft>
+              <a:buFontTx/>
+              <a:buChar char="•"/>
+            </a:pPr>
+            <a:endParaRPr lang="pt-BR" altLang="pt-BR" dirty="0">
+              <a:solidFill>
+                <a:srgbClr val="172B4D"/>
+              </a:solidFill>
+            </a:endParaRPr>
           </a:p>
         </p:txBody>
       </p:sp>
@@ -11182,7 +11454,7 @@
     </p:spTree>
     <p:extLst>
       <p:ext uri="{BB962C8B-B14F-4D97-AF65-F5344CB8AC3E}">
-        <p14:creationId xmlns:p14="http://schemas.microsoft.com/office/powerpoint/2010/main" val="4124022970"/>
+        <p14:creationId xmlns:p14="http://schemas.microsoft.com/office/powerpoint/2010/main" val="187579205"/>
       </p:ext>
     </p:extLst>
   </p:cSld>
@@ -11231,7 +11503,7 @@
           <a:bodyPr/>
           <a:lstStyle/>
           <a:p>
-            <a:pPr lvl="0" algn="l"/>
+            <a:pPr algn="l"/>
             <a:r>
               <a:rPr lang="pt-BR" altLang="pt-BR" dirty="0" err="1" smtClean="0">
                 <a:solidFill>
@@ -11246,23 +11518,7 @@
                   <a:schemeClr val="bg1"/>
                 </a:solidFill>
               </a:rPr>
-              <a:t> - </a:t>
-            </a:r>
-            <a:r>
-              <a:rPr lang="pt-BR" dirty="0">
-                <a:solidFill>
-                  <a:srgbClr val="172B4D"/>
-                </a:solidFill>
-              </a:rPr>
-              <a:t>Problemas e soluções - </a:t>
-            </a:r>
-            <a:r>
-              <a:rPr lang="pt-BR" dirty="0" smtClean="0">
-                <a:solidFill>
-                  <a:srgbClr val="172B4D"/>
-                </a:solidFill>
-              </a:rPr>
-              <a:t>Qualidade</a:t>
+              <a:t> - utilidade </a:t>
             </a:r>
             <a:endParaRPr lang="pt-BR" dirty="0"/>
           </a:p>
@@ -11302,20 +11558,107 @@
               <a:buChar char="•"/>
             </a:pPr>
             <a:r>
-              <a:rPr lang="pt-BR" sz="2000" dirty="0" smtClean="0">
-                <a:solidFill>
-                  <a:srgbClr val="172B4D"/>
-                </a:solidFill>
-              </a:rPr>
-              <a:t>- </a:t>
-            </a:r>
-            <a:r>
-              <a:rPr lang="pt-BR" sz="2000" dirty="0">
-                <a:solidFill>
-                  <a:srgbClr val="172B4D"/>
-                </a:solidFill>
-              </a:rPr>
-              <a:t>Upload de arquivos incorretos</a:t>
+              <a:rPr lang="pt-BR" dirty="0" smtClean="0">
+                <a:solidFill>
+                  <a:srgbClr val="172B4D"/>
+                </a:solidFill>
+              </a:rPr>
+              <a:t>qualidade</a:t>
+            </a:r>
+            <a:r>
+              <a:rPr lang="pt-BR" dirty="0">
+                <a:solidFill>
+                  <a:srgbClr val="172B4D"/>
+                </a:solidFill>
+              </a:rPr>
+              <a:t>: grau em que um conjunto de características inerentes [</a:t>
+            </a:r>
+            <a:r>
+              <a:rPr lang="pt-BR" dirty="0" err="1">
+                <a:solidFill>
+                  <a:srgbClr val="172B4D"/>
+                </a:solidFill>
+              </a:rPr>
+              <a:t>ie</a:t>
+            </a:r>
+            <a:r>
+              <a:rPr lang="pt-BR" dirty="0">
+                <a:solidFill>
+                  <a:srgbClr val="172B4D"/>
+                </a:solidFill>
+              </a:rPr>
+              <a:t>. </a:t>
+            </a:r>
+            <a:r>
+              <a:rPr lang="pt-BR" dirty="0" err="1">
+                <a:solidFill>
+                  <a:srgbClr val="172B4D"/>
+                </a:solidFill>
+              </a:rPr>
+              <a:t>metadados</a:t>
+            </a:r>
+            <a:r>
+              <a:rPr lang="pt-BR" dirty="0">
+                <a:solidFill>
+                  <a:srgbClr val="172B4D"/>
+                </a:solidFill>
+              </a:rPr>
+              <a:t>] de um objeto [</a:t>
+            </a:r>
+            <a:r>
+              <a:rPr lang="pt-BR" dirty="0" err="1">
+                <a:solidFill>
+                  <a:srgbClr val="172B4D"/>
+                </a:solidFill>
+              </a:rPr>
+              <a:t>ie</a:t>
+            </a:r>
+            <a:r>
+              <a:rPr lang="pt-BR" dirty="0">
+                <a:solidFill>
+                  <a:srgbClr val="172B4D"/>
+                </a:solidFill>
+              </a:rPr>
+              <a:t>. dados] atende a especificação [</a:t>
+            </a:r>
+            <a:r>
+              <a:rPr lang="pt-BR" dirty="0" err="1">
+                <a:solidFill>
+                  <a:srgbClr val="172B4D"/>
+                </a:solidFill>
+              </a:rPr>
+              <a:t>ie</a:t>
+            </a:r>
+            <a:r>
+              <a:rPr lang="pt-BR" dirty="0">
+                <a:solidFill>
+                  <a:srgbClr val="172B4D"/>
+                </a:solidFill>
+              </a:rPr>
+              <a:t>. padrão]</a:t>
+            </a:r>
+          </a:p>
+          <a:p>
+            <a:pPr eaLnBrk="0" fontAlgn="base" hangingPunct="0">
+              <a:lnSpc>
+                <a:spcPct val="100000"/>
+              </a:lnSpc>
+              <a:spcBef>
+                <a:spcPct val="0"/>
+              </a:spcBef>
+              <a:spcAft>
+                <a:spcPct val="0"/>
+              </a:spcAft>
+              <a:buFontTx/>
+              <a:buChar char="•"/>
+            </a:pPr>
+            <a:r>
+              <a:rPr lang="pt-BR" dirty="0">
+                <a:solidFill>
+                  <a:srgbClr val="172B4D"/>
+                </a:solidFill>
+              </a:rPr>
+              <a:t>[1] Tradução e adaptação da [ISO 9000](https://en.wikipedia.org/wiki/ISO_9000)]</a:t>
             </a:r>
           </a:p>
           <a:p>
@@ -11332,7 +11675,7 @@
               <a:buFontTx/>
               <a:buChar char="•"/>
             </a:pPr>
-            <a:endParaRPr lang="pt-BR" sz="2000" dirty="0">
+            <a:endParaRPr lang="pt-BR" dirty="0">
               <a:solidFill>
                 <a:srgbClr val="172B4D"/>
               </a:solidFill>
@@ -11353,12 +11696,20 @@
               <a:buChar char="•"/>
             </a:pPr>
             <a:r>
-              <a:rPr lang="pt-BR" sz="2000" dirty="0">
-                <a:solidFill>
-                  <a:srgbClr val="172B4D"/>
-                </a:solidFill>
-              </a:rPr>
-              <a:t>- Alteração nos nomes das colunas</a:t>
+              <a:rPr lang="pt-BR" dirty="0" smtClean="0">
+                <a:solidFill>
+                  <a:srgbClr val="172B4D"/>
+                </a:solidFill>
+              </a:rPr>
+              <a:t>A </a:t>
+            </a:r>
+            <a:r>
+              <a:rPr lang="pt-BR" dirty="0">
+                <a:solidFill>
+                  <a:srgbClr val="172B4D"/>
+                </a:solidFill>
+              </a:rPr>
+              <a:t>aferição da qualidade também deve ser um processo automatizado.</a:t>
             </a:r>
           </a:p>
           <a:p>
@@ -11372,10 +11723,8 @@
               <a:spcAft>
                 <a:spcPct val="0"/>
               </a:spcAft>
-              <a:buFontTx/>
-              <a:buChar char="•"/>
             </a:pPr>
-            <a:endParaRPr lang="pt-BR" sz="2000" dirty="0">
+            <a:endParaRPr lang="pt-BR" dirty="0">
               <a:solidFill>
                 <a:srgbClr val="172B4D"/>
               </a:solidFill>
@@ -11396,12 +11745,36 @@
               <a:buChar char="•"/>
             </a:pPr>
             <a:r>
-              <a:rPr lang="pt-BR" sz="2000" dirty="0">
-                <a:solidFill>
-                  <a:srgbClr val="172B4D"/>
-                </a:solidFill>
-              </a:rPr>
-              <a:t>- Alteração na ordem das colunas</a:t>
+              <a:rPr lang="pt-BR" dirty="0" smtClean="0">
+                <a:solidFill>
+                  <a:srgbClr val="172B4D"/>
+                </a:solidFill>
+              </a:rPr>
+              <a:t>Solução</a:t>
+            </a:r>
+            <a:r>
+              <a:rPr lang="pt-BR" dirty="0">
+                <a:solidFill>
+                  <a:srgbClr val="172B4D"/>
+                </a:solidFill>
+              </a:rPr>
+              <a:t>: Adoção de um padrão para documentação dos dados que permita uma verificação/validação </a:t>
+            </a:r>
+            <a:r>
+              <a:rPr lang="pt-BR" dirty="0" err="1">
+                <a:solidFill>
+                  <a:srgbClr val="172B4D"/>
+                </a:solidFill>
+              </a:rPr>
+              <a:t>automatizável</a:t>
+            </a:r>
+            <a:r>
+              <a:rPr lang="pt-BR" dirty="0">
+                <a:solidFill>
+                  <a:srgbClr val="172B4D"/>
+                </a:solidFill>
+              </a:rPr>
+              <a:t> se os dados estão em conformidade com o especificado</a:t>
             </a:r>
           </a:p>
           <a:p>
@@ -11418,7 +11791,7 @@
               <a:buFontTx/>
               <a:buChar char="•"/>
             </a:pPr>
-            <a:endParaRPr lang="pt-BR" sz="2000" dirty="0">
+            <a:endParaRPr lang="pt-BR" dirty="0" smtClean="0">
               <a:solidFill>
                 <a:srgbClr val="172B4D"/>
               </a:solidFill>
@@ -11439,12 +11812,116 @@
               <a:buChar char="•"/>
             </a:pPr>
             <a:r>
-              <a:rPr lang="pt-BR" sz="2000" dirty="0">
-                <a:solidFill>
-                  <a:srgbClr val="172B4D"/>
-                </a:solidFill>
-              </a:rPr>
-              <a:t>- Alteração nos cabeçalhos das colunas</a:t>
+              <a:rPr lang="pt-BR" dirty="0" err="1" smtClean="0">
+                <a:solidFill>
+                  <a:srgbClr val="172B4D"/>
+                </a:solidFill>
+              </a:rPr>
+              <a:t>Datapackage</a:t>
+            </a:r>
+            <a:r>
+              <a:rPr lang="pt-BR" dirty="0" smtClean="0">
+                <a:solidFill>
+                  <a:srgbClr val="172B4D"/>
+                </a:solidFill>
+              </a:rPr>
+              <a:t>: Formato </a:t>
+            </a:r>
+            <a:r>
+              <a:rPr lang="pt-BR" dirty="0">
+                <a:solidFill>
+                  <a:srgbClr val="172B4D"/>
+                </a:solidFill>
+              </a:rPr>
+              <a:t>preciso de arquivo; </a:t>
+            </a:r>
+            <a:r>
+              <a:rPr lang="pt-BR" dirty="0" smtClean="0">
+                <a:solidFill>
+                  <a:srgbClr val="172B4D"/>
+                </a:solidFill>
+              </a:rPr>
+              <a:t>facilmente </a:t>
+            </a:r>
+            <a:r>
+              <a:rPr lang="pt-BR" dirty="0">
+                <a:solidFill>
+                  <a:srgbClr val="172B4D"/>
+                </a:solidFill>
+              </a:rPr>
+              <a:t>compartilhado; </a:t>
+            </a:r>
+            <a:r>
+              <a:rPr lang="pt-BR" dirty="0" smtClean="0">
+                <a:solidFill>
+                  <a:srgbClr val="172B4D"/>
+                </a:solidFill>
+              </a:rPr>
+              <a:t>permite reprodutibilidade </a:t>
+            </a:r>
+            <a:r>
+              <a:rPr lang="pt-BR" dirty="0">
+                <a:solidFill>
+                  <a:srgbClr val="172B4D"/>
+                </a:solidFill>
+              </a:rPr>
+              <a:t>de dados; acessível, </a:t>
+            </a:r>
+            <a:r>
+              <a:rPr lang="pt-BR" dirty="0" err="1">
+                <a:solidFill>
+                  <a:srgbClr val="172B4D"/>
+                </a:solidFill>
+              </a:rPr>
+              <a:t>interoperável</a:t>
+            </a:r>
+            <a:r>
+              <a:rPr lang="pt-BR" dirty="0">
+                <a:solidFill>
+                  <a:srgbClr val="172B4D"/>
+                </a:solidFill>
+              </a:rPr>
+              <a:t>, </a:t>
+            </a:r>
+            <a:r>
+              <a:rPr lang="pt-BR" dirty="0" err="1">
+                <a:solidFill>
+                  <a:srgbClr val="172B4D"/>
+                </a:solidFill>
+              </a:rPr>
+              <a:t>reusável</a:t>
+            </a:r>
+            <a:r>
+              <a:rPr lang="pt-BR" dirty="0">
+                <a:solidFill>
+                  <a:srgbClr val="172B4D"/>
+                </a:solidFill>
+              </a:rPr>
+              <a:t>; </a:t>
+            </a:r>
+            <a:r>
+              <a:rPr lang="pt-BR" dirty="0" smtClean="0">
+                <a:solidFill>
+                  <a:srgbClr val="172B4D"/>
+                </a:solidFill>
+              </a:rPr>
+              <a:t>permite validação </a:t>
+            </a:r>
+            <a:r>
+              <a:rPr lang="pt-BR" dirty="0">
+                <a:solidFill>
+                  <a:srgbClr val="172B4D"/>
+                </a:solidFill>
+              </a:rPr>
+              <a:t>da integridade dos </a:t>
+            </a:r>
+            <a:r>
+              <a:rPr lang="pt-BR" dirty="0" smtClean="0">
+                <a:solidFill>
+                  <a:srgbClr val="172B4D"/>
+                </a:solidFill>
+              </a:rPr>
+              <a:t>dados</a:t>
             </a:r>
           </a:p>
           <a:p>
@@ -11461,14 +11938,14 @@
               <a:buFontTx/>
               <a:buChar char="•"/>
             </a:pPr>
-            <a:endParaRPr lang="pt-BR" sz="2000" dirty="0">
+            <a:endParaRPr lang="pt-BR" dirty="0">
               <a:solidFill>
                 <a:srgbClr val="172B4D"/>
               </a:solidFill>
             </a:endParaRPr>
           </a:p>
           <a:p>
-            <a:pPr lvl="0" eaLnBrk="0" fontAlgn="base" hangingPunct="0">
+            <a:pPr eaLnBrk="0" fontAlgn="base" hangingPunct="0">
               <a:lnSpc>
                 <a:spcPct val="100000"/>
               </a:lnSpc>
@@ -11482,64 +11959,41 @@
               <a:buChar char="•"/>
             </a:pPr>
             <a:r>
-              <a:rPr lang="pt-BR" sz="2000" dirty="0">
-                <a:solidFill>
-                  <a:srgbClr val="172B4D"/>
-                </a:solidFill>
-              </a:rPr>
-              <a:t>- Alteração no formato dos arquivos (</a:t>
-            </a:r>
-            <a:r>
-              <a:rPr lang="pt-BR" sz="2000" dirty="0" err="1">
-                <a:solidFill>
-                  <a:srgbClr val="172B4D"/>
-                </a:solidFill>
-              </a:rPr>
-              <a:t>csv</a:t>
-            </a:r>
-            <a:r>
-              <a:rPr lang="pt-BR" sz="2000" dirty="0">
-                <a:solidFill>
-                  <a:srgbClr val="172B4D"/>
-                </a:solidFill>
-              </a:rPr>
-              <a:t> -&gt; </a:t>
-            </a:r>
-            <a:r>
-              <a:rPr lang="pt-BR" sz="2000" dirty="0" err="1">
-                <a:solidFill>
-                  <a:srgbClr val="172B4D"/>
-                </a:solidFill>
-              </a:rPr>
-              <a:t>xslx</a:t>
-            </a:r>
-            <a:r>
-              <a:rPr lang="pt-BR" sz="2000" dirty="0">
-                <a:solidFill>
-                  <a:srgbClr val="172B4D"/>
-                </a:solidFill>
-              </a:rPr>
-              <a:t> -&gt; </a:t>
-            </a:r>
-            <a:r>
-              <a:rPr lang="pt-BR" sz="2000" dirty="0" err="1">
-                <a:solidFill>
-                  <a:srgbClr val="172B4D"/>
-                </a:solidFill>
-              </a:rPr>
-              <a:t>csv</a:t>
-            </a:r>
-            <a:r>
-              <a:rPr lang="pt-BR" sz="2000" dirty="0">
-                <a:solidFill>
-                  <a:srgbClr val="172B4D"/>
-                </a:solidFill>
-              </a:rPr>
-              <a:t>)</a:t>
-            </a:r>
-          </a:p>
-          <a:p>
-            <a:pPr lvl="0" eaLnBrk="0" fontAlgn="base" hangingPunct="0">
+              <a:rPr lang="pt-BR" altLang="pt-BR" dirty="0">
+                <a:solidFill>
+                  <a:srgbClr val="172B4D"/>
+                </a:solidFill>
+                <a:hlinkClick r:id="rId3"/>
+              </a:rPr>
+              <a:t>Decreto Federal 8777/2016</a:t>
+            </a:r>
+            <a:r>
+              <a:rPr lang="pt-BR" altLang="pt-BR" dirty="0">
+                <a:solidFill>
+                  <a:srgbClr val="172B4D"/>
+                </a:solidFill>
+              </a:rPr>
+              <a:t>: art. 2º, IV: formato aberto implica que a </a:t>
+            </a:r>
+            <a:r>
+              <a:rPr lang="pt-BR" u="sng" dirty="0">
+                <a:solidFill>
+                  <a:srgbClr val="172B4D"/>
+                </a:solidFill>
+              </a:rPr>
+              <a:t>especificação esteja documentada </a:t>
+            </a:r>
+            <a:r>
+              <a:rPr lang="pt-BR" u="sng" dirty="0" smtClean="0">
+                <a:solidFill>
+                  <a:srgbClr val="172B4D"/>
+                </a:solidFill>
+              </a:rPr>
+              <a:t>publicamente</a:t>
+            </a:r>
+          </a:p>
+          <a:p>
+            <a:pPr eaLnBrk="0" fontAlgn="base" hangingPunct="0">
               <a:lnSpc>
                 <a:spcPct val="100000"/>
               </a:lnSpc>
@@ -11552,14 +12006,62 @@
               <a:buFontTx/>
               <a:buChar char="•"/>
             </a:pPr>
-            <a:endParaRPr lang="pt-BR" sz="2000" dirty="0">
+            <a:endParaRPr lang="pt-BR" u="sng" dirty="0">
               <a:solidFill>
                 <a:srgbClr val="172B4D"/>
               </a:solidFill>
             </a:endParaRPr>
           </a:p>
           <a:p>
-            <a:pPr lvl="0" eaLnBrk="0" fontAlgn="base" hangingPunct="0">
+            <a:pPr marL="342900" indent="-342900">
+              <a:buFont typeface="Arial" panose="020B0604020202020204" pitchFamily="34" charset="0"/>
+              <a:buChar char="•"/>
+            </a:pPr>
+            <a:r>
+              <a:rPr lang="pt-BR" dirty="0" smtClean="0"/>
+              <a:t>“</a:t>
+            </a:r>
+            <a:r>
+              <a:rPr lang="pt-BR" dirty="0"/>
+              <a:t>Se os dados não estão disponíveis num formato aberto e </a:t>
+            </a:r>
+            <a:r>
+              <a:rPr lang="pt-BR" dirty="0">
+                <a:hlinkClick r:id="rId4"/>
+              </a:rPr>
+              <a:t>legível por máquina</a:t>
+            </a:r>
+            <a:r>
+              <a:rPr lang="pt-BR" dirty="0"/>
+              <a:t>, eles não podem ser reutilizados.” (David </a:t>
+            </a:r>
+            <a:r>
+              <a:rPr lang="pt-BR" dirty="0" err="1"/>
+              <a:t>Eaves</a:t>
+            </a:r>
+            <a:r>
+              <a:rPr lang="pt-BR" dirty="0"/>
+              <a:t>/</a:t>
+            </a:r>
+            <a:r>
+              <a:rPr lang="pt-BR" dirty="0" err="1"/>
+              <a:t>Opendata</a:t>
+            </a:r>
+            <a:r>
+              <a:rPr lang="pt-BR" dirty="0"/>
+              <a:t> Charter - </a:t>
+            </a:r>
+            <a:r>
+              <a:rPr lang="pt-BR" dirty="0" err="1"/>
+              <a:t>principles</a:t>
+            </a:r>
+            <a:r>
+              <a:rPr lang="pt-BR" dirty="0"/>
+              <a:t>)</a:t>
+            </a:r>
+          </a:p>
+          <a:p>
+            <a:pPr eaLnBrk="0" fontAlgn="base" hangingPunct="0">
               <a:lnSpc>
                 <a:spcPct val="100000"/>
               </a:lnSpc>
@@ -11572,144 +12074,7 @@
               <a:buFontTx/>
               <a:buChar char="•"/>
             </a:pPr>
-            <a:r>
-              <a:rPr lang="pt-BR" sz="2000" dirty="0">
-                <a:solidFill>
-                  <a:srgbClr val="172B4D"/>
-                </a:solidFill>
-              </a:rPr>
-              <a:t>- Alteração de leiautes sem comunicação</a:t>
-            </a:r>
-          </a:p>
-          <a:p>
-            <a:pPr lvl="0" eaLnBrk="0" fontAlgn="base" hangingPunct="0">
-              <a:lnSpc>
-                <a:spcPct val="100000"/>
-              </a:lnSpc>
-              <a:spcBef>
-                <a:spcPct val="0"/>
-              </a:spcBef>
-              <a:spcAft>
-                <a:spcPct val="0"/>
-              </a:spcAft>
-              <a:buFontTx/>
-              <a:buChar char="•"/>
-            </a:pPr>
-            <a:endParaRPr lang="pt-BR" sz="2000" dirty="0">
-              <a:solidFill>
-                <a:srgbClr val="172B4D"/>
-              </a:solidFill>
-            </a:endParaRPr>
-          </a:p>
-          <a:p>
-            <a:pPr lvl="0" eaLnBrk="0" fontAlgn="base" hangingPunct="0">
-              <a:lnSpc>
-                <a:spcPct val="100000"/>
-              </a:lnSpc>
-              <a:spcBef>
-                <a:spcPct val="0"/>
-              </a:spcBef>
-              <a:spcAft>
-                <a:spcPct val="0"/>
-              </a:spcAft>
-              <a:buFontTx/>
-              <a:buChar char="•"/>
-            </a:pPr>
-            <a:r>
-              <a:rPr lang="pt-BR" sz="2000" dirty="0">
-                <a:solidFill>
-                  <a:srgbClr val="172B4D"/>
-                </a:solidFill>
-              </a:rPr>
-              <a:t>- Documentação não disponibilizada em formato estruturado</a:t>
-            </a:r>
-          </a:p>
-          <a:p>
-            <a:pPr lvl="0" eaLnBrk="0" fontAlgn="base" hangingPunct="0">
-              <a:lnSpc>
-                <a:spcPct val="100000"/>
-              </a:lnSpc>
-              <a:spcBef>
-                <a:spcPct val="0"/>
-              </a:spcBef>
-              <a:spcAft>
-                <a:spcPct val="0"/>
-              </a:spcAft>
-              <a:buFontTx/>
-              <a:buChar char="•"/>
-            </a:pPr>
-            <a:endParaRPr lang="pt-BR" sz="2000" dirty="0">
-              <a:solidFill>
-                <a:srgbClr val="172B4D"/>
-              </a:solidFill>
-            </a:endParaRPr>
-          </a:p>
-          <a:p>
-            <a:pPr lvl="0" eaLnBrk="0" fontAlgn="base" hangingPunct="0">
-              <a:lnSpc>
-                <a:spcPct val="100000"/>
-              </a:lnSpc>
-              <a:spcBef>
-                <a:spcPct val="0"/>
-              </a:spcBef>
-              <a:spcAft>
-                <a:spcPct val="0"/>
-              </a:spcAft>
-              <a:buFontTx/>
-              <a:buChar char="•"/>
-            </a:pPr>
-            <a:r>
-              <a:rPr lang="pt-BR" sz="2000" dirty="0">
-                <a:solidFill>
-                  <a:srgbClr val="172B4D"/>
-                </a:solidFill>
-              </a:rPr>
-              <a:t>- Documentação não disponibilizada junto com os dados </a:t>
-            </a:r>
-          </a:p>
-          <a:p>
-            <a:pPr lvl="0" eaLnBrk="0" fontAlgn="base" hangingPunct="0">
-              <a:lnSpc>
-                <a:spcPct val="100000"/>
-              </a:lnSpc>
-              <a:spcBef>
-                <a:spcPct val="0"/>
-              </a:spcBef>
-              <a:spcAft>
-                <a:spcPct val="0"/>
-              </a:spcAft>
-              <a:buFontTx/>
-              <a:buChar char="•"/>
-            </a:pPr>
-            <a:endParaRPr lang="pt-BR" sz="2000" dirty="0">
-              <a:solidFill>
-                <a:srgbClr val="172B4D"/>
-              </a:solidFill>
-            </a:endParaRPr>
-          </a:p>
-          <a:p>
-            <a:pPr lvl="0" eaLnBrk="0" fontAlgn="base" hangingPunct="0">
-              <a:lnSpc>
-                <a:spcPct val="100000"/>
-              </a:lnSpc>
-              <a:spcBef>
-                <a:spcPct val="0"/>
-              </a:spcBef>
-              <a:spcAft>
-                <a:spcPct val="0"/>
-              </a:spcAft>
-              <a:buFontTx/>
-              <a:buChar char="•"/>
-            </a:pPr>
-            <a:r>
-              <a:rPr lang="pt-BR" sz="2000" dirty="0">
-                <a:solidFill>
-                  <a:srgbClr val="172B4D"/>
-                </a:solidFill>
-              </a:rPr>
-              <a:t>- Documentação inexistente para dados de referência (códigos, descrições e interpretações e domínio das colunas)</a:t>
-            </a:r>
-            <a:endParaRPr lang="pt-BR" sz="2000" u="sng" dirty="0">
+            <a:endParaRPr lang="pt-BR" u="sng" dirty="0">
               <a:solidFill>
                 <a:srgbClr val="172B4D"/>
               </a:solidFill>
@@ -11871,7 +12236,7 @@
     </p:spTree>
     <p:extLst>
       <p:ext uri="{BB962C8B-B14F-4D97-AF65-F5344CB8AC3E}">
-        <p14:creationId xmlns:p14="http://schemas.microsoft.com/office/powerpoint/2010/main" val="187579205"/>
+        <p14:creationId xmlns:p14="http://schemas.microsoft.com/office/powerpoint/2010/main" val="3770092773"/>
       </p:ext>
     </p:extLst>
   </p:cSld>
@@ -11920,7 +12285,14 @@
           <a:bodyPr/>
           <a:lstStyle/>
           <a:p>
-            <a:pPr algn="l"/>
+            <a:pPr lvl="0" algn="l" eaLnBrk="0" fontAlgn="base" hangingPunct="0">
+              <a:lnSpc>
+                <a:spcPct val="100000"/>
+              </a:lnSpc>
+              <a:spcAft>
+                <a:spcPct val="0"/>
+              </a:spcAft>
+            </a:pPr>
             <a:r>
               <a:rPr lang="pt-BR" altLang="pt-BR" dirty="0" err="1" smtClean="0">
                 <a:solidFill>
@@ -11929,15 +12301,11 @@
               </a:rPr>
               <a:t>Datapackage</a:t>
             </a:r>
-            <a:r>
-              <a:rPr lang="pt-BR" altLang="pt-BR" dirty="0" smtClean="0">
-                <a:solidFill>
-                  <a:schemeClr val="bg1"/>
-                </a:solidFill>
-              </a:rPr>
-              <a:t> - utilidade </a:t>
-            </a:r>
-            <a:endParaRPr lang="pt-BR" dirty="0"/>
+            <a:endParaRPr lang="pt-BR" altLang="pt-BR" dirty="0">
+              <a:solidFill>
+                <a:schemeClr val="bg1"/>
+              </a:solidFill>
+            </a:endParaRPr>
           </a:p>
         </p:txBody>
       </p:sp>
@@ -11953,13 +12321,190 @@
         </p:nvSpPr>
         <p:spPr>
           <a:xfrm>
-            <a:off x="545048" y="1120911"/>
-            <a:ext cx="11083968" cy="4582758"/>
+            <a:off x="329784" y="1075940"/>
+            <a:ext cx="11729538" cy="5129988"/>
           </a:xfrm>
         </p:spPr>
         <p:txBody>
-          <a:bodyPr/>
+          <a:bodyPr numCol="2"/>
           <a:lstStyle/>
+          <a:p>
+            <a:pPr marL="342900" indent="-342900">
+              <a:buFont typeface="Arial" panose="020B0604020202020204" pitchFamily="34" charset="0"/>
+              <a:buChar char="•"/>
+            </a:pPr>
+            <a:endParaRPr lang="pt-BR" dirty="0" smtClean="0">
+              <a:solidFill>
+                <a:srgbClr val="172B4D"/>
+              </a:solidFill>
+            </a:endParaRPr>
+          </a:p>
+          <a:p>
+            <a:pPr marL="342900" indent="-342900">
+              <a:lnSpc>
+                <a:spcPct val="150000"/>
+              </a:lnSpc>
+              <a:buFont typeface="Arial" panose="020B0604020202020204" pitchFamily="34" charset="0"/>
+              <a:buChar char="•"/>
+            </a:pPr>
+            <a:r>
+              <a:rPr lang="pt-BR" dirty="0" smtClean="0">
+                <a:solidFill>
+                  <a:srgbClr val="172B4D"/>
+                </a:solidFill>
+              </a:rPr>
+              <a:t>Utilização </a:t>
+            </a:r>
+            <a:r>
+              <a:rPr lang="pt-BR" dirty="0">
+                <a:solidFill>
+                  <a:srgbClr val="172B4D"/>
+                </a:solidFill>
+              </a:rPr>
+              <a:t>de especificações da </a:t>
+            </a:r>
+            <a:r>
+              <a:rPr lang="pt-BR" dirty="0" err="1">
+                <a:solidFill>
+                  <a:srgbClr val="172B4D"/>
+                </a:solidFill>
+                <a:hlinkClick r:id="rId3"/>
+              </a:rPr>
+              <a:t>Frictionless</a:t>
+            </a:r>
+            <a:r>
+              <a:rPr lang="pt-BR" dirty="0">
+                <a:solidFill>
+                  <a:srgbClr val="172B4D"/>
+                </a:solidFill>
+                <a:hlinkClick r:id="rId3"/>
+              </a:rPr>
+              <a:t> </a:t>
+            </a:r>
+            <a:r>
+              <a:rPr lang="pt-BR" dirty="0" smtClean="0">
+                <a:solidFill>
+                  <a:srgbClr val="172B4D"/>
+                </a:solidFill>
+                <a:hlinkClick r:id="rId4"/>
+              </a:rPr>
+              <a:t>Data</a:t>
+            </a:r>
+            <a:r>
+              <a:rPr lang="pt-BR" dirty="0" smtClean="0">
+                <a:solidFill>
+                  <a:srgbClr val="172B4D"/>
+                </a:solidFill>
+              </a:rPr>
+              <a:t>: conjunto </a:t>
+            </a:r>
+            <a:r>
+              <a:rPr lang="pt-BR" dirty="0">
+                <a:solidFill>
+                  <a:srgbClr val="172B4D"/>
+                </a:solidFill>
+              </a:rPr>
+              <a:t>de ferramentas </a:t>
+            </a:r>
+            <a:r>
+              <a:rPr lang="pt-BR" dirty="0" smtClean="0">
+                <a:solidFill>
+                  <a:srgbClr val="172B4D"/>
+                </a:solidFill>
+              </a:rPr>
+              <a:t>para interoperabilidade </a:t>
+            </a:r>
+            <a:r>
+              <a:rPr lang="pt-BR" dirty="0">
+                <a:solidFill>
+                  <a:srgbClr val="172B4D"/>
+                </a:solidFill>
+              </a:rPr>
+              <a:t>de dados, por meio </a:t>
+            </a:r>
+            <a:r>
+              <a:rPr lang="pt-BR" dirty="0" smtClean="0">
+                <a:solidFill>
+                  <a:srgbClr val="172B4D"/>
+                </a:solidFill>
+              </a:rPr>
+              <a:t>de padrões </a:t>
+            </a:r>
+            <a:r>
+              <a:rPr lang="pt-BR" dirty="0">
+                <a:solidFill>
+                  <a:srgbClr val="172B4D"/>
+                </a:solidFill>
+              </a:rPr>
+              <a:t>e critérios técnicos </a:t>
+            </a:r>
+            <a:r>
+              <a:rPr lang="pt-BR" dirty="0" smtClean="0">
+                <a:solidFill>
+                  <a:srgbClr val="172B4D"/>
+                </a:solidFill>
+              </a:rPr>
+              <a:t>para otimizar </a:t>
+            </a:r>
+            <a:r>
+              <a:rPr lang="pt-BR" dirty="0">
+                <a:solidFill>
+                  <a:srgbClr val="172B4D"/>
+                </a:solidFill>
+              </a:rPr>
+              <a:t>o armazenamento e os usos de dados</a:t>
+            </a:r>
+            <a:endParaRPr lang="pt-BR" dirty="0" smtClean="0">
+              <a:solidFill>
+                <a:srgbClr val="172B4D"/>
+              </a:solidFill>
+            </a:endParaRPr>
+          </a:p>
+          <a:p>
+            <a:pPr marL="342900" indent="-342900">
+              <a:lnSpc>
+                <a:spcPct val="150000"/>
+              </a:lnSpc>
+              <a:buFont typeface="Arial" panose="020B0604020202020204" pitchFamily="34" charset="0"/>
+              <a:buChar char="•"/>
+            </a:pPr>
+            <a:endParaRPr lang="pt-BR" dirty="0">
+              <a:solidFill>
+                <a:srgbClr val="172B4D"/>
+              </a:solidFill>
+            </a:endParaRPr>
+          </a:p>
+          <a:p>
+            <a:pPr marL="342900" indent="-342900">
+              <a:lnSpc>
+                <a:spcPct val="150000"/>
+              </a:lnSpc>
+              <a:buFont typeface="Arial" panose="020B0604020202020204" pitchFamily="34" charset="0"/>
+              <a:buChar char="•"/>
+            </a:pPr>
+            <a:r>
+              <a:rPr lang="pt-BR" dirty="0">
+                <a:solidFill>
+                  <a:srgbClr val="172B4D"/>
+                </a:solidFill>
+              </a:rPr>
+              <a:t>Validação automática por serviços ofertados pela comunidade, como o </a:t>
+            </a:r>
+            <a:r>
+              <a:rPr lang="pt-BR" dirty="0" smtClean="0">
+                <a:solidFill>
+                  <a:srgbClr val="172B4D"/>
+                </a:solidFill>
+                <a:hlinkClick r:id="rId5"/>
+              </a:rPr>
+              <a:t>goodtables.io</a:t>
+            </a:r>
+            <a:endParaRPr lang="pt-BR" dirty="0" smtClean="0">
+              <a:solidFill>
+                <a:srgbClr val="172B4D"/>
+              </a:solidFill>
+            </a:endParaRPr>
+          </a:p>
           <a:p>
             <a:pPr lvl="0" eaLnBrk="0" fontAlgn="base" hangingPunct="0">
               <a:lnSpc>
@@ -11971,92 +12516,15 @@
               <a:spcAft>
                 <a:spcPct val="0"/>
               </a:spcAft>
-              <a:buFontTx/>
-              <a:buChar char="•"/>
             </a:pPr>
-            <a:r>
-              <a:rPr lang="pt-BR" dirty="0" smtClean="0">
-                <a:solidFill>
-                  <a:srgbClr val="172B4D"/>
-                </a:solidFill>
-              </a:rPr>
-              <a:t>qualidade</a:t>
-            </a:r>
-            <a:r>
-              <a:rPr lang="pt-BR" dirty="0">
-                <a:solidFill>
-                  <a:srgbClr val="172B4D"/>
-                </a:solidFill>
-              </a:rPr>
-              <a:t>: grau em que um conjunto de características inerentes [</a:t>
-            </a:r>
-            <a:r>
-              <a:rPr lang="pt-BR" dirty="0" err="1">
-                <a:solidFill>
-                  <a:srgbClr val="172B4D"/>
-                </a:solidFill>
-              </a:rPr>
-              <a:t>ie</a:t>
-            </a:r>
-            <a:r>
-              <a:rPr lang="pt-BR" dirty="0">
-                <a:solidFill>
-                  <a:srgbClr val="172B4D"/>
-                </a:solidFill>
-              </a:rPr>
-              <a:t>. </a:t>
-            </a:r>
-            <a:r>
-              <a:rPr lang="pt-BR" dirty="0" err="1">
-                <a:solidFill>
-                  <a:srgbClr val="172B4D"/>
-                </a:solidFill>
-              </a:rPr>
-              <a:t>metadados</a:t>
-            </a:r>
-            <a:r>
-              <a:rPr lang="pt-BR" dirty="0">
-                <a:solidFill>
-                  <a:srgbClr val="172B4D"/>
-                </a:solidFill>
-              </a:rPr>
-              <a:t>] de um objeto [</a:t>
-            </a:r>
-            <a:r>
-              <a:rPr lang="pt-BR" dirty="0" err="1">
-                <a:solidFill>
-                  <a:srgbClr val="172B4D"/>
-                </a:solidFill>
-              </a:rPr>
-              <a:t>ie</a:t>
-            </a:r>
-            <a:r>
-              <a:rPr lang="pt-BR" dirty="0">
-                <a:solidFill>
-                  <a:srgbClr val="172B4D"/>
-                </a:solidFill>
-              </a:rPr>
-              <a:t>. dados] atende a especificação [</a:t>
-            </a:r>
-            <a:r>
-              <a:rPr lang="pt-BR" dirty="0" err="1">
-                <a:solidFill>
-                  <a:srgbClr val="172B4D"/>
-                </a:solidFill>
-              </a:rPr>
-              <a:t>ie</a:t>
-            </a:r>
-            <a:r>
-              <a:rPr lang="pt-BR" dirty="0">
-                <a:solidFill>
-                  <a:srgbClr val="172B4D"/>
-                </a:solidFill>
-              </a:rPr>
-              <a:t>. padrão]</a:t>
-            </a:r>
-          </a:p>
-          <a:p>
-            <a:pPr eaLnBrk="0" fontAlgn="base" hangingPunct="0">
+            <a:endParaRPr lang="pt-BR" altLang="pt-BR" dirty="0" smtClean="0">
+              <a:solidFill>
+                <a:srgbClr val="172B4D"/>
+              </a:solidFill>
+            </a:endParaRPr>
+          </a:p>
+          <a:p>
+            <a:pPr lvl="0" eaLnBrk="0" fontAlgn="base" hangingPunct="0">
               <a:lnSpc>
                 <a:spcPct val="100000"/>
               </a:lnSpc>
@@ -12069,14 +12537,294 @@
               <a:buFontTx/>
               <a:buChar char="•"/>
             </a:pPr>
+            <a:endParaRPr lang="pt-BR" altLang="pt-BR" dirty="0">
+              <a:solidFill>
+                <a:srgbClr val="172B4D"/>
+              </a:solidFill>
+            </a:endParaRPr>
+          </a:p>
+          <a:p>
+            <a:pPr lvl="0" eaLnBrk="0" fontAlgn="base" hangingPunct="0">
+              <a:lnSpc>
+                <a:spcPct val="100000"/>
+              </a:lnSpc>
+              <a:spcBef>
+                <a:spcPct val="0"/>
+              </a:spcBef>
+              <a:spcAft>
+                <a:spcPct val="0"/>
+              </a:spcAft>
+              <a:buFontTx/>
+              <a:buChar char="•"/>
+            </a:pPr>
+            <a:endParaRPr lang="pt-BR" altLang="pt-BR" dirty="0" smtClean="0">
+              <a:solidFill>
+                <a:srgbClr val="172B4D"/>
+              </a:solidFill>
+            </a:endParaRPr>
+          </a:p>
+          <a:p>
+            <a:pPr lvl="0" eaLnBrk="0" fontAlgn="base" hangingPunct="0">
+              <a:lnSpc>
+                <a:spcPct val="100000"/>
+              </a:lnSpc>
+              <a:spcBef>
+                <a:spcPct val="0"/>
+              </a:spcBef>
+              <a:spcAft>
+                <a:spcPct val="0"/>
+              </a:spcAft>
+              <a:buFontTx/>
+              <a:buChar char="•"/>
+            </a:pPr>
+            <a:endParaRPr lang="pt-BR" altLang="pt-BR" dirty="0">
+              <a:solidFill>
+                <a:srgbClr val="172B4D"/>
+              </a:solidFill>
+            </a:endParaRPr>
+          </a:p>
+          <a:p>
+            <a:pPr lvl="0" eaLnBrk="0" fontAlgn="base" hangingPunct="0">
+              <a:lnSpc>
+                <a:spcPct val="100000"/>
+              </a:lnSpc>
+              <a:spcBef>
+                <a:spcPct val="0"/>
+              </a:spcBef>
+              <a:spcAft>
+                <a:spcPct val="0"/>
+              </a:spcAft>
+              <a:buFontTx/>
+              <a:buChar char="•"/>
+            </a:pPr>
+            <a:r>
+              <a:rPr lang="pt-BR" altLang="pt-BR" dirty="0" smtClean="0">
+                <a:solidFill>
+                  <a:srgbClr val="172B4D"/>
+                </a:solidFill>
+                <a:effectLst>
+                  <a:outerShdw blurRad="38100" dist="38100" dir="2700000" algn="tl">
+                    <a:srgbClr val="000000">
+                      <a:alpha val="43137"/>
+                    </a:srgbClr>
+                  </a:outerShdw>
+                </a:effectLst>
+              </a:rPr>
+              <a:t>Versionamento</a:t>
+            </a:r>
+            <a:r>
+              <a:rPr lang="pt-BR" altLang="pt-BR" dirty="0">
+                <a:solidFill>
+                  <a:srgbClr val="172B4D"/>
+                </a:solidFill>
+                <a:effectLst>
+                  <a:outerShdw blurRad="38100" dist="38100" dir="2700000" algn="tl">
+                    <a:srgbClr val="000000">
+                      <a:alpha val="43137"/>
+                    </a:srgbClr>
+                  </a:outerShdw>
+                </a:effectLst>
+              </a:rPr>
+              <a:t>: </a:t>
+            </a:r>
+          </a:p>
+          <a:p>
+            <a:pPr lvl="0" eaLnBrk="0" fontAlgn="base" hangingPunct="0">
+              <a:lnSpc>
+                <a:spcPct val="100000"/>
+              </a:lnSpc>
+              <a:spcBef>
+                <a:spcPct val="0"/>
+              </a:spcBef>
+              <a:spcAft>
+                <a:spcPct val="0"/>
+              </a:spcAft>
+              <a:buFontTx/>
+              <a:buChar char="•"/>
+            </a:pPr>
+            <a:endParaRPr lang="pt-BR" altLang="pt-BR" dirty="0">
+              <a:solidFill>
+                <a:srgbClr val="172B4D"/>
+              </a:solidFill>
+              <a:hlinkClick r:id="rId6"/>
+            </a:endParaRPr>
+          </a:p>
+          <a:p>
+            <a:pPr lvl="0" eaLnBrk="0" fontAlgn="base" hangingPunct="0">
+              <a:lnSpc>
+                <a:spcPct val="100000"/>
+              </a:lnSpc>
+              <a:spcBef>
+                <a:spcPct val="0"/>
+              </a:spcBef>
+              <a:spcAft>
+                <a:spcPct val="0"/>
+              </a:spcAft>
+              <a:buFontTx/>
+              <a:buChar char="•"/>
+            </a:pPr>
+            <a:r>
+              <a:rPr lang="pt-BR" altLang="pt-BR" dirty="0">
+                <a:solidFill>
+                  <a:srgbClr val="172B4D"/>
+                </a:solidFill>
+                <a:hlinkClick r:id="rId6"/>
+              </a:rPr>
+              <a:t> histórico das alterações no repositório </a:t>
+            </a:r>
+            <a:r>
+              <a:rPr lang="pt-BR" dirty="0"/>
+              <a:t> </a:t>
+            </a:r>
+          </a:p>
+          <a:p>
+            <a:pPr lvl="0" eaLnBrk="0" fontAlgn="base" hangingPunct="0">
+              <a:lnSpc>
+                <a:spcPct val="100000"/>
+              </a:lnSpc>
+              <a:spcBef>
+                <a:spcPct val="0"/>
+              </a:spcBef>
+              <a:spcAft>
+                <a:spcPct val="0"/>
+              </a:spcAft>
+              <a:buFontTx/>
+              <a:buChar char="•"/>
+            </a:pPr>
+            <a:endParaRPr lang="pt-BR" dirty="0"/>
+          </a:p>
+          <a:p>
+            <a:pPr lvl="0" eaLnBrk="0" fontAlgn="base" hangingPunct="0">
+              <a:lnSpc>
+                <a:spcPct val="100000"/>
+              </a:lnSpc>
+              <a:spcBef>
+                <a:spcPct val="0"/>
+              </a:spcBef>
+              <a:spcAft>
+                <a:spcPct val="0"/>
+              </a:spcAft>
+              <a:buFontTx/>
+              <a:buChar char="•"/>
+            </a:pPr>
             <a:r>
               <a:rPr lang="pt-BR" dirty="0">
-                <a:solidFill>
-                  <a:srgbClr val="172B4D"/>
-                </a:solidFill>
-              </a:rPr>
-              <a:t>[1] Tradução e adaptação da [ISO 9000](https://en.wikipedia.org/wiki/ISO_9000)]</a:t>
-            </a:r>
+                <a:hlinkClick r:id="rId7"/>
+              </a:rPr>
+              <a:t> atualizações relevantes – Compras Emergenciais COVID</a:t>
+            </a:r>
+            <a:endParaRPr lang="pt-BR" altLang="pt-BR" dirty="0">
+              <a:solidFill>
+                <a:srgbClr val="172B4D"/>
+              </a:solidFill>
+            </a:endParaRPr>
+          </a:p>
+          <a:p>
+            <a:pPr lvl="0" eaLnBrk="0" fontAlgn="base" hangingPunct="0">
+              <a:lnSpc>
+                <a:spcPct val="100000"/>
+              </a:lnSpc>
+              <a:spcBef>
+                <a:spcPct val="0"/>
+              </a:spcBef>
+              <a:spcAft>
+                <a:spcPct val="0"/>
+              </a:spcAft>
+              <a:buFontTx/>
+              <a:buChar char="•"/>
+            </a:pPr>
+            <a:endParaRPr lang="pt-BR" altLang="pt-BR" dirty="0">
+              <a:solidFill>
+                <a:srgbClr val="172B4D"/>
+              </a:solidFill>
+            </a:endParaRPr>
+          </a:p>
+          <a:p>
+            <a:pPr lvl="0" eaLnBrk="0" fontAlgn="base" hangingPunct="0">
+              <a:lnSpc>
+                <a:spcPct val="100000"/>
+              </a:lnSpc>
+              <a:spcBef>
+                <a:spcPct val="0"/>
+              </a:spcBef>
+              <a:spcAft>
+                <a:spcPct val="0"/>
+              </a:spcAft>
+              <a:buFontTx/>
+              <a:buChar char="•"/>
+            </a:pPr>
+            <a:r>
+              <a:rPr lang="pt-BR" altLang="pt-BR" dirty="0">
+                <a:solidFill>
+                  <a:srgbClr val="172B4D"/>
+                </a:solidFill>
+              </a:rPr>
+              <a:t> </a:t>
+            </a:r>
+            <a:r>
+              <a:rPr lang="pt-BR" altLang="pt-BR" dirty="0">
+                <a:solidFill>
+                  <a:srgbClr val="172B4D"/>
+                </a:solidFill>
+                <a:effectLst>
+                  <a:outerShdw blurRad="38100" dist="38100" dir="2700000" algn="tl">
+                    <a:srgbClr val="000000">
+                      <a:alpha val="43137"/>
+                    </a:srgbClr>
+                  </a:outerShdw>
+                </a:effectLst>
+              </a:rPr>
+              <a:t>Validação contínua: </a:t>
+            </a:r>
+          </a:p>
+          <a:p>
+            <a:pPr lvl="0" eaLnBrk="0" fontAlgn="base" hangingPunct="0">
+              <a:lnSpc>
+                <a:spcPct val="100000"/>
+              </a:lnSpc>
+              <a:spcBef>
+                <a:spcPct val="0"/>
+              </a:spcBef>
+              <a:spcAft>
+                <a:spcPct val="0"/>
+              </a:spcAft>
+              <a:buFontTx/>
+              <a:buChar char="•"/>
+            </a:pPr>
+            <a:endParaRPr lang="pt-BR" altLang="pt-BR" dirty="0">
+              <a:solidFill>
+                <a:srgbClr val="172B4D"/>
+              </a:solidFill>
+            </a:endParaRPr>
+          </a:p>
+          <a:p>
+            <a:pPr lvl="0" eaLnBrk="0" fontAlgn="base" hangingPunct="0">
+              <a:lnSpc>
+                <a:spcPct val="100000"/>
+              </a:lnSpc>
+              <a:spcBef>
+                <a:spcPct val="0"/>
+              </a:spcBef>
+              <a:spcAft>
+                <a:spcPct val="0"/>
+              </a:spcAft>
+              <a:buFontTx/>
+              <a:buChar char="•"/>
+            </a:pPr>
+            <a:r>
+              <a:rPr lang="pt-BR" dirty="0">
+                <a:solidFill>
+                  <a:srgbClr val="172B4D"/>
+                </a:solidFill>
+                <a:hlinkClick r:id="rId8"/>
+              </a:rPr>
+              <a:t>Compras emergenciais COVID</a:t>
+            </a:r>
+            <a:endParaRPr lang="pt-BR" dirty="0">
+              <a:solidFill>
+                <a:srgbClr val="172B4D"/>
+              </a:solidFill>
+            </a:endParaRPr>
           </a:p>
           <a:p>
             <a:pPr lvl="0" eaLnBrk="0" fontAlgn="base" hangingPunct="0">
@@ -12096,6 +12844,7 @@
               <a:solidFill>
                 <a:srgbClr val="172B4D"/>
               </a:solidFill>
+              <a:hlinkClick r:id="rId8"/>
             </a:endParaRPr>
           </a:p>
           <a:p>
@@ -12113,246 +12862,24 @@
               <a:buChar char="•"/>
             </a:pPr>
             <a:r>
-              <a:rPr lang="pt-BR" dirty="0" smtClean="0">
-                <a:solidFill>
-                  <a:srgbClr val="172B4D"/>
-                </a:solidFill>
-              </a:rPr>
-              <a:t>A </a:t>
-            </a:r>
-            <a:r>
               <a:rPr lang="pt-BR" dirty="0">
                 <a:solidFill>
                   <a:srgbClr val="172B4D"/>
                 </a:solidFill>
-              </a:rPr>
-              <a:t>aferição da qualidade também deve ser um processo automatizado.</a:t>
-            </a:r>
-          </a:p>
-          <a:p>
-            <a:pPr lvl="0" eaLnBrk="0" fontAlgn="base" hangingPunct="0">
-              <a:lnSpc>
-                <a:spcPct val="100000"/>
-              </a:lnSpc>
-              <a:spcBef>
-                <a:spcPct val="0"/>
-              </a:spcBef>
-              <a:spcAft>
-                <a:spcPct val="0"/>
-              </a:spcAft>
-            </a:pPr>
+                <a:hlinkClick r:id="rId9"/>
+              </a:rPr>
+              <a:t>Cabeçalho casos confirmados</a:t>
+            </a:r>
             <a:endParaRPr lang="pt-BR" dirty="0">
               <a:solidFill>
                 <a:srgbClr val="172B4D"/>
               </a:solidFill>
+              <a:hlinkClick r:id="rId8"/>
             </a:endParaRPr>
           </a:p>
           <a:p>
-            <a:pPr lvl="0" eaLnBrk="0" fontAlgn="base" hangingPunct="0">
-              <a:lnSpc>
-                <a:spcPct val="100000"/>
-              </a:lnSpc>
-              <a:spcBef>
-                <a:spcPct val="0"/>
-              </a:spcBef>
-              <a:spcAft>
-                <a:spcPct val="0"/>
-              </a:spcAft>
-              <a:buFontTx/>
-              <a:buChar char="•"/>
-            </a:pPr>
-            <a:r>
-              <a:rPr lang="pt-BR" dirty="0" smtClean="0">
-                <a:solidFill>
-                  <a:srgbClr val="172B4D"/>
-                </a:solidFill>
-              </a:rPr>
-              <a:t>Solução</a:t>
-            </a:r>
-            <a:r>
-              <a:rPr lang="pt-BR" dirty="0">
-                <a:solidFill>
-                  <a:srgbClr val="172B4D"/>
-                </a:solidFill>
-              </a:rPr>
-              <a:t>: Adoção de um padrão para documentação dos dados que permita uma verificação/validação </a:t>
-            </a:r>
-            <a:r>
-              <a:rPr lang="pt-BR" dirty="0" err="1">
-                <a:solidFill>
-                  <a:srgbClr val="172B4D"/>
-                </a:solidFill>
-              </a:rPr>
-              <a:t>automatizável</a:t>
-            </a:r>
-            <a:r>
-              <a:rPr lang="pt-BR" dirty="0">
-                <a:solidFill>
-                  <a:srgbClr val="172B4D"/>
-                </a:solidFill>
-              </a:rPr>
-              <a:t> se os dados estão em conformidade com o especificado</a:t>
-            </a:r>
-          </a:p>
-          <a:p>
-            <a:pPr lvl="0" eaLnBrk="0" fontAlgn="base" hangingPunct="0">
-              <a:lnSpc>
-                <a:spcPct val="100000"/>
-              </a:lnSpc>
-              <a:spcBef>
-                <a:spcPct val="0"/>
-              </a:spcBef>
-              <a:spcAft>
-                <a:spcPct val="0"/>
-              </a:spcAft>
-              <a:buFontTx/>
-              <a:buChar char="•"/>
-            </a:pPr>
-            <a:endParaRPr lang="pt-BR" dirty="0" smtClean="0">
-              <a:solidFill>
-                <a:srgbClr val="172B4D"/>
-              </a:solidFill>
-            </a:endParaRPr>
-          </a:p>
-          <a:p>
-            <a:pPr lvl="0" eaLnBrk="0" fontAlgn="base" hangingPunct="0">
-              <a:lnSpc>
-                <a:spcPct val="100000"/>
-              </a:lnSpc>
-              <a:spcBef>
-                <a:spcPct val="0"/>
-              </a:spcBef>
-              <a:spcAft>
-                <a:spcPct val="0"/>
-              </a:spcAft>
-              <a:buFontTx/>
-              <a:buChar char="•"/>
-            </a:pPr>
-            <a:r>
-              <a:rPr lang="pt-BR" dirty="0" err="1" smtClean="0">
-                <a:solidFill>
-                  <a:srgbClr val="172B4D"/>
-                </a:solidFill>
-              </a:rPr>
-              <a:t>Datapackage</a:t>
-            </a:r>
-            <a:r>
-              <a:rPr lang="pt-BR" dirty="0" smtClean="0">
-                <a:solidFill>
-                  <a:srgbClr val="172B4D"/>
-                </a:solidFill>
-              </a:rPr>
-              <a:t>: Formato </a:t>
-            </a:r>
-            <a:r>
-              <a:rPr lang="pt-BR" dirty="0">
-                <a:solidFill>
-                  <a:srgbClr val="172B4D"/>
-                </a:solidFill>
-              </a:rPr>
-              <a:t>preciso de arquivo; </a:t>
-            </a:r>
-            <a:r>
-              <a:rPr lang="pt-BR" dirty="0" smtClean="0">
-                <a:solidFill>
-                  <a:srgbClr val="172B4D"/>
-                </a:solidFill>
-              </a:rPr>
-              <a:t>facilmente </a:t>
-            </a:r>
-            <a:r>
-              <a:rPr lang="pt-BR" dirty="0">
-                <a:solidFill>
-                  <a:srgbClr val="172B4D"/>
-                </a:solidFill>
-              </a:rPr>
-              <a:t>compartilhado; </a:t>
-            </a:r>
-            <a:r>
-              <a:rPr lang="pt-BR" dirty="0" smtClean="0">
-                <a:solidFill>
-                  <a:srgbClr val="172B4D"/>
-                </a:solidFill>
-              </a:rPr>
-              <a:t>permite reprodutibilidade </a:t>
-            </a:r>
-            <a:r>
-              <a:rPr lang="pt-BR" dirty="0">
-                <a:solidFill>
-                  <a:srgbClr val="172B4D"/>
-                </a:solidFill>
-              </a:rPr>
-              <a:t>de dados; acessível, </a:t>
-            </a:r>
-            <a:r>
-              <a:rPr lang="pt-BR" dirty="0" err="1">
-                <a:solidFill>
-                  <a:srgbClr val="172B4D"/>
-                </a:solidFill>
-              </a:rPr>
-              <a:t>interoperável</a:t>
-            </a:r>
-            <a:r>
-              <a:rPr lang="pt-BR" dirty="0">
-                <a:solidFill>
-                  <a:srgbClr val="172B4D"/>
-                </a:solidFill>
-              </a:rPr>
-              <a:t>, </a:t>
-            </a:r>
-            <a:r>
-              <a:rPr lang="pt-BR" dirty="0" err="1">
-                <a:solidFill>
-                  <a:srgbClr val="172B4D"/>
-                </a:solidFill>
-              </a:rPr>
-              <a:t>reusável</a:t>
-            </a:r>
-            <a:r>
-              <a:rPr lang="pt-BR" dirty="0">
-                <a:solidFill>
-                  <a:srgbClr val="172B4D"/>
-                </a:solidFill>
-              </a:rPr>
-              <a:t>; </a:t>
-            </a:r>
-            <a:r>
-              <a:rPr lang="pt-BR" dirty="0" smtClean="0">
-                <a:solidFill>
-                  <a:srgbClr val="172B4D"/>
-                </a:solidFill>
-              </a:rPr>
-              <a:t>permite validação </a:t>
-            </a:r>
-            <a:r>
-              <a:rPr lang="pt-BR" dirty="0">
-                <a:solidFill>
-                  <a:srgbClr val="172B4D"/>
-                </a:solidFill>
-              </a:rPr>
-              <a:t>da integridade dos </a:t>
-            </a:r>
-            <a:r>
-              <a:rPr lang="pt-BR" dirty="0" smtClean="0">
-                <a:solidFill>
-                  <a:srgbClr val="172B4D"/>
-                </a:solidFill>
-              </a:rPr>
-              <a:t>dados</a:t>
-            </a:r>
-          </a:p>
-          <a:p>
-            <a:pPr lvl="0" eaLnBrk="0" fontAlgn="base" hangingPunct="0">
-              <a:lnSpc>
-                <a:spcPct val="100000"/>
-              </a:lnSpc>
-              <a:spcBef>
-                <a:spcPct val="0"/>
-              </a:spcBef>
-              <a:spcAft>
-                <a:spcPct val="0"/>
-              </a:spcAft>
-              <a:buFontTx/>
+            <a:pPr marL="342900" indent="-342900">
+              <a:buFont typeface="Arial" panose="020B0604020202020204" pitchFamily="34" charset="0"/>
               <a:buChar char="•"/>
             </a:pPr>
             <a:endParaRPr lang="pt-BR" dirty="0">
@@ -12362,176 +12889,11 @@
             </a:endParaRPr>
           </a:p>
           <a:p>
-            <a:pPr eaLnBrk="0" fontAlgn="base" hangingPunct="0">
-              <a:lnSpc>
-                <a:spcPct val="100000"/>
-              </a:lnSpc>
-              <a:spcBef>
-                <a:spcPct val="0"/>
-              </a:spcBef>
-              <a:spcAft>
-                <a:spcPct val="0"/>
-              </a:spcAft>
-              <a:buFontTx/>
-              <a:buChar char="•"/>
-            </a:pPr>
-            <a:r>
-              <a:rPr lang="pt-BR" altLang="pt-BR" dirty="0">
-                <a:solidFill>
-                  <a:srgbClr val="172B4D"/>
-                </a:solidFill>
-                <a:hlinkClick r:id="rId3"/>
-              </a:rPr>
-              <a:t>Decreto Federal 8777/2016</a:t>
-            </a:r>
-            <a:r>
-              <a:rPr lang="pt-BR" altLang="pt-BR" dirty="0">
-                <a:solidFill>
-                  <a:srgbClr val="172B4D"/>
-                </a:solidFill>
-              </a:rPr>
-              <a:t>: art. 2º, IV: formato aberto implica que a </a:t>
-            </a:r>
-            <a:r>
-              <a:rPr lang="pt-BR" u="sng" dirty="0">
-                <a:solidFill>
-                  <a:srgbClr val="172B4D"/>
-                </a:solidFill>
-              </a:rPr>
-              <a:t>especificação esteja documentada </a:t>
-            </a:r>
-            <a:r>
-              <a:rPr lang="pt-BR" u="sng" dirty="0" smtClean="0">
-                <a:solidFill>
-                  <a:srgbClr val="172B4D"/>
-                </a:solidFill>
-              </a:rPr>
-              <a:t>publicamente</a:t>
-            </a:r>
-          </a:p>
-          <a:p>
-            <a:pPr eaLnBrk="0" fontAlgn="base" hangingPunct="0">
-              <a:lnSpc>
-                <a:spcPct val="100000"/>
-              </a:lnSpc>
-              <a:spcBef>
-                <a:spcPct val="0"/>
-              </a:spcBef>
-              <a:spcAft>
-                <a:spcPct val="0"/>
-              </a:spcAft>
-              <a:buFontTx/>
-              <a:buChar char="•"/>
-            </a:pPr>
-            <a:endParaRPr lang="pt-BR" u="sng" dirty="0">
-              <a:solidFill>
-                <a:srgbClr val="172B4D"/>
-              </a:solidFill>
-            </a:endParaRPr>
-          </a:p>
-          <a:p>
             <a:pPr marL="342900" indent="-342900">
               <a:buFont typeface="Arial" panose="020B0604020202020204" pitchFamily="34" charset="0"/>
               <a:buChar char="•"/>
             </a:pPr>
-            <a:r>
-              <a:rPr lang="pt-BR" dirty="0" smtClean="0"/>
-              <a:t>“</a:t>
-            </a:r>
-            <a:r>
-              <a:rPr lang="pt-BR" dirty="0"/>
-              <a:t>Se os dados não estão disponíveis num formato aberto e </a:t>
-            </a:r>
-            <a:r>
-              <a:rPr lang="pt-BR" dirty="0">
-                <a:hlinkClick r:id="rId4"/>
-              </a:rPr>
-              <a:t>legível por máquina</a:t>
-            </a:r>
-            <a:r>
-              <a:rPr lang="pt-BR" dirty="0"/>
-              <a:t>, eles não podem ser reutilizados.” (David </a:t>
-            </a:r>
-            <a:r>
-              <a:rPr lang="pt-BR" dirty="0" err="1"/>
-              <a:t>Eaves</a:t>
-            </a:r>
-            <a:r>
-              <a:rPr lang="pt-BR" dirty="0"/>
-              <a:t>/</a:t>
-            </a:r>
-            <a:r>
-              <a:rPr lang="pt-BR" dirty="0" err="1"/>
-              <a:t>Opendata</a:t>
-            </a:r>
-            <a:r>
-              <a:rPr lang="pt-BR" dirty="0"/>
-              <a:t> Charter - </a:t>
-            </a:r>
-            <a:r>
-              <a:rPr lang="pt-BR" dirty="0" err="1"/>
-              <a:t>principles</a:t>
-            </a:r>
-            <a:r>
-              <a:rPr lang="pt-BR" dirty="0"/>
-              <a:t>)</a:t>
-            </a:r>
-          </a:p>
-          <a:p>
-            <a:pPr eaLnBrk="0" fontAlgn="base" hangingPunct="0">
-              <a:lnSpc>
-                <a:spcPct val="100000"/>
-              </a:lnSpc>
-              <a:spcBef>
-                <a:spcPct val="0"/>
-              </a:spcBef>
-              <a:spcAft>
-                <a:spcPct val="0"/>
-              </a:spcAft>
-              <a:buFontTx/>
-              <a:buChar char="•"/>
-            </a:pPr>
-            <a:endParaRPr lang="pt-BR" u="sng" dirty="0">
-              <a:solidFill>
-                <a:srgbClr val="172B4D"/>
-              </a:solidFill>
-            </a:endParaRPr>
-          </a:p>
-          <a:p>
-            <a:pPr lvl="0" eaLnBrk="0" fontAlgn="base" hangingPunct="0">
-              <a:lnSpc>
-                <a:spcPct val="100000"/>
-              </a:lnSpc>
-              <a:spcBef>
-                <a:spcPct val="0"/>
-              </a:spcBef>
-              <a:spcAft>
-                <a:spcPct val="0"/>
-              </a:spcAft>
-              <a:buFontTx/>
-              <a:buChar char="•"/>
-            </a:pPr>
             <a:endParaRPr lang="pt-BR" dirty="0" smtClean="0">
-              <a:solidFill>
-                <a:srgbClr val="172B4D"/>
-              </a:solidFill>
-            </a:endParaRPr>
-          </a:p>
-          <a:p>
-            <a:pPr lvl="0" eaLnBrk="0" fontAlgn="base" hangingPunct="0">
-              <a:lnSpc>
-                <a:spcPct val="100000"/>
-              </a:lnSpc>
-              <a:spcBef>
-                <a:spcPct val="0"/>
-              </a:spcBef>
-              <a:spcAft>
-                <a:spcPct val="0"/>
-              </a:spcAft>
-              <a:buFontTx/>
-              <a:buChar char="•"/>
-            </a:pPr>
-            <a:endParaRPr lang="pt-BR" altLang="pt-BR" dirty="0">
               <a:solidFill>
                 <a:srgbClr val="172B4D"/>
               </a:solidFill>
@@ -12653,7 +13015,7 @@
     </p:spTree>
     <p:extLst>
       <p:ext uri="{BB962C8B-B14F-4D97-AF65-F5344CB8AC3E}">
-        <p14:creationId xmlns:p14="http://schemas.microsoft.com/office/powerpoint/2010/main" val="3770092773"/>
+        <p14:creationId xmlns:p14="http://schemas.microsoft.com/office/powerpoint/2010/main" val="3147241764"/>
       </p:ext>
     </p:extLst>
   </p:cSld>
@@ -12711,6 +13073,14 @@
               </a:spcAft>
             </a:pPr>
             <a:r>
+              <a:rPr lang="pt-BR" altLang="pt-BR" dirty="0" smtClean="0">
+                <a:solidFill>
+                  <a:schemeClr val="bg1"/>
+                </a:solidFill>
+              </a:rPr>
+              <a:t>Introdução ao </a:t>
+            </a:r>
+            <a:r>
               <a:rPr lang="pt-BR" altLang="pt-BR" dirty="0" err="1" smtClean="0">
                 <a:solidFill>
                   <a:schemeClr val="bg1"/>
@@ -12738,284 +13108,20 @@
         </p:nvSpPr>
         <p:spPr>
           <a:xfrm>
-            <a:off x="329784" y="1075940"/>
-            <a:ext cx="11729538" cy="5129988"/>
+            <a:off x="545048" y="1570616"/>
+            <a:ext cx="11083968" cy="4860164"/>
           </a:xfrm>
         </p:spPr>
         <p:txBody>
-          <a:bodyPr numCol="2"/>
+          <a:bodyPr/>
           <a:lstStyle/>
           <a:p>
             <a:pPr marL="342900" indent="-342900">
               <a:buFont typeface="Arial" panose="020B0604020202020204" pitchFamily="34" charset="0"/>
               <a:buChar char="•"/>
             </a:pPr>
-            <a:endParaRPr lang="pt-BR" dirty="0" smtClean="0">
-              <a:solidFill>
-                <a:srgbClr val="172B4D"/>
-              </a:solidFill>
-            </a:endParaRPr>
-          </a:p>
-          <a:p>
-            <a:pPr marL="342900" indent="-342900">
-              <a:lnSpc>
-                <a:spcPct val="150000"/>
-              </a:lnSpc>
-              <a:buFont typeface="Arial" panose="020B0604020202020204" pitchFamily="34" charset="0"/>
-              <a:buChar char="•"/>
-            </a:pPr>
-            <a:r>
-              <a:rPr lang="pt-BR" dirty="0" smtClean="0">
-                <a:solidFill>
-                  <a:srgbClr val="172B4D"/>
-                </a:solidFill>
-              </a:rPr>
-              <a:t>Utilização </a:t>
-            </a:r>
-            <a:r>
-              <a:rPr lang="pt-BR" dirty="0">
-                <a:solidFill>
-                  <a:srgbClr val="172B4D"/>
-                </a:solidFill>
-              </a:rPr>
-              <a:t>de especificações da </a:t>
-            </a:r>
-            <a:r>
-              <a:rPr lang="pt-BR" dirty="0" err="1">
-                <a:solidFill>
-                  <a:srgbClr val="172B4D"/>
-                </a:solidFill>
-                <a:hlinkClick r:id="rId2"/>
-              </a:rPr>
-              <a:t>Frictionless</a:t>
-            </a:r>
-            <a:r>
-              <a:rPr lang="pt-BR" dirty="0">
-                <a:solidFill>
-                  <a:srgbClr val="172B4D"/>
-                </a:solidFill>
-                <a:hlinkClick r:id="rId2"/>
-              </a:rPr>
-              <a:t> </a:t>
-            </a:r>
-            <a:r>
-              <a:rPr lang="pt-BR" dirty="0" smtClean="0">
-                <a:solidFill>
-                  <a:srgbClr val="172B4D"/>
-                </a:solidFill>
-                <a:hlinkClick r:id="rId3"/>
-              </a:rPr>
-              <a:t>Data</a:t>
-            </a:r>
-            <a:r>
-              <a:rPr lang="pt-BR" dirty="0" smtClean="0">
-                <a:solidFill>
-                  <a:srgbClr val="172B4D"/>
-                </a:solidFill>
-              </a:rPr>
-              <a:t>: conjunto </a:t>
-            </a:r>
-            <a:r>
-              <a:rPr lang="pt-BR" dirty="0">
-                <a:solidFill>
-                  <a:srgbClr val="172B4D"/>
-                </a:solidFill>
-              </a:rPr>
-              <a:t>de ferramentas </a:t>
-            </a:r>
-            <a:r>
-              <a:rPr lang="pt-BR" dirty="0" smtClean="0">
-                <a:solidFill>
-                  <a:srgbClr val="172B4D"/>
-                </a:solidFill>
-              </a:rPr>
-              <a:t>para interoperabilidade </a:t>
-            </a:r>
-            <a:r>
-              <a:rPr lang="pt-BR" dirty="0">
-                <a:solidFill>
-                  <a:srgbClr val="172B4D"/>
-                </a:solidFill>
-              </a:rPr>
-              <a:t>de dados, por meio </a:t>
-            </a:r>
-            <a:r>
-              <a:rPr lang="pt-BR" dirty="0" smtClean="0">
-                <a:solidFill>
-                  <a:srgbClr val="172B4D"/>
-                </a:solidFill>
-              </a:rPr>
-              <a:t>de padrões </a:t>
-            </a:r>
-            <a:r>
-              <a:rPr lang="pt-BR" dirty="0">
-                <a:solidFill>
-                  <a:srgbClr val="172B4D"/>
-                </a:solidFill>
-              </a:rPr>
-              <a:t>e critérios técnicos </a:t>
-            </a:r>
-            <a:r>
-              <a:rPr lang="pt-BR" dirty="0" smtClean="0">
-                <a:solidFill>
-                  <a:srgbClr val="172B4D"/>
-                </a:solidFill>
-              </a:rPr>
-              <a:t>para otimizar </a:t>
-            </a:r>
-            <a:r>
-              <a:rPr lang="pt-BR" dirty="0">
-                <a:solidFill>
-                  <a:srgbClr val="172B4D"/>
-                </a:solidFill>
-              </a:rPr>
-              <a:t>o armazenamento e os usos de dados</a:t>
-            </a:r>
-            <a:endParaRPr lang="pt-BR" dirty="0" smtClean="0">
-              <a:solidFill>
-                <a:srgbClr val="172B4D"/>
-              </a:solidFill>
-            </a:endParaRPr>
-          </a:p>
-          <a:p>
-            <a:pPr marL="342900" indent="-342900">
-              <a:lnSpc>
-                <a:spcPct val="150000"/>
-              </a:lnSpc>
-              <a:buFont typeface="Arial" panose="020B0604020202020204" pitchFamily="34" charset="0"/>
-              <a:buChar char="•"/>
-            </a:pPr>
-            <a:endParaRPr lang="pt-BR" dirty="0">
-              <a:solidFill>
-                <a:srgbClr val="172B4D"/>
-              </a:solidFill>
-            </a:endParaRPr>
-          </a:p>
-          <a:p>
-            <a:pPr marL="342900" indent="-342900">
-              <a:lnSpc>
-                <a:spcPct val="150000"/>
-              </a:lnSpc>
-              <a:buFont typeface="Arial" panose="020B0604020202020204" pitchFamily="34" charset="0"/>
-              <a:buChar char="•"/>
-            </a:pPr>
-            <a:r>
-              <a:rPr lang="pt-BR" dirty="0">
-                <a:solidFill>
-                  <a:srgbClr val="172B4D"/>
-                </a:solidFill>
-              </a:rPr>
-              <a:t>Validação automática por serviços ofertados pela comunidade, como o </a:t>
-            </a:r>
-            <a:r>
-              <a:rPr lang="pt-BR" dirty="0" smtClean="0">
-                <a:solidFill>
-                  <a:srgbClr val="172B4D"/>
-                </a:solidFill>
-                <a:hlinkClick r:id="rId4"/>
-              </a:rPr>
-              <a:t>goodtables.io</a:t>
-            </a:r>
-            <a:endParaRPr lang="pt-BR" dirty="0" smtClean="0">
-              <a:solidFill>
-                <a:srgbClr val="172B4D"/>
-              </a:solidFill>
-            </a:endParaRPr>
-          </a:p>
-          <a:p>
-            <a:pPr lvl="0" eaLnBrk="0" fontAlgn="base" hangingPunct="0">
-              <a:lnSpc>
-                <a:spcPct val="100000"/>
-              </a:lnSpc>
-              <a:spcBef>
-                <a:spcPct val="0"/>
-              </a:spcBef>
-              <a:spcAft>
-                <a:spcPct val="0"/>
-              </a:spcAft>
-            </a:pPr>
-            <a:endParaRPr lang="pt-BR" altLang="pt-BR" dirty="0" smtClean="0">
-              <a:solidFill>
-                <a:srgbClr val="172B4D"/>
-              </a:solidFill>
-            </a:endParaRPr>
-          </a:p>
-          <a:p>
-            <a:pPr lvl="0" eaLnBrk="0" fontAlgn="base" hangingPunct="0">
-              <a:lnSpc>
-                <a:spcPct val="100000"/>
-              </a:lnSpc>
-              <a:spcBef>
-                <a:spcPct val="0"/>
-              </a:spcBef>
-              <a:spcAft>
-                <a:spcPct val="0"/>
-              </a:spcAft>
-              <a:buFontTx/>
-              <a:buChar char="•"/>
-            </a:pPr>
-            <a:endParaRPr lang="pt-BR" altLang="pt-BR" dirty="0">
-              <a:solidFill>
-                <a:srgbClr val="172B4D"/>
-              </a:solidFill>
-            </a:endParaRPr>
-          </a:p>
-          <a:p>
-            <a:pPr lvl="0" eaLnBrk="0" fontAlgn="base" hangingPunct="0">
-              <a:lnSpc>
-                <a:spcPct val="100000"/>
-              </a:lnSpc>
-              <a:spcBef>
-                <a:spcPct val="0"/>
-              </a:spcBef>
-              <a:spcAft>
-                <a:spcPct val="0"/>
-              </a:spcAft>
-              <a:buFontTx/>
-              <a:buChar char="•"/>
-            </a:pPr>
-            <a:endParaRPr lang="pt-BR" altLang="pt-BR" dirty="0" smtClean="0">
-              <a:solidFill>
-                <a:srgbClr val="172B4D"/>
-              </a:solidFill>
-            </a:endParaRPr>
-          </a:p>
-          <a:p>
-            <a:pPr lvl="0" eaLnBrk="0" fontAlgn="base" hangingPunct="0">
-              <a:lnSpc>
-                <a:spcPct val="100000"/>
-              </a:lnSpc>
-              <a:spcBef>
-                <a:spcPct val="0"/>
-              </a:spcBef>
-              <a:spcAft>
-                <a:spcPct val="0"/>
-              </a:spcAft>
-              <a:buFontTx/>
-              <a:buChar char="•"/>
-            </a:pPr>
-            <a:endParaRPr lang="pt-BR" altLang="pt-BR" dirty="0">
-              <a:solidFill>
-                <a:srgbClr val="172B4D"/>
-              </a:solidFill>
-            </a:endParaRPr>
-          </a:p>
-          <a:p>
-            <a:pPr lvl="0" eaLnBrk="0" fontAlgn="base" hangingPunct="0">
-              <a:lnSpc>
-                <a:spcPct val="100000"/>
-              </a:lnSpc>
-              <a:spcBef>
-                <a:spcPct val="0"/>
-              </a:spcBef>
-              <a:spcAft>
-                <a:spcPct val="0"/>
-              </a:spcAft>
-              <a:buFontTx/>
-              <a:buChar char="•"/>
-            </a:pPr>
-            <a:r>
-              <a:rPr lang="pt-BR" altLang="pt-BR" dirty="0" smtClean="0">
+            <a:r>
+              <a:rPr lang="pt-BR" altLang="pt-BR" dirty="0" err="1" smtClean="0">
                 <a:solidFill>
                   <a:srgbClr val="172B4D"/>
                 </a:solidFill>
@@ -13027,272 +13133,57 @@
                   </a:outerShdw>
                 </a:effectLst>
               </a:rPr>
-              <a:t>Versionamento</a:t>
-            </a:r>
-            <a:r>
-              <a:rPr lang="pt-BR" altLang="pt-BR" dirty="0">
-                <a:solidFill>
-                  <a:srgbClr val="172B4D"/>
-                </a:solidFill>
-                <a:effectLst>
-                  <a:outerShdw blurRad="38100" dist="38100" dir="2700000" algn="tl">
-                    <a:srgbClr val="000000">
-                      <a:alpha val="43137"/>
-                    </a:srgbClr>
-                  </a:outerShdw>
-                </a:effectLst>
+              <a:t>datapackage</a:t>
+            </a:r>
+            <a:r>
+              <a:rPr lang="pt-BR" dirty="0" smtClean="0">
+                <a:solidFill>
+                  <a:srgbClr val="172B4D"/>
+                </a:solidFill>
               </a:rPr>
               <a:t>: </a:t>
             </a:r>
-          </a:p>
-          <a:p>
-            <a:pPr lvl="0" eaLnBrk="0" fontAlgn="base" hangingPunct="0">
-              <a:lnSpc>
-                <a:spcPct val="100000"/>
-              </a:lnSpc>
-              <a:spcBef>
-                <a:spcPct val="0"/>
-              </a:spcBef>
-              <a:spcAft>
-                <a:spcPct val="0"/>
-              </a:spcAft>
-              <a:buFontTx/>
-              <a:buChar char="•"/>
-            </a:pPr>
-            <a:endParaRPr lang="pt-BR" altLang="pt-BR" dirty="0">
-              <a:solidFill>
-                <a:srgbClr val="172B4D"/>
-              </a:solidFill>
-              <a:hlinkClick r:id="rId5"/>
-            </a:endParaRPr>
-          </a:p>
-          <a:p>
-            <a:pPr lvl="0" eaLnBrk="0" fontAlgn="base" hangingPunct="0">
-              <a:lnSpc>
-                <a:spcPct val="100000"/>
-              </a:lnSpc>
-              <a:spcBef>
-                <a:spcPct val="0"/>
-              </a:spcBef>
-              <a:spcAft>
-                <a:spcPct val="0"/>
-              </a:spcAft>
-              <a:buFontTx/>
-              <a:buChar char="•"/>
-            </a:pPr>
-            <a:r>
-              <a:rPr lang="pt-BR" altLang="pt-BR" dirty="0">
-                <a:solidFill>
-                  <a:srgbClr val="172B4D"/>
-                </a:solidFill>
-                <a:hlinkClick r:id="rId5"/>
-              </a:rPr>
-              <a:t> histórico das alterações no repositório </a:t>
-            </a:r>
-            <a:r>
-              <a:rPr lang="pt-BR" dirty="0"/>
+            <a:r>
+              <a:rPr lang="pt-BR" dirty="0">
+                <a:solidFill>
+                  <a:srgbClr val="172B4D"/>
+                </a:solidFill>
+              </a:rPr>
+              <a:t>arquivo em formato </a:t>
+            </a:r>
+            <a:r>
+              <a:rPr lang="pt-BR" dirty="0" smtClean="0">
+                <a:solidFill>
+                  <a:srgbClr val="172B4D"/>
+                </a:solidFill>
+                <a:hlinkClick r:id="rId3"/>
+              </a:rPr>
+              <a:t>json</a:t>
+            </a:r>
+            <a:r>
+              <a:rPr lang="pt-BR" dirty="0" smtClean="0">
+                <a:solidFill>
+                  <a:srgbClr val="172B4D"/>
+                </a:solidFill>
+              </a:rPr>
               <a:t> </a:t>
             </a:r>
-          </a:p>
-          <a:p>
-            <a:pPr lvl="0" eaLnBrk="0" fontAlgn="base" hangingPunct="0">
-              <a:lnSpc>
-                <a:spcPct val="100000"/>
-              </a:lnSpc>
-              <a:spcBef>
-                <a:spcPct val="0"/>
-              </a:spcBef>
-              <a:spcAft>
-                <a:spcPct val="0"/>
-              </a:spcAft>
-              <a:buFontTx/>
-              <a:buChar char="•"/>
-            </a:pPr>
-            <a:endParaRPr lang="pt-BR" dirty="0"/>
-          </a:p>
-          <a:p>
-            <a:pPr lvl="0" eaLnBrk="0" fontAlgn="base" hangingPunct="0">
-              <a:lnSpc>
-                <a:spcPct val="100000"/>
-              </a:lnSpc>
-              <a:spcBef>
-                <a:spcPct val="0"/>
-              </a:spcBef>
-              <a:spcAft>
-                <a:spcPct val="0"/>
-              </a:spcAft>
-              <a:buFontTx/>
-              <a:buChar char="•"/>
-            </a:pPr>
             <a:r>
               <a:rPr lang="pt-BR" dirty="0">
-                <a:hlinkClick r:id="rId6"/>
-              </a:rPr>
-              <a:t> atualizações relevantes – Compras Emergenciais COVID</a:t>
-            </a:r>
-            <a:endParaRPr lang="pt-BR" altLang="pt-BR" dirty="0">
-              <a:solidFill>
-                <a:srgbClr val="172B4D"/>
-              </a:solidFill>
-            </a:endParaRPr>
-          </a:p>
-          <a:p>
-            <a:pPr lvl="0" eaLnBrk="0" fontAlgn="base" hangingPunct="0">
-              <a:lnSpc>
-                <a:spcPct val="100000"/>
-              </a:lnSpc>
-              <a:spcBef>
-                <a:spcPct val="0"/>
-              </a:spcBef>
-              <a:spcAft>
-                <a:spcPct val="0"/>
-              </a:spcAft>
-              <a:buFontTx/>
-              <a:buChar char="•"/>
-            </a:pPr>
-            <a:endParaRPr lang="pt-BR" altLang="pt-BR" dirty="0">
-              <a:solidFill>
-                <a:srgbClr val="172B4D"/>
-              </a:solidFill>
-            </a:endParaRPr>
-          </a:p>
-          <a:p>
-            <a:pPr lvl="0" eaLnBrk="0" fontAlgn="base" hangingPunct="0">
-              <a:lnSpc>
-                <a:spcPct val="100000"/>
-              </a:lnSpc>
-              <a:spcBef>
-                <a:spcPct val="0"/>
-              </a:spcBef>
-              <a:spcAft>
-                <a:spcPct val="0"/>
-              </a:spcAft>
-              <a:buFontTx/>
-              <a:buChar char="•"/>
-            </a:pPr>
-            <a:r>
-              <a:rPr lang="pt-BR" altLang="pt-BR" dirty="0">
-                <a:solidFill>
-                  <a:srgbClr val="172B4D"/>
-                </a:solidFill>
-              </a:rPr>
-              <a:t> </a:t>
-            </a:r>
-            <a:r>
-              <a:rPr lang="pt-BR" altLang="pt-BR" dirty="0">
-                <a:solidFill>
-                  <a:srgbClr val="172B4D"/>
-                </a:solidFill>
-                <a:effectLst>
-                  <a:outerShdw blurRad="38100" dist="38100" dir="2700000" algn="tl">
-                    <a:srgbClr val="000000">
-                      <a:alpha val="43137"/>
-                    </a:srgbClr>
-                  </a:outerShdw>
-                </a:effectLst>
-              </a:rPr>
-              <a:t>Validação contínua: </a:t>
-            </a:r>
-          </a:p>
-          <a:p>
-            <a:pPr lvl="0" eaLnBrk="0" fontAlgn="base" hangingPunct="0">
-              <a:lnSpc>
-                <a:spcPct val="100000"/>
-              </a:lnSpc>
-              <a:spcBef>
-                <a:spcPct val="0"/>
-              </a:spcBef>
-              <a:spcAft>
-                <a:spcPct val="0"/>
-              </a:spcAft>
-              <a:buFontTx/>
-              <a:buChar char="•"/>
-            </a:pPr>
-            <a:endParaRPr lang="pt-BR" altLang="pt-BR" dirty="0">
-              <a:solidFill>
-                <a:srgbClr val="172B4D"/>
-              </a:solidFill>
-            </a:endParaRPr>
-          </a:p>
-          <a:p>
-            <a:pPr lvl="0" eaLnBrk="0" fontAlgn="base" hangingPunct="0">
-              <a:lnSpc>
-                <a:spcPct val="100000"/>
-              </a:lnSpc>
-              <a:spcBef>
-                <a:spcPct val="0"/>
-              </a:spcBef>
-              <a:spcAft>
-                <a:spcPct val="0"/>
-              </a:spcAft>
-              <a:buFontTx/>
-              <a:buChar char="•"/>
-            </a:pPr>
-            <a:r>
-              <a:rPr lang="pt-BR" dirty="0">
-                <a:solidFill>
-                  <a:srgbClr val="172B4D"/>
-                </a:solidFill>
-                <a:hlinkClick r:id="rId7"/>
-              </a:rPr>
-              <a:t>Compras emergenciais COVID</a:t>
-            </a:r>
-            <a:endParaRPr lang="pt-BR" dirty="0">
-              <a:solidFill>
-                <a:srgbClr val="172B4D"/>
-              </a:solidFill>
-            </a:endParaRPr>
-          </a:p>
-          <a:p>
-            <a:pPr lvl="0" eaLnBrk="0" fontAlgn="base" hangingPunct="0">
-              <a:lnSpc>
-                <a:spcPct val="100000"/>
-              </a:lnSpc>
-              <a:spcBef>
-                <a:spcPct val="0"/>
-              </a:spcBef>
-              <a:spcAft>
-                <a:spcPct val="0"/>
-              </a:spcAft>
-              <a:buFontTx/>
-              <a:buChar char="•"/>
-            </a:pPr>
-            <a:endParaRPr lang="pt-BR" dirty="0">
-              <a:solidFill>
-                <a:srgbClr val="172B4D"/>
-              </a:solidFill>
-              <a:hlinkClick r:id="rId7"/>
-            </a:endParaRPr>
-          </a:p>
-          <a:p>
-            <a:pPr lvl="0" eaLnBrk="0" fontAlgn="base" hangingPunct="0">
-              <a:lnSpc>
-                <a:spcPct val="100000"/>
-              </a:lnSpc>
-              <a:spcBef>
-                <a:spcPct val="0"/>
-              </a:spcBef>
-              <a:spcAft>
-                <a:spcPct val="0"/>
-              </a:spcAft>
-              <a:buFontTx/>
-              <a:buChar char="•"/>
-            </a:pPr>
-            <a:r>
-              <a:rPr lang="pt-BR" dirty="0">
-                <a:solidFill>
-                  <a:srgbClr val="172B4D"/>
-                </a:solidFill>
-                <a:hlinkClick r:id="rId8"/>
-              </a:rPr>
-              <a:t>Cabeçalho casos confirmados</a:t>
-            </a:r>
-            <a:endParaRPr lang="pt-BR" dirty="0">
-              <a:solidFill>
-                <a:srgbClr val="172B4D"/>
-              </a:solidFill>
-              <a:hlinkClick r:id="rId7"/>
-            </a:endParaRPr>
+                <a:solidFill>
+                  <a:srgbClr val="172B4D"/>
+                </a:solidFill>
+              </a:rPr>
+              <a:t>que descreve</a:t>
+            </a:r>
+            <a:r>
+              <a:rPr lang="pt-BR" dirty="0" smtClean="0">
+                <a:solidFill>
+                  <a:srgbClr val="172B4D"/>
+                </a:solidFill>
+              </a:rPr>
+              <a:t>:</a:t>
+            </a:r>
           </a:p>
           <a:p>
             <a:pPr marL="342900" indent="-342900">
@@ -13306,11 +13197,175 @@
             </a:endParaRPr>
           </a:p>
           <a:p>
-            <a:pPr marL="342900" indent="-342900">
-              <a:buFont typeface="Arial" panose="020B0604020202020204" pitchFamily="34" charset="0"/>
-              <a:buChar char="•"/>
+            <a:pPr marL="457200" indent="-457200">
+              <a:buAutoNum type="alphaLcParenR"/>
             </a:pPr>
+            <a:r>
+              <a:rPr lang="pt-BR" dirty="0" smtClean="0">
+                <a:solidFill>
+                  <a:srgbClr val="172B4D"/>
+                </a:solidFill>
+              </a:rPr>
+              <a:t>o </a:t>
+            </a:r>
+            <a:r>
+              <a:rPr lang="pt-BR" dirty="0">
+                <a:solidFill>
+                  <a:srgbClr val="172B4D"/>
+                </a:solidFill>
+              </a:rPr>
+              <a:t>conjunto de dados e seus </a:t>
+            </a:r>
+            <a:r>
+              <a:rPr lang="pt-BR" dirty="0" err="1">
+                <a:solidFill>
+                  <a:srgbClr val="172B4D"/>
+                </a:solidFill>
+              </a:rPr>
+              <a:t>metadados</a:t>
+            </a:r>
+            <a:r>
+              <a:rPr lang="pt-BR" dirty="0">
+                <a:solidFill>
+                  <a:srgbClr val="172B4D"/>
+                </a:solidFill>
+              </a:rPr>
+              <a:t> (como título, descrição, formato de arquivo, palavras-chave, dentre outros</a:t>
+            </a:r>
+            <a:r>
+              <a:rPr lang="pt-BR" dirty="0" smtClean="0">
+                <a:solidFill>
+                  <a:srgbClr val="172B4D"/>
+                </a:solidFill>
+              </a:rPr>
+              <a:t>),</a:t>
+            </a:r>
+          </a:p>
+          <a:p>
+            <a:pPr marL="457200" indent="-457200">
+              <a:buAutoNum type="alphaLcParenR"/>
+            </a:pPr>
+            <a:endParaRPr lang="pt-BR" dirty="0">
+              <a:solidFill>
+                <a:srgbClr val="172B4D"/>
+              </a:solidFill>
+            </a:endParaRPr>
+          </a:p>
+          <a:p>
+            <a:r>
+              <a:rPr lang="pt-BR" dirty="0" smtClean="0">
+                <a:solidFill>
+                  <a:srgbClr val="172B4D"/>
+                </a:solidFill>
+              </a:rPr>
+              <a:t>b) as </a:t>
+            </a:r>
+            <a:r>
+              <a:rPr lang="pt-BR" dirty="0">
+                <a:solidFill>
+                  <a:srgbClr val="172B4D"/>
+                </a:solidFill>
+              </a:rPr>
+              <a:t>colunas de cada </a:t>
+            </a:r>
+            <a:r>
+              <a:rPr lang="pt-BR" dirty="0" smtClean="0">
+                <a:solidFill>
+                  <a:srgbClr val="172B4D"/>
+                </a:solidFill>
+              </a:rPr>
+              <a:t>recurso</a:t>
+            </a:r>
+            <a:r>
+              <a:rPr lang="pt-BR" dirty="0">
+                <a:solidFill>
+                  <a:srgbClr val="172B4D"/>
+                </a:solidFill>
+              </a:rPr>
+              <a:t> </a:t>
+            </a:r>
+            <a:r>
+              <a:rPr lang="pt-BR" dirty="0" smtClean="0">
+                <a:solidFill>
+                  <a:srgbClr val="172B4D"/>
+                </a:solidFill>
+              </a:rPr>
+              <a:t>(arquivo ou URL) </a:t>
+            </a:r>
+            <a:r>
+              <a:rPr lang="pt-BR" dirty="0">
+                <a:solidFill>
+                  <a:srgbClr val="172B4D"/>
+                </a:solidFill>
+              </a:rPr>
+              <a:t>que </a:t>
+            </a:r>
+            <a:r>
+              <a:rPr lang="pt-BR" dirty="0" smtClean="0">
+                <a:solidFill>
+                  <a:srgbClr val="172B4D"/>
+                </a:solidFill>
+              </a:rPr>
+              <a:t>contém (~ </a:t>
+            </a:r>
+            <a:r>
+              <a:rPr lang="pt-BR" dirty="0" err="1" smtClean="0">
+                <a:solidFill>
+                  <a:srgbClr val="172B4D"/>
+                </a:solidFill>
+              </a:rPr>
+              <a:t>schema</a:t>
+            </a:r>
+            <a:r>
+              <a:rPr lang="pt-BR" dirty="0" smtClean="0">
+                <a:solidFill>
+                  <a:srgbClr val="172B4D"/>
+                </a:solidFill>
+              </a:rPr>
+              <a:t>),</a:t>
+            </a:r>
+          </a:p>
+          <a:p>
             <a:endParaRPr lang="pt-BR" dirty="0" smtClean="0">
+              <a:solidFill>
+                <a:srgbClr val="172B4D"/>
+              </a:solidFill>
+            </a:endParaRPr>
+          </a:p>
+          <a:p>
+            <a:r>
+              <a:rPr lang="pt-BR" dirty="0" err="1">
+                <a:solidFill>
+                  <a:srgbClr val="172B4D"/>
+                </a:solidFill>
+              </a:rPr>
+              <a:t>Schema</a:t>
+            </a:r>
+            <a:r>
+              <a:rPr lang="pt-BR" dirty="0">
+                <a:solidFill>
+                  <a:srgbClr val="172B4D"/>
+                </a:solidFill>
+              </a:rPr>
+              <a:t>: </a:t>
+            </a:r>
+            <a:r>
+              <a:rPr lang="pt-BR" dirty="0">
+                <a:solidFill>
+                  <a:srgbClr val="172B4D"/>
+                </a:solidFill>
+                <a:hlinkClick r:id="rId4"/>
+              </a:rPr>
+              <a:t>alternativas para representação de endereço</a:t>
+            </a:r>
+            <a:endParaRPr lang="pt-BR" dirty="0">
+              <a:solidFill>
+                <a:srgbClr val="172B4D"/>
+              </a:solidFill>
+            </a:endParaRPr>
+          </a:p>
+          <a:p>
+            <a:endParaRPr lang="pt-BR" dirty="0">
               <a:solidFill>
                 <a:srgbClr val="172B4D"/>
               </a:solidFill>
@@ -13432,7 +13487,7 @@
     </p:spTree>
     <p:extLst>
       <p:ext uri="{BB962C8B-B14F-4D97-AF65-F5344CB8AC3E}">
-        <p14:creationId xmlns:p14="http://schemas.microsoft.com/office/powerpoint/2010/main" val="3147241764"/>
+        <p14:creationId xmlns:p14="http://schemas.microsoft.com/office/powerpoint/2010/main" val="3229614391"/>
       </p:ext>
     </p:extLst>
   </p:cSld>
